--- a/image/index/index_prototype1.pptx
+++ b/image/index/index_prototype1.pptx
@@ -6,9 +6,10 @@
   </p:sldMasterIdLst>
   <p:sldIdLst>
     <p:sldId id="256" r:id="rId2"/>
-    <p:sldId id="260" r:id="rId3"/>
-    <p:sldId id="259" r:id="rId4"/>
-    <p:sldId id="257" r:id="rId5"/>
+    <p:sldId id="261" r:id="rId3"/>
+    <p:sldId id="262" r:id="rId4"/>
+    <p:sldId id="263" r:id="rId5"/>
+    <p:sldId id="257" r:id="rId6"/>
   </p:sldIdLst>
   <p:sldSz cx="12192000" cy="6858000"/>
   <p:notesSz cx="6858000" cy="9144000"/>
@@ -107,6 +108,11 @@
       </a:defRPr>
     </a:lvl9pPr>
   </p:defaultTextStyle>
+  <p:extLst>
+    <p:ext uri="{EFAFB233-063F-42B5-8137-9DF3F51BA10A}">
+      <p15:sldGuideLst xmlns:p15="http://schemas.microsoft.com/office/powerpoint/2012/main"/>
+    </p:ext>
+  </p:extLst>
 </p:presentation>
 </file>
 
@@ -2953,6 +2959,14 @@
 <file path=ppt/slides/slide1.xml><?xml version="1.0" encoding="utf-8"?>
 <p:sld xmlns:a="http://schemas.openxmlformats.org/drawingml/2006/main" xmlns:r="http://schemas.openxmlformats.org/officeDocument/2006/relationships" xmlns:p="http://schemas.openxmlformats.org/presentationml/2006/main">
   <p:cSld>
+    <p:bg>
+      <p:bgPr>
+        <a:solidFill>
+          <a:schemeClr val="bg1"/>
+        </a:solidFill>
+        <a:effectLst/>
+      </p:bgPr>
+    </p:bg>
     <p:spTree>
       <p:nvGrpSpPr>
         <p:cNvPr id="1" name=""/>
@@ -2989,7 +3003,7 @@
         </p:blipFill>
         <p:spPr>
           <a:xfrm>
-            <a:off x="4251577" y="1608460"/>
+            <a:off x="4558772" y="694059"/>
             <a:ext cx="2922721" cy="1517799"/>
           </a:xfrm>
           <a:prstGeom prst="rect">
@@ -3005,7 +3019,7 @@
         </p:nvSpPr>
         <p:spPr>
           <a:xfrm>
-            <a:off x="3525194" y="4888675"/>
+            <a:off x="3438269" y="3030017"/>
             <a:ext cx="5867397" cy="253916"/>
           </a:xfrm>
           <a:prstGeom prst="rect">
@@ -3035,7 +3049,7 @@
         </p:nvSpPr>
         <p:spPr>
           <a:xfrm>
-            <a:off x="8670318" y="4927147"/>
+            <a:off x="8583393" y="3068489"/>
             <a:ext cx="492443" cy="215444"/>
           </a:xfrm>
           <a:prstGeom prst="rect">
@@ -3065,7 +3079,7 @@
         </p:nvSpPr>
         <p:spPr>
           <a:xfrm rot="10800000">
-            <a:off x="9100559" y="5005921"/>
+            <a:off x="9013634" y="3147263"/>
             <a:ext cx="162823" cy="57896"/>
           </a:xfrm>
           <a:prstGeom prst="triangle">
@@ -3113,7 +3127,7 @@
         </p:nvSpPr>
         <p:spPr>
           <a:xfrm>
-            <a:off x="3525194" y="3937686"/>
+            <a:off x="3538890" y="2341199"/>
             <a:ext cx="5637567" cy="420130"/>
           </a:xfrm>
           <a:prstGeom prst="roundRect">
@@ -3124,7 +3138,9 @@
           </a:solidFill>
           <a:ln>
             <a:solidFill>
-              <a:schemeClr val="tx1"/>
+              <a:schemeClr val="bg1">
+                <a:lumMod val="85000"/>
+              </a:schemeClr>
             </a:solidFill>
           </a:ln>
         </p:spPr>
@@ -3149,7 +3165,7 @@
           <a:lstStyle/>
           <a:p>
             <a:pPr algn="ctr"/>
-            <a:endParaRPr lang="ko-KR" altLang="en-US"/>
+            <a:endParaRPr lang="ko-KR" altLang="en-US" dirty="0"/>
           </a:p>
         </p:txBody>
       </p:sp>
@@ -3161,7 +3177,7 @@
         </p:nvSpPr>
         <p:spPr>
           <a:xfrm>
-            <a:off x="11188439" y="115329"/>
+            <a:off x="11033747" y="115329"/>
             <a:ext cx="492443" cy="215444"/>
           </a:xfrm>
           <a:prstGeom prst="rect">
@@ -3236,10 +3252,22 @@
           <a:lstStyle/>
           <a:p>
             <a:r>
-              <a:rPr lang="ko-KR" altLang="en-US" sz="800" dirty="0" smtClean="0"/>
+              <a:rPr lang="ko-KR" altLang="en-US" sz="800" u="sng" dirty="0" smtClean="0">
+                <a:solidFill>
+                  <a:schemeClr val="accent1">
+                    <a:lumMod val="75000"/>
+                  </a:schemeClr>
+                </a:solidFill>
+              </a:rPr>
               <a:t>고객센터</a:t>
             </a:r>
-            <a:endParaRPr lang="ko-KR" altLang="en-US" sz="800" dirty="0"/>
+            <a:endParaRPr lang="ko-KR" altLang="en-US" sz="800" u="sng" dirty="0">
+              <a:solidFill>
+                <a:schemeClr val="accent1">
+                  <a:lumMod val="75000"/>
+                </a:schemeClr>
+              </a:solidFill>
+            </a:endParaRPr>
           </a:p>
         </p:txBody>
       </p:sp>
@@ -3294,6 +3322,137 @@
               <a:t>호</a:t>
             </a:r>
             <a:endParaRPr lang="ko-KR" altLang="en-US" sz="800" dirty="0"/>
+          </a:p>
+        </p:txBody>
+      </p:sp>
+      <p:sp>
+        <p:nvSpPr>
+          <p:cNvPr id="2" name="직사각형 1"/>
+          <p:cNvSpPr/>
+          <p:nvPr/>
+        </p:nvSpPr>
+        <p:spPr>
+          <a:xfrm>
+            <a:off x="8616618" y="2433322"/>
+            <a:ext cx="441394" cy="235883"/>
+          </a:xfrm>
+          <a:prstGeom prst="rect">
+            <a:avLst/>
+          </a:prstGeom>
+          <a:noFill/>
+          <a:ln>
+            <a:solidFill>
+              <a:schemeClr val="bg1">
+                <a:lumMod val="85000"/>
+              </a:schemeClr>
+            </a:solidFill>
+          </a:ln>
+        </p:spPr>
+        <p:style>
+          <a:lnRef idx="2">
+            <a:schemeClr val="accent1">
+              <a:shade val="50000"/>
+            </a:schemeClr>
+          </a:lnRef>
+          <a:fillRef idx="1">
+            <a:schemeClr val="accent1"/>
+          </a:fillRef>
+          <a:effectRef idx="0">
+            <a:schemeClr val="accent1"/>
+          </a:effectRef>
+          <a:fontRef idx="minor">
+            <a:schemeClr val="lt1"/>
+          </a:fontRef>
+        </p:style>
+        <p:txBody>
+          <a:bodyPr rtlCol="0" anchor="ctr"/>
+          <a:lstStyle/>
+          <a:p>
+            <a:pPr algn="ctr"/>
+            <a:r>
+              <a:rPr lang="ko-KR" altLang="en-US" sz="1000" dirty="0" err="1" smtClean="0">
+                <a:solidFill>
+                  <a:schemeClr val="tx1"/>
+                </a:solidFill>
+                <a:latin typeface="HY엽서L" panose="02030600000101010101" pitchFamily="18" charset="-127"/>
+                <a:ea typeface="HY엽서L" panose="02030600000101010101" pitchFamily="18" charset="-127"/>
+              </a:rPr>
+              <a:t>모랭</a:t>
+            </a:r>
+            <a:endParaRPr lang="ko-KR" altLang="en-US" sz="1000" dirty="0">
+              <a:solidFill>
+                <a:schemeClr val="tx1"/>
+              </a:solidFill>
+              <a:latin typeface="HY엽서L" panose="02030600000101010101" pitchFamily="18" charset="-127"/>
+              <a:ea typeface="HY엽서L" panose="02030600000101010101" pitchFamily="18" charset="-127"/>
+            </a:endParaRPr>
+          </a:p>
+        </p:txBody>
+      </p:sp>
+      <p:cxnSp>
+        <p:nvCxnSpPr>
+          <p:cNvPr id="4" name="직선 연결선 3"/>
+          <p:cNvCxnSpPr/>
+          <p:nvPr/>
+        </p:nvCxnSpPr>
+        <p:spPr>
+          <a:xfrm>
+            <a:off x="8498172" y="2341199"/>
+            <a:ext cx="0" cy="420130"/>
+          </a:xfrm>
+          <a:prstGeom prst="line">
+            <a:avLst/>
+          </a:prstGeom>
+          <a:ln>
+            <a:solidFill>
+              <a:schemeClr val="bg1">
+                <a:lumMod val="85000"/>
+              </a:schemeClr>
+            </a:solidFill>
+          </a:ln>
+        </p:spPr>
+        <p:style>
+          <a:lnRef idx="1">
+            <a:schemeClr val="accent1"/>
+          </a:lnRef>
+          <a:fillRef idx="0">
+            <a:schemeClr val="accent1"/>
+          </a:fillRef>
+          <a:effectRef idx="0">
+            <a:schemeClr val="accent1"/>
+          </a:effectRef>
+          <a:fontRef idx="minor">
+            <a:schemeClr val="tx1"/>
+          </a:fontRef>
+        </p:style>
+      </p:cxnSp>
+      <p:sp>
+        <p:nvSpPr>
+          <p:cNvPr id="5" name="TextBox 4"/>
+          <p:cNvSpPr txBox="1"/>
+          <p:nvPr/>
+        </p:nvSpPr>
+        <p:spPr>
+          <a:xfrm>
+            <a:off x="93306" y="6389437"/>
+            <a:ext cx="1338828" cy="369332"/>
+          </a:xfrm>
+          <a:prstGeom prst="rect">
+            <a:avLst/>
+          </a:prstGeom>
+          <a:noFill/>
+        </p:spPr>
+        <p:txBody>
+          <a:bodyPr wrap="none" rtlCol="0">
+            <a:spAutoFit/>
+          </a:bodyPr>
+          <a:lstStyle/>
+          <a:p>
+            <a:r>
+              <a:rPr lang="ko-KR" altLang="en-US" smtClean="0"/>
+              <a:t>초기인덱스</a:t>
+            </a:r>
+            <a:endParaRPr lang="ko-KR" altLang="en-US" dirty="0"/>
           </a:p>
         </p:txBody>
       </p:sp>
@@ -3313,6 +3472,14 @@
 <file path=ppt/slides/slide2.xml><?xml version="1.0" encoding="utf-8"?>
 <p:sld xmlns:a="http://schemas.openxmlformats.org/drawingml/2006/main" xmlns:r="http://schemas.openxmlformats.org/officeDocument/2006/relationships" xmlns:p="http://schemas.openxmlformats.org/presentationml/2006/main">
   <p:cSld>
+    <p:bg>
+      <p:bgPr>
+        <a:solidFill>
+          <a:schemeClr val="bg1"/>
+        </a:solidFill>
+        <a:effectLst/>
+      </p:bgPr>
+    </p:bg>
     <p:spTree>
       <p:nvGrpSpPr>
         <p:cNvPr id="1" name=""/>
@@ -3329,7 +3496,7 @@
       </p:grpSpPr>
       <p:pic>
         <p:nvPicPr>
-          <p:cNvPr id="4" name="그림 3"/>
+          <p:cNvPr id="15" name="그림 14"/>
           <p:cNvPicPr>
             <a:picLocks noChangeAspect="1"/>
           </p:cNvPicPr>
@@ -3349,7 +3516,7 @@
         </p:blipFill>
         <p:spPr>
           <a:xfrm>
-            <a:off x="4251577" y="1608460"/>
+            <a:off x="4558772" y="694059"/>
             <a:ext cx="2922721" cy="1517799"/>
           </a:xfrm>
           <a:prstGeom prst="rect">
@@ -3359,13 +3526,13 @@
       </p:pic>
       <p:sp>
         <p:nvSpPr>
-          <p:cNvPr id="5" name="TextBox 4"/>
+          <p:cNvPr id="20" name="TextBox 19"/>
           <p:cNvSpPr txBox="1"/>
           <p:nvPr/>
         </p:nvSpPr>
         <p:spPr>
           <a:xfrm>
-            <a:off x="3525194" y="4888675"/>
+            <a:off x="3438269" y="3030017"/>
             <a:ext cx="5867397" cy="253916"/>
           </a:xfrm>
           <a:prstGeom prst="rect">
@@ -3389,13 +3556,13 @@
       </p:sp>
       <p:sp>
         <p:nvSpPr>
-          <p:cNvPr id="6" name="TextBox 5"/>
+          <p:cNvPr id="21" name="TextBox 20"/>
           <p:cNvSpPr txBox="1"/>
           <p:nvPr/>
         </p:nvSpPr>
         <p:spPr>
           <a:xfrm>
-            <a:off x="8670318" y="4927147"/>
+            <a:off x="8583393" y="3068489"/>
             <a:ext cx="492443" cy="215444"/>
           </a:xfrm>
           <a:prstGeom prst="rect">
@@ -3419,13 +3586,13 @@
       </p:sp>
       <p:sp>
         <p:nvSpPr>
-          <p:cNvPr id="7" name="이등변 삼각형 6"/>
+          <p:cNvPr id="22" name="이등변 삼각형 21"/>
           <p:cNvSpPr/>
           <p:nvPr/>
         </p:nvSpPr>
         <p:spPr>
           <a:xfrm rot="10800000">
-            <a:off x="9100559" y="5005921"/>
+            <a:off x="9013634" y="3147263"/>
             <a:ext cx="162823" cy="57896"/>
           </a:xfrm>
           <a:prstGeom prst="triangle">
@@ -3467,13 +3634,13 @@
       </p:sp>
       <p:sp>
         <p:nvSpPr>
-          <p:cNvPr id="8" name="모서리가 둥근 직사각형 7"/>
+          <p:cNvPr id="23" name="모서리가 둥근 직사각형 22"/>
           <p:cNvSpPr/>
           <p:nvPr/>
         </p:nvSpPr>
         <p:spPr>
           <a:xfrm>
-            <a:off x="3525194" y="3937686"/>
+            <a:off x="3538890" y="2341199"/>
             <a:ext cx="5637567" cy="420130"/>
           </a:xfrm>
           <a:prstGeom prst="roundRect">
@@ -3484,7 +3651,9 @@
           </a:solidFill>
           <a:ln>
             <a:solidFill>
-              <a:schemeClr val="tx1"/>
+              <a:schemeClr val="bg1">
+                <a:lumMod val="85000"/>
+              </a:schemeClr>
             </a:solidFill>
           </a:ln>
         </p:spPr>
@@ -3509,20 +3678,20 @@
           <a:lstStyle/>
           <a:p>
             <a:pPr algn="ctr"/>
-            <a:endParaRPr lang="ko-KR" altLang="en-US"/>
-          </a:p>
-        </p:txBody>
-      </p:sp>
-      <p:sp>
-        <p:nvSpPr>
-          <p:cNvPr id="9" name="TextBox 8"/>
+            <a:endParaRPr lang="ko-KR" altLang="en-US" dirty="0"/>
+          </a:p>
+        </p:txBody>
+      </p:sp>
+      <p:sp>
+        <p:nvSpPr>
+          <p:cNvPr id="26" name="TextBox 25"/>
           <p:cNvSpPr txBox="1"/>
           <p:nvPr/>
         </p:nvSpPr>
         <p:spPr>
           <a:xfrm>
-            <a:off x="10966018" y="115329"/>
-            <a:ext cx="697627" cy="215444"/>
+            <a:off x="11155045" y="105998"/>
+            <a:ext cx="595035" cy="215444"/>
           </a:xfrm>
           <a:prstGeom prst="rect">
             <a:avLst/>
@@ -3537,7 +3706,7 @@
           <a:p>
             <a:r>
               <a:rPr lang="ko-KR" altLang="en-US" sz="800" dirty="0" err="1" smtClean="0"/>
-              <a:t>마이페이지</a:t>
+              <a:t>박창주님</a:t>
             </a:r>
             <a:endParaRPr lang="ko-KR" altLang="en-US" sz="800" dirty="0"/>
           </a:p>
@@ -3545,13 +3714,13 @@
       </p:sp>
       <p:sp>
         <p:nvSpPr>
-          <p:cNvPr id="10" name="TextBox 9"/>
+          <p:cNvPr id="28" name="TextBox 27"/>
           <p:cNvSpPr txBox="1"/>
           <p:nvPr/>
         </p:nvSpPr>
         <p:spPr>
           <a:xfrm>
-            <a:off x="11526190" y="115329"/>
+            <a:off x="7174298" y="6642556"/>
             <a:ext cx="595035" cy="215444"/>
           </a:xfrm>
           <a:prstGeom prst="rect">
@@ -3566,8 +3735,74 @@
           <a:lstStyle/>
           <a:p>
             <a:r>
-              <a:rPr lang="ko-KR" altLang="en-US" sz="800" smtClean="0"/>
-              <a:t>로그아웃</a:t>
+              <a:rPr lang="ko-KR" altLang="en-US" sz="800" u="sng" dirty="0" smtClean="0">
+                <a:solidFill>
+                  <a:schemeClr val="accent1">
+                    <a:lumMod val="75000"/>
+                  </a:schemeClr>
+                </a:solidFill>
+              </a:rPr>
+              <a:t>고객센터</a:t>
+            </a:r>
+            <a:endParaRPr lang="ko-KR" altLang="en-US" sz="800" u="sng" dirty="0">
+              <a:solidFill>
+                <a:schemeClr val="accent1">
+                  <a:lumMod val="75000"/>
+                </a:schemeClr>
+              </a:solidFill>
+            </a:endParaRPr>
+          </a:p>
+        </p:txBody>
+      </p:sp>
+      <p:sp>
+        <p:nvSpPr>
+          <p:cNvPr id="29" name="TextBox 28"/>
+          <p:cNvSpPr txBox="1"/>
+          <p:nvPr/>
+        </p:nvSpPr>
+        <p:spPr>
+          <a:xfrm>
+            <a:off x="4003589" y="6642556"/>
+            <a:ext cx="2947746" cy="215444"/>
+          </a:xfrm>
+          <a:prstGeom prst="rect">
+            <a:avLst/>
+          </a:prstGeom>
+          <a:noFill/>
+        </p:spPr>
+        <p:txBody>
+          <a:bodyPr wrap="square" rtlCol="0">
+            <a:spAutoFit/>
+          </a:bodyPr>
+          <a:lstStyle/>
+          <a:p>
+            <a:r>
+              <a:rPr lang="ko-KR" altLang="en-US" sz="800" dirty="0" smtClean="0"/>
+              <a:t>수원시 </a:t>
+            </a:r>
+            <a:r>
+              <a:rPr lang="ko-KR" altLang="en-US" sz="800" dirty="0" err="1" smtClean="0"/>
+              <a:t>에이비씨동</a:t>
+            </a:r>
+            <a:r>
+              <a:rPr lang="ko-KR" altLang="en-US" sz="800" dirty="0" smtClean="0"/>
+              <a:t> </a:t>
+            </a:r>
+            <a:r>
+              <a:rPr lang="ko-KR" altLang="en-US" sz="800" dirty="0" err="1" smtClean="0"/>
+              <a:t>디이에프구</a:t>
+            </a:r>
+            <a:r>
+              <a:rPr lang="ko-KR" altLang="en-US" sz="800" dirty="0" smtClean="0"/>
+              <a:t> 제트제트제트빌딩 </a:t>
+            </a:r>
+            <a:r>
+              <a:rPr lang="en-US" altLang="ko-KR" sz="800" dirty="0" smtClean="0"/>
+              <a:t>12344</a:t>
+            </a:r>
+            <a:r>
+              <a:rPr lang="ko-KR" altLang="en-US" sz="800" dirty="0" smtClean="0"/>
+              <a:t>호</a:t>
             </a:r>
             <a:endParaRPr lang="ko-KR" altLang="en-US" sz="800" dirty="0"/>
           </a:p>
@@ -3575,24 +3810,24 @@
       </p:sp>
       <p:sp>
         <p:nvSpPr>
-          <p:cNvPr id="11" name="번개 10"/>
+          <p:cNvPr id="2" name="직사각형 1"/>
           <p:cNvSpPr/>
           <p:nvPr/>
         </p:nvSpPr>
         <p:spPr>
           <a:xfrm>
-            <a:off x="8850636" y="4767381"/>
-            <a:ext cx="131806" cy="236717"/>
-          </a:xfrm>
-          <a:prstGeom prst="lightningBolt">
-            <a:avLst/>
-          </a:prstGeom>
-          <a:solidFill>
-            <a:schemeClr val="bg1"/>
-          </a:solidFill>
+            <a:off x="8616618" y="2433322"/>
+            <a:ext cx="441394" cy="235883"/>
+          </a:xfrm>
+          <a:prstGeom prst="rect">
+            <a:avLst/>
+          </a:prstGeom>
+          <a:noFill/>
           <a:ln>
             <a:solidFill>
-              <a:schemeClr val="tx1"/>
+              <a:schemeClr val="bg1">
+                <a:lumMod val="85000"/>
+              </a:schemeClr>
             </a:solidFill>
           </a:ln>
         </p:spPr>
@@ -3617,20 +3852,73 @@
           <a:lstStyle/>
           <a:p>
             <a:pPr algn="ctr"/>
-            <a:endParaRPr lang="ko-KR" altLang="en-US"/>
-          </a:p>
-        </p:txBody>
-      </p:sp>
-      <p:sp>
-        <p:nvSpPr>
-          <p:cNvPr id="12" name="TextBox 11"/>
+            <a:r>
+              <a:rPr lang="ko-KR" altLang="en-US" sz="1000" dirty="0" err="1" smtClean="0">
+                <a:solidFill>
+                  <a:schemeClr val="tx1"/>
+                </a:solidFill>
+                <a:latin typeface="HY엽서L" panose="02030600000101010101" pitchFamily="18" charset="-127"/>
+                <a:ea typeface="HY엽서L" panose="02030600000101010101" pitchFamily="18" charset="-127"/>
+              </a:rPr>
+              <a:t>모랭</a:t>
+            </a:r>
+            <a:endParaRPr lang="ko-KR" altLang="en-US" sz="1000" dirty="0">
+              <a:solidFill>
+                <a:schemeClr val="tx1"/>
+              </a:solidFill>
+              <a:latin typeface="HY엽서L" panose="02030600000101010101" pitchFamily="18" charset="-127"/>
+              <a:ea typeface="HY엽서L" panose="02030600000101010101" pitchFamily="18" charset="-127"/>
+            </a:endParaRPr>
+          </a:p>
+        </p:txBody>
+      </p:sp>
+      <p:cxnSp>
+        <p:nvCxnSpPr>
+          <p:cNvPr id="4" name="직선 연결선 3"/>
+          <p:cNvCxnSpPr/>
+          <p:nvPr/>
+        </p:nvCxnSpPr>
+        <p:spPr>
+          <a:xfrm>
+            <a:off x="8498172" y="2341199"/>
+            <a:ext cx="0" cy="420130"/>
+          </a:xfrm>
+          <a:prstGeom prst="line">
+            <a:avLst/>
+          </a:prstGeom>
+          <a:ln>
+            <a:solidFill>
+              <a:schemeClr val="bg1">
+                <a:lumMod val="85000"/>
+              </a:schemeClr>
+            </a:solidFill>
+          </a:ln>
+        </p:spPr>
+        <p:style>
+          <a:lnRef idx="1">
+            <a:schemeClr val="accent1"/>
+          </a:lnRef>
+          <a:fillRef idx="0">
+            <a:schemeClr val="accent1"/>
+          </a:fillRef>
+          <a:effectRef idx="0">
+            <a:schemeClr val="accent1"/>
+          </a:effectRef>
+          <a:fontRef idx="minor">
+            <a:schemeClr val="tx1"/>
+          </a:fontRef>
+        </p:style>
+      </p:cxnSp>
+      <p:sp>
+        <p:nvSpPr>
+          <p:cNvPr id="14" name="TextBox 13"/>
           <p:cNvSpPr txBox="1"/>
           <p:nvPr/>
         </p:nvSpPr>
         <p:spPr>
           <a:xfrm>
-            <a:off x="7174298" y="6642556"/>
-            <a:ext cx="595035" cy="215444"/>
+            <a:off x="93306" y="6389437"/>
+            <a:ext cx="1375698" cy="369332"/>
           </a:xfrm>
           <a:prstGeom prst="rect">
             <a:avLst/>
@@ -3644,71 +3932,69 @@
           <a:lstStyle/>
           <a:p>
             <a:r>
-              <a:rPr lang="ko-KR" altLang="en-US" sz="800" dirty="0" smtClean="0"/>
-              <a:t>고객센터</a:t>
-            </a:r>
-            <a:endParaRPr lang="ko-KR" altLang="en-US" sz="800" dirty="0"/>
-          </a:p>
-        </p:txBody>
-      </p:sp>
-      <p:sp>
-        <p:nvSpPr>
-          <p:cNvPr id="13" name="TextBox 12"/>
-          <p:cNvSpPr txBox="1"/>
-          <p:nvPr/>
-        </p:nvSpPr>
-        <p:spPr>
-          <a:xfrm>
-            <a:off x="4003589" y="6642556"/>
-            <a:ext cx="2947746" cy="215444"/>
-          </a:xfrm>
-          <a:prstGeom prst="rect">
-            <a:avLst/>
-          </a:prstGeom>
-          <a:noFill/>
-        </p:spPr>
-        <p:txBody>
-          <a:bodyPr wrap="square" rtlCol="0">
-            <a:spAutoFit/>
-          </a:bodyPr>
-          <a:lstStyle/>
-          <a:p>
-            <a:r>
-              <a:rPr lang="ko-KR" altLang="en-US" sz="800" dirty="0" smtClean="0"/>
-              <a:t>수원시 </a:t>
-            </a:r>
-            <a:r>
-              <a:rPr lang="ko-KR" altLang="en-US" sz="800" dirty="0" err="1" smtClean="0"/>
-              <a:t>에이비씨동</a:t>
-            </a:r>
-            <a:r>
-              <a:rPr lang="ko-KR" altLang="en-US" sz="800" dirty="0" smtClean="0"/>
-              <a:t> </a:t>
-            </a:r>
-            <a:r>
-              <a:rPr lang="ko-KR" altLang="en-US" sz="800" dirty="0" err="1" smtClean="0"/>
-              <a:t>디이에프구</a:t>
-            </a:r>
-            <a:r>
-              <a:rPr lang="ko-KR" altLang="en-US" sz="800" dirty="0" smtClean="0"/>
-              <a:t> 제트제트제트빌딩 </a:t>
-            </a:r>
-            <a:r>
-              <a:rPr lang="en-US" altLang="ko-KR" sz="800" dirty="0" smtClean="0"/>
-              <a:t>12344</a:t>
-            </a:r>
-            <a:r>
-              <a:rPr lang="ko-KR" altLang="en-US" sz="800" dirty="0" smtClean="0"/>
-              <a:t>호</a:t>
-            </a:r>
-            <a:endParaRPr lang="ko-KR" altLang="en-US" sz="800" dirty="0"/>
+              <a:rPr lang="ko-KR" altLang="en-US" dirty="0" smtClean="0"/>
+              <a:t>로그인후</a:t>
+            </a:r>
+            <a:r>
+              <a:rPr lang="en-US" altLang="ko-KR" dirty="0" smtClean="0"/>
+              <a:t>(1)</a:t>
+            </a:r>
+            <a:endParaRPr lang="ko-KR" altLang="en-US" dirty="0"/>
+          </a:p>
+        </p:txBody>
+      </p:sp>
+      <p:sp>
+        <p:nvSpPr>
+          <p:cNvPr id="16" name="이등변 삼각형 15"/>
+          <p:cNvSpPr/>
+          <p:nvPr/>
+        </p:nvSpPr>
+        <p:spPr>
+          <a:xfrm rot="10800000">
+            <a:off x="11750080" y="184772"/>
+            <a:ext cx="162823" cy="57896"/>
+          </a:xfrm>
+          <a:prstGeom prst="triangle">
+            <a:avLst/>
+          </a:prstGeom>
+          <a:solidFill>
+            <a:schemeClr val="tx1"/>
+          </a:solidFill>
+          <a:ln>
+            <a:solidFill>
+              <a:schemeClr val="bg1"/>
+            </a:solidFill>
+          </a:ln>
+        </p:spPr>
+        <p:style>
+          <a:lnRef idx="2">
+            <a:schemeClr val="accent1">
+              <a:shade val="50000"/>
+            </a:schemeClr>
+          </a:lnRef>
+          <a:fillRef idx="1">
+            <a:schemeClr val="accent1"/>
+          </a:fillRef>
+          <a:effectRef idx="0">
+            <a:schemeClr val="accent1"/>
+          </a:effectRef>
+          <a:fontRef idx="minor">
+            <a:schemeClr val="lt1"/>
+          </a:fontRef>
+        </p:style>
+        <p:txBody>
+          <a:bodyPr rtlCol="0" anchor="ctr"/>
+          <a:lstStyle/>
+          <a:p>
+            <a:pPr algn="ctr"/>
+            <a:endParaRPr lang="ko-KR" altLang="en-US"/>
           </a:p>
         </p:txBody>
       </p:sp>
     </p:spTree>
     <p:extLst>
       <p:ext uri="{BB962C8B-B14F-4D97-AF65-F5344CB8AC3E}">
-        <p14:creationId xmlns:p14="http://schemas.microsoft.com/office/powerpoint/2010/main" val="409508062"/>
+        <p14:creationId xmlns:p14="http://schemas.microsoft.com/office/powerpoint/2010/main" val="2091392027"/>
       </p:ext>
     </p:extLst>
   </p:cSld>
@@ -3721,6 +4007,14 @@
 <file path=ppt/slides/slide3.xml><?xml version="1.0" encoding="utf-8"?>
 <p:sld xmlns:a="http://schemas.openxmlformats.org/drawingml/2006/main" xmlns:r="http://schemas.openxmlformats.org/officeDocument/2006/relationships" xmlns:p="http://schemas.openxmlformats.org/presentationml/2006/main">
   <p:cSld>
+    <p:bg>
+      <p:bgPr>
+        <a:solidFill>
+          <a:schemeClr val="bg1"/>
+        </a:solidFill>
+        <a:effectLst/>
+      </p:bgPr>
+    </p:bg>
     <p:spTree>
       <p:nvGrpSpPr>
         <p:cNvPr id="1" name=""/>
@@ -3737,7 +4031,7 @@
       </p:grpSpPr>
       <p:pic>
         <p:nvPicPr>
-          <p:cNvPr id="4" name="그림 3"/>
+          <p:cNvPr id="15" name="그림 14"/>
           <p:cNvPicPr>
             <a:picLocks noChangeAspect="1"/>
           </p:cNvPicPr>
@@ -3757,7 +4051,7 @@
         </p:blipFill>
         <p:spPr>
           <a:xfrm>
-            <a:off x="4251577" y="1608460"/>
+            <a:off x="4558772" y="694059"/>
             <a:ext cx="2922721" cy="1517799"/>
           </a:xfrm>
           <a:prstGeom prst="rect">
@@ -3767,13 +4061,13 @@
       </p:pic>
       <p:sp>
         <p:nvSpPr>
-          <p:cNvPr id="5" name="TextBox 4"/>
+          <p:cNvPr id="20" name="TextBox 19"/>
           <p:cNvSpPr txBox="1"/>
           <p:nvPr/>
         </p:nvSpPr>
         <p:spPr>
           <a:xfrm>
-            <a:off x="3525194" y="4888675"/>
+            <a:off x="3438269" y="3030017"/>
             <a:ext cx="5867397" cy="253916"/>
           </a:xfrm>
           <a:prstGeom prst="rect">
@@ -3797,13 +4091,13 @@
       </p:sp>
       <p:sp>
         <p:nvSpPr>
-          <p:cNvPr id="6" name="TextBox 5"/>
+          <p:cNvPr id="21" name="TextBox 20"/>
           <p:cNvSpPr txBox="1"/>
           <p:nvPr/>
         </p:nvSpPr>
         <p:spPr>
           <a:xfrm>
-            <a:off x="8670318" y="4927147"/>
+            <a:off x="8583393" y="3068489"/>
             <a:ext cx="492443" cy="215444"/>
           </a:xfrm>
           <a:prstGeom prst="rect">
@@ -3827,13 +4121,13 @@
       </p:sp>
       <p:sp>
         <p:nvSpPr>
-          <p:cNvPr id="7" name="이등변 삼각형 6"/>
+          <p:cNvPr id="22" name="이등변 삼각형 21"/>
           <p:cNvSpPr/>
           <p:nvPr/>
         </p:nvSpPr>
         <p:spPr>
           <a:xfrm rot="10800000">
-            <a:off x="9100559" y="5005921"/>
+            <a:off x="9013634" y="3147263"/>
             <a:ext cx="162823" cy="57896"/>
           </a:xfrm>
           <a:prstGeom prst="triangle">
@@ -3875,13 +4169,13 @@
       </p:sp>
       <p:sp>
         <p:nvSpPr>
-          <p:cNvPr id="8" name="모서리가 둥근 직사각형 7"/>
+          <p:cNvPr id="23" name="모서리가 둥근 직사각형 22"/>
           <p:cNvSpPr/>
           <p:nvPr/>
         </p:nvSpPr>
         <p:spPr>
           <a:xfrm>
-            <a:off x="3525194" y="3937686"/>
+            <a:off x="3538890" y="2341199"/>
             <a:ext cx="5637567" cy="420130"/>
           </a:xfrm>
           <a:prstGeom prst="roundRect">
@@ -3892,7 +4186,9 @@
           </a:solidFill>
           <a:ln>
             <a:solidFill>
-              <a:schemeClr val="tx1"/>
+              <a:schemeClr val="bg1">
+                <a:lumMod val="85000"/>
+              </a:schemeClr>
             </a:solidFill>
           </a:ln>
         </p:spPr>
@@ -3917,20 +4213,20 @@
           <a:lstStyle/>
           <a:p>
             <a:pPr algn="ctr"/>
-            <a:endParaRPr lang="ko-KR" altLang="en-US"/>
-          </a:p>
-        </p:txBody>
-      </p:sp>
-      <p:sp>
-        <p:nvSpPr>
-          <p:cNvPr id="12" name="TextBox 11"/>
+            <a:endParaRPr lang="ko-KR" altLang="en-US" dirty="0"/>
+          </a:p>
+        </p:txBody>
+      </p:sp>
+      <p:sp>
+        <p:nvSpPr>
+          <p:cNvPr id="26" name="TextBox 25"/>
           <p:cNvSpPr txBox="1"/>
           <p:nvPr/>
         </p:nvSpPr>
         <p:spPr>
           <a:xfrm>
-            <a:off x="10966018" y="115329"/>
-            <a:ext cx="697627" cy="215444"/>
+            <a:off x="11155045" y="105998"/>
+            <a:ext cx="595035" cy="215444"/>
           </a:xfrm>
           <a:prstGeom prst="rect">
             <a:avLst/>
@@ -3944,8 +4240,8 @@
           <a:lstStyle/>
           <a:p>
             <a:r>
-              <a:rPr lang="ko-KR" altLang="en-US" sz="800" dirty="0" err="1" smtClean="0"/>
-              <a:t>마이페이지</a:t>
+              <a:rPr lang="ko-KR" altLang="en-US" sz="800" smtClean="0"/>
+              <a:t>박창주님</a:t>
             </a:r>
             <a:endParaRPr lang="ko-KR" altLang="en-US" sz="800" dirty="0"/>
           </a:p>
@@ -3953,13 +4249,13 @@
       </p:sp>
       <p:sp>
         <p:nvSpPr>
-          <p:cNvPr id="13" name="TextBox 12"/>
+          <p:cNvPr id="28" name="TextBox 27"/>
           <p:cNvSpPr txBox="1"/>
           <p:nvPr/>
         </p:nvSpPr>
         <p:spPr>
           <a:xfrm>
-            <a:off x="11526190" y="115329"/>
+            <a:off x="7174298" y="6642556"/>
             <a:ext cx="595035" cy="215444"/>
           </a:xfrm>
           <a:prstGeom prst="rect">
@@ -3974,23 +4270,35 @@
           <a:lstStyle/>
           <a:p>
             <a:r>
-              <a:rPr lang="ko-KR" altLang="en-US" sz="800" smtClean="0"/>
-              <a:t>로그아웃</a:t>
-            </a:r>
-            <a:endParaRPr lang="ko-KR" altLang="en-US" sz="800" dirty="0"/>
-          </a:p>
-        </p:txBody>
-      </p:sp>
-      <p:sp>
-        <p:nvSpPr>
-          <p:cNvPr id="14" name="TextBox 13"/>
+              <a:rPr lang="ko-KR" altLang="en-US" sz="800" u="sng" dirty="0" smtClean="0">
+                <a:solidFill>
+                  <a:schemeClr val="accent1">
+                    <a:lumMod val="75000"/>
+                  </a:schemeClr>
+                </a:solidFill>
+              </a:rPr>
+              <a:t>고객센터</a:t>
+            </a:r>
+            <a:endParaRPr lang="ko-KR" altLang="en-US" sz="800" u="sng" dirty="0">
+              <a:solidFill>
+                <a:schemeClr val="accent1">
+                  <a:lumMod val="75000"/>
+                </a:schemeClr>
+              </a:solidFill>
+            </a:endParaRPr>
+          </a:p>
+        </p:txBody>
+      </p:sp>
+      <p:sp>
+        <p:nvSpPr>
+          <p:cNvPr id="29" name="TextBox 28"/>
           <p:cNvSpPr txBox="1"/>
           <p:nvPr/>
         </p:nvSpPr>
         <p:spPr>
           <a:xfrm>
-            <a:off x="3467529" y="5263475"/>
-            <a:ext cx="503109" cy="1446550"/>
+            <a:off x="4003589" y="6642556"/>
+            <a:ext cx="2947746" cy="215444"/>
           </a:xfrm>
           <a:prstGeom prst="rect">
             <a:avLst/>
@@ -4003,912 +4311,58 @@
           </a:bodyPr>
           <a:lstStyle/>
           <a:p>
-            <a:pPr algn="ctr"/>
             <a:r>
               <a:rPr lang="ko-KR" altLang="en-US" sz="800" dirty="0" smtClean="0"/>
-              <a:t>코미디</a:t>
-            </a:r>
-            <a:endParaRPr lang="en-US" altLang="ko-KR" sz="800" dirty="0" smtClean="0"/>
-          </a:p>
-          <a:p>
-            <a:pPr algn="ctr"/>
-            <a:endParaRPr lang="en-US" altLang="ko-KR" sz="800" dirty="0" smtClean="0"/>
-          </a:p>
-          <a:p>
-            <a:pPr algn="ctr"/>
+              <a:t>수원시 </a:t>
+            </a:r>
             <a:r>
               <a:rPr lang="ko-KR" altLang="en-US" sz="800" dirty="0" err="1" smtClean="0"/>
-              <a:t>멜로</a:t>
-            </a:r>
-            <a:endParaRPr lang="en-US" altLang="ko-KR" sz="800" dirty="0" smtClean="0"/>
-          </a:p>
-          <a:p>
-            <a:pPr algn="ctr"/>
-            <a:endParaRPr lang="en-US" altLang="ko-KR" sz="800" dirty="0" smtClean="0"/>
-          </a:p>
-          <a:p>
-            <a:pPr algn="ctr"/>
+              <a:t>에이비씨동</a:t>
+            </a:r>
             <a:r>
               <a:rPr lang="ko-KR" altLang="en-US" sz="800" dirty="0" smtClean="0"/>
-              <a:t>연예</a:t>
-            </a:r>
-            <a:endParaRPr lang="en-US" altLang="ko-KR" sz="800" dirty="0" smtClean="0"/>
-          </a:p>
-          <a:p>
-            <a:pPr algn="ctr"/>
-            <a:endParaRPr lang="en-US" altLang="ko-KR" sz="800" dirty="0" smtClean="0"/>
-          </a:p>
-          <a:p>
-            <a:pPr algn="ctr"/>
+              <a:t> </a:t>
+            </a:r>
+            <a:r>
+              <a:rPr lang="ko-KR" altLang="en-US" sz="800" dirty="0" err="1" smtClean="0"/>
+              <a:t>디이에프구</a:t>
+            </a:r>
             <a:r>
               <a:rPr lang="ko-KR" altLang="en-US" sz="800" dirty="0" smtClean="0"/>
-              <a:t>로맨스</a:t>
-            </a:r>
-            <a:endParaRPr lang="en-US" altLang="ko-KR" sz="800" dirty="0" smtClean="0"/>
-          </a:p>
-          <a:p>
-            <a:pPr algn="ctr"/>
-            <a:endParaRPr lang="en-US" altLang="ko-KR" sz="800" dirty="0"/>
-          </a:p>
-          <a:p>
-            <a:pPr algn="ctr"/>
+              <a:t> 제트제트제트빌딩 </a:t>
+            </a:r>
+            <a:r>
+              <a:rPr lang="en-US" altLang="ko-KR" sz="800" dirty="0" smtClean="0"/>
+              <a:t>12344</a:t>
+            </a:r>
             <a:r>
               <a:rPr lang="ko-KR" altLang="en-US" sz="800" dirty="0" smtClean="0"/>
-              <a:t>성인</a:t>
-            </a:r>
-            <a:endParaRPr lang="en-US" altLang="ko-KR" sz="800" dirty="0" smtClean="0"/>
-          </a:p>
-          <a:p>
-            <a:pPr algn="ctr"/>
-            <a:endParaRPr lang="en-US" altLang="ko-KR" sz="800" dirty="0"/>
-          </a:p>
-          <a:p>
-            <a:pPr algn="ctr"/>
-            <a:r>
-              <a:rPr lang="ko-KR" altLang="en-US" sz="800" dirty="0" smtClean="0"/>
-              <a:t>공포</a:t>
-            </a:r>
-            <a:endParaRPr lang="en-US" altLang="ko-KR" sz="800" dirty="0" smtClean="0"/>
-          </a:p>
-        </p:txBody>
-      </p:sp>
-      <p:sp>
-        <p:nvSpPr>
-          <p:cNvPr id="27" name="TextBox 26"/>
-          <p:cNvSpPr txBox="1"/>
-          <p:nvPr/>
-        </p:nvSpPr>
-        <p:spPr>
-          <a:xfrm>
-            <a:off x="3883239" y="5263475"/>
-            <a:ext cx="503109" cy="954107"/>
+              <a:t>호</a:t>
+            </a:r>
+            <a:endParaRPr lang="ko-KR" altLang="en-US" sz="800" dirty="0"/>
+          </a:p>
+        </p:txBody>
+      </p:sp>
+      <p:sp>
+        <p:nvSpPr>
+          <p:cNvPr id="2" name="직사각형 1"/>
+          <p:cNvSpPr/>
+          <p:nvPr/>
+        </p:nvSpPr>
+        <p:spPr>
+          <a:xfrm>
+            <a:off x="8616618" y="2433322"/>
+            <a:ext cx="441394" cy="235883"/>
           </a:xfrm>
           <a:prstGeom prst="rect">
             <a:avLst/>
           </a:prstGeom>
           <a:noFill/>
-        </p:spPr>
-        <p:txBody>
-          <a:bodyPr wrap="square" rtlCol="0">
-            <a:spAutoFit/>
-          </a:bodyPr>
-          <a:lstStyle/>
-          <a:p>
-            <a:pPr algn="ctr"/>
-            <a:r>
-              <a:rPr lang="en-US" altLang="ko-KR" sz="800" dirty="0" smtClean="0"/>
-              <a:t>RPG</a:t>
-            </a:r>
-          </a:p>
-          <a:p>
-            <a:pPr algn="ctr"/>
-            <a:endParaRPr lang="en-US" altLang="ko-KR" sz="800" dirty="0"/>
-          </a:p>
-          <a:p>
-            <a:pPr algn="ctr"/>
-            <a:r>
-              <a:rPr lang="ko-KR" altLang="en-US" sz="800" dirty="0" smtClean="0"/>
-              <a:t>액션</a:t>
-            </a:r>
-            <a:endParaRPr lang="en-US" altLang="ko-KR" sz="800" dirty="0" smtClean="0"/>
-          </a:p>
-          <a:p>
-            <a:pPr algn="ctr"/>
-            <a:endParaRPr lang="en-US" altLang="ko-KR" sz="800" dirty="0"/>
-          </a:p>
-          <a:p>
-            <a:pPr algn="ctr"/>
-            <a:r>
-              <a:rPr lang="ko-KR" altLang="en-US" sz="800" dirty="0" err="1" smtClean="0"/>
-              <a:t>모바일</a:t>
-            </a:r>
-            <a:endParaRPr lang="en-US" altLang="ko-KR" sz="800" dirty="0" smtClean="0"/>
-          </a:p>
-          <a:p>
-            <a:pPr algn="ctr"/>
-            <a:endParaRPr lang="en-US" altLang="ko-KR" sz="800" dirty="0"/>
-          </a:p>
-          <a:p>
-            <a:pPr algn="ctr"/>
-            <a:endParaRPr lang="ko-KR" altLang="en-US" sz="800" dirty="0"/>
-          </a:p>
-        </p:txBody>
-      </p:sp>
-      <p:sp>
-        <p:nvSpPr>
-          <p:cNvPr id="28" name="TextBox 27"/>
-          <p:cNvSpPr txBox="1"/>
-          <p:nvPr/>
-        </p:nvSpPr>
-        <p:spPr>
-          <a:xfrm>
-            <a:off x="4380320" y="5263475"/>
-            <a:ext cx="503109" cy="1446550"/>
-          </a:xfrm>
-          <a:prstGeom prst="rect">
-            <a:avLst/>
-          </a:prstGeom>
-          <a:noFill/>
-        </p:spPr>
-        <p:txBody>
-          <a:bodyPr wrap="square" rtlCol="0">
-            <a:spAutoFit/>
-          </a:bodyPr>
-          <a:lstStyle/>
-          <a:p>
-            <a:pPr algn="ctr"/>
-            <a:r>
-              <a:rPr lang="ko-KR" altLang="en-US" sz="800" dirty="0" smtClean="0"/>
-              <a:t>축구</a:t>
-            </a:r>
-            <a:endParaRPr lang="en-US" altLang="ko-KR" sz="800" dirty="0" smtClean="0"/>
-          </a:p>
-          <a:p>
-            <a:pPr algn="ctr"/>
-            <a:endParaRPr lang="en-US" altLang="ko-KR" sz="800" dirty="0"/>
-          </a:p>
-          <a:p>
-            <a:pPr algn="ctr"/>
-            <a:r>
-              <a:rPr lang="ko-KR" altLang="en-US" sz="800" dirty="0" smtClean="0"/>
-              <a:t>야구</a:t>
-            </a:r>
-            <a:endParaRPr lang="en-US" altLang="ko-KR" sz="800" dirty="0" smtClean="0"/>
-          </a:p>
-          <a:p>
-            <a:pPr algn="ctr"/>
-            <a:endParaRPr lang="en-US" altLang="ko-KR" sz="800" dirty="0"/>
-          </a:p>
-          <a:p>
-            <a:pPr algn="ctr"/>
-            <a:r>
-              <a:rPr lang="ko-KR" altLang="en-US" sz="800" dirty="0" smtClean="0"/>
-              <a:t>배구</a:t>
-            </a:r>
-            <a:endParaRPr lang="en-US" altLang="ko-KR" sz="800" dirty="0" smtClean="0"/>
-          </a:p>
-          <a:p>
-            <a:pPr algn="ctr"/>
-            <a:endParaRPr lang="en-US" altLang="ko-KR" sz="800" dirty="0"/>
-          </a:p>
-          <a:p>
-            <a:pPr algn="ctr"/>
-            <a:r>
-              <a:rPr lang="ko-KR" altLang="en-US" sz="800" dirty="0" smtClean="0"/>
-              <a:t>농구</a:t>
-            </a:r>
-            <a:endParaRPr lang="en-US" altLang="ko-KR" sz="800" dirty="0" smtClean="0"/>
-          </a:p>
-          <a:p>
-            <a:pPr algn="ctr"/>
-            <a:endParaRPr lang="en-US" altLang="ko-KR" sz="800" dirty="0"/>
-          </a:p>
-          <a:p>
-            <a:pPr algn="ctr"/>
-            <a:r>
-              <a:rPr lang="ko-KR" altLang="en-US" sz="800" dirty="0" smtClean="0"/>
-              <a:t>하키</a:t>
-            </a:r>
-            <a:endParaRPr lang="en-US" altLang="ko-KR" sz="800" dirty="0" smtClean="0"/>
-          </a:p>
-          <a:p>
-            <a:pPr algn="ctr"/>
-            <a:endParaRPr lang="en-US" altLang="ko-KR" sz="800" dirty="0"/>
-          </a:p>
-          <a:p>
-            <a:pPr algn="ctr"/>
-            <a:endParaRPr lang="ko-KR" altLang="en-US" sz="800" dirty="0"/>
-          </a:p>
-        </p:txBody>
-      </p:sp>
-      <p:sp>
-        <p:nvSpPr>
-          <p:cNvPr id="29" name="TextBox 28"/>
-          <p:cNvSpPr txBox="1"/>
-          <p:nvPr/>
-        </p:nvSpPr>
-        <p:spPr>
-          <a:xfrm>
-            <a:off x="4877401" y="5263475"/>
-            <a:ext cx="503109" cy="1446550"/>
-          </a:xfrm>
-          <a:prstGeom prst="rect">
-            <a:avLst/>
-          </a:prstGeom>
-          <a:noFill/>
-        </p:spPr>
-        <p:txBody>
-          <a:bodyPr wrap="square" rtlCol="0">
-            <a:spAutoFit/>
-          </a:bodyPr>
-          <a:lstStyle/>
-          <a:p>
-            <a:pPr algn="ctr"/>
-            <a:r>
-              <a:rPr lang="ko-KR" altLang="en-US" sz="800" dirty="0" err="1" smtClean="0"/>
-              <a:t>멜로</a:t>
-            </a:r>
-            <a:endParaRPr lang="en-US" altLang="ko-KR" sz="800" dirty="0" smtClean="0"/>
-          </a:p>
-          <a:p>
-            <a:pPr algn="ctr"/>
-            <a:endParaRPr lang="en-US" altLang="ko-KR" sz="800" dirty="0"/>
-          </a:p>
-          <a:p>
-            <a:pPr algn="ctr"/>
-            <a:r>
-              <a:rPr lang="en-US" altLang="ko-KR" sz="800" dirty="0" smtClean="0"/>
-              <a:t>SBS</a:t>
-            </a:r>
-          </a:p>
-          <a:p>
-            <a:pPr algn="ctr"/>
-            <a:endParaRPr lang="en-US" altLang="ko-KR" sz="800" dirty="0"/>
-          </a:p>
-          <a:p>
-            <a:pPr algn="ctr"/>
-            <a:r>
-              <a:rPr lang="en-US" altLang="ko-KR" sz="800" dirty="0" smtClean="0"/>
-              <a:t>MBC</a:t>
-            </a:r>
-          </a:p>
-          <a:p>
-            <a:pPr algn="ctr"/>
-            <a:endParaRPr lang="en-US" altLang="ko-KR" sz="800" dirty="0"/>
-          </a:p>
-          <a:p>
-            <a:pPr algn="ctr"/>
-            <a:r>
-              <a:rPr lang="en-US" altLang="ko-KR" sz="800" dirty="0" smtClean="0"/>
-              <a:t>KBS</a:t>
-            </a:r>
-          </a:p>
-          <a:p>
-            <a:pPr algn="ctr"/>
-            <a:endParaRPr lang="en-US" altLang="ko-KR" sz="800" dirty="0"/>
-          </a:p>
-          <a:p>
-            <a:pPr algn="ctr"/>
-            <a:r>
-              <a:rPr lang="en-US" altLang="ko-KR" sz="800" dirty="0" smtClean="0"/>
-              <a:t>TVN</a:t>
-            </a:r>
-          </a:p>
-          <a:p>
-            <a:pPr algn="ctr"/>
-            <a:endParaRPr lang="en-US" altLang="ko-KR" sz="800" dirty="0"/>
-          </a:p>
-          <a:p>
-            <a:pPr algn="ctr"/>
-            <a:endParaRPr lang="ko-KR" altLang="en-US" sz="800" dirty="0"/>
-          </a:p>
-        </p:txBody>
-      </p:sp>
-      <p:sp>
-        <p:nvSpPr>
-          <p:cNvPr id="30" name="TextBox 29"/>
-          <p:cNvSpPr txBox="1"/>
-          <p:nvPr/>
-        </p:nvSpPr>
-        <p:spPr>
-          <a:xfrm>
-            <a:off x="5461382" y="5263475"/>
-            <a:ext cx="503109" cy="1446550"/>
-          </a:xfrm>
-          <a:prstGeom prst="rect">
-            <a:avLst/>
-          </a:prstGeom>
-          <a:noFill/>
-        </p:spPr>
-        <p:txBody>
-          <a:bodyPr wrap="square" rtlCol="0">
-            <a:spAutoFit/>
-          </a:bodyPr>
-          <a:lstStyle/>
-          <a:p>
-            <a:pPr algn="ctr"/>
-            <a:r>
-              <a:rPr lang="ko-KR" altLang="en-US" sz="800" dirty="0" smtClean="0"/>
-              <a:t>한식</a:t>
-            </a:r>
-            <a:endParaRPr lang="en-US" altLang="ko-KR" sz="800" dirty="0" smtClean="0"/>
-          </a:p>
-          <a:p>
-            <a:pPr algn="ctr"/>
-            <a:endParaRPr lang="en-US" altLang="ko-KR" sz="800" dirty="0"/>
-          </a:p>
-          <a:p>
-            <a:pPr algn="ctr"/>
-            <a:r>
-              <a:rPr lang="ko-KR" altLang="en-US" sz="800" dirty="0" smtClean="0"/>
-              <a:t>중식</a:t>
-            </a:r>
-            <a:endParaRPr lang="en-US" altLang="ko-KR" sz="800" dirty="0" smtClean="0"/>
-          </a:p>
-          <a:p>
-            <a:pPr algn="ctr"/>
-            <a:endParaRPr lang="en-US" altLang="ko-KR" sz="800" dirty="0"/>
-          </a:p>
-          <a:p>
-            <a:pPr algn="ctr"/>
-            <a:r>
-              <a:rPr lang="ko-KR" altLang="en-US" sz="800" dirty="0" smtClean="0"/>
-              <a:t>일식</a:t>
-            </a:r>
-            <a:endParaRPr lang="en-US" altLang="ko-KR" sz="800" dirty="0" smtClean="0"/>
-          </a:p>
-          <a:p>
-            <a:pPr algn="ctr"/>
-            <a:endParaRPr lang="en-US" altLang="ko-KR" sz="800" dirty="0"/>
-          </a:p>
-          <a:p>
-            <a:pPr algn="ctr"/>
-            <a:r>
-              <a:rPr lang="ko-KR" altLang="en-US" sz="800" dirty="0" smtClean="0"/>
-              <a:t>치킨</a:t>
-            </a:r>
-            <a:endParaRPr lang="en-US" altLang="ko-KR" sz="800" dirty="0" smtClean="0"/>
-          </a:p>
-          <a:p>
-            <a:pPr algn="ctr"/>
-            <a:endParaRPr lang="en-US" altLang="ko-KR" sz="800" dirty="0"/>
-          </a:p>
-          <a:p>
-            <a:pPr algn="ctr"/>
-            <a:r>
-              <a:rPr lang="ko-KR" altLang="en-US" sz="800" dirty="0" smtClean="0"/>
-              <a:t>피자</a:t>
-            </a:r>
-            <a:endParaRPr lang="en-US" altLang="ko-KR" sz="800" dirty="0" smtClean="0"/>
-          </a:p>
-          <a:p>
-            <a:pPr algn="ctr"/>
-            <a:endParaRPr lang="en-US" altLang="ko-KR" sz="800" dirty="0" smtClean="0"/>
-          </a:p>
-          <a:p>
-            <a:pPr algn="ctr"/>
-            <a:r>
-              <a:rPr lang="ko-KR" altLang="en-US" sz="800" dirty="0" smtClean="0"/>
-              <a:t>햄버거</a:t>
-            </a:r>
-            <a:endParaRPr lang="en-US" altLang="ko-KR" sz="800" dirty="0"/>
-          </a:p>
-        </p:txBody>
-      </p:sp>
-      <p:sp>
-        <p:nvSpPr>
-          <p:cNvPr id="31" name="TextBox 30"/>
-          <p:cNvSpPr txBox="1"/>
-          <p:nvPr/>
-        </p:nvSpPr>
-        <p:spPr>
-          <a:xfrm>
-            <a:off x="6045363" y="5262972"/>
-            <a:ext cx="503109" cy="1446550"/>
-          </a:xfrm>
-          <a:prstGeom prst="rect">
-            <a:avLst/>
-          </a:prstGeom>
-          <a:noFill/>
-        </p:spPr>
-        <p:txBody>
-          <a:bodyPr wrap="square" rtlCol="0">
-            <a:spAutoFit/>
-          </a:bodyPr>
-          <a:lstStyle/>
-          <a:p>
-            <a:pPr algn="ctr"/>
-            <a:r>
-              <a:rPr lang="ko-KR" altLang="en-US" sz="800" dirty="0" smtClean="0"/>
-              <a:t>한식</a:t>
-            </a:r>
-            <a:endParaRPr lang="en-US" altLang="ko-KR" sz="800" dirty="0" smtClean="0"/>
-          </a:p>
-          <a:p>
-            <a:pPr algn="ctr"/>
-            <a:endParaRPr lang="en-US" altLang="ko-KR" sz="800" dirty="0"/>
-          </a:p>
-          <a:p>
-            <a:pPr algn="ctr"/>
-            <a:r>
-              <a:rPr lang="ko-KR" altLang="en-US" sz="800" dirty="0" smtClean="0"/>
-              <a:t>중식</a:t>
-            </a:r>
-            <a:endParaRPr lang="en-US" altLang="ko-KR" sz="800" dirty="0" smtClean="0"/>
-          </a:p>
-          <a:p>
-            <a:pPr algn="ctr"/>
-            <a:endParaRPr lang="en-US" altLang="ko-KR" sz="800" dirty="0"/>
-          </a:p>
-          <a:p>
-            <a:pPr algn="ctr"/>
-            <a:r>
-              <a:rPr lang="ko-KR" altLang="en-US" sz="800" dirty="0" smtClean="0"/>
-              <a:t>일식</a:t>
-            </a:r>
-            <a:endParaRPr lang="en-US" altLang="ko-KR" sz="800" dirty="0" smtClean="0"/>
-          </a:p>
-          <a:p>
-            <a:pPr algn="ctr"/>
-            <a:endParaRPr lang="en-US" altLang="ko-KR" sz="800" dirty="0"/>
-          </a:p>
-          <a:p>
-            <a:pPr algn="ctr"/>
-            <a:r>
-              <a:rPr lang="ko-KR" altLang="en-US" sz="800" dirty="0" smtClean="0"/>
-              <a:t>치킨</a:t>
-            </a:r>
-            <a:endParaRPr lang="en-US" altLang="ko-KR" sz="800" dirty="0" smtClean="0"/>
-          </a:p>
-          <a:p>
-            <a:pPr algn="ctr"/>
-            <a:endParaRPr lang="en-US" altLang="ko-KR" sz="800" dirty="0"/>
-          </a:p>
-          <a:p>
-            <a:pPr algn="ctr"/>
-            <a:r>
-              <a:rPr lang="ko-KR" altLang="en-US" sz="800" dirty="0" smtClean="0"/>
-              <a:t>피자</a:t>
-            </a:r>
-            <a:endParaRPr lang="en-US" altLang="ko-KR" sz="800" dirty="0" smtClean="0"/>
-          </a:p>
-          <a:p>
-            <a:pPr algn="ctr"/>
-            <a:endParaRPr lang="en-US" altLang="ko-KR" sz="800" dirty="0"/>
-          </a:p>
-          <a:p>
-            <a:pPr algn="ctr"/>
-            <a:r>
-              <a:rPr lang="ko-KR" altLang="en-US" sz="800" dirty="0" smtClean="0"/>
-              <a:t>햄버거</a:t>
-            </a:r>
-            <a:endParaRPr lang="ko-KR" altLang="en-US" sz="800" dirty="0"/>
-          </a:p>
-        </p:txBody>
-      </p:sp>
-      <p:sp>
-        <p:nvSpPr>
-          <p:cNvPr id="32" name="TextBox 31"/>
-          <p:cNvSpPr txBox="1"/>
-          <p:nvPr/>
-        </p:nvSpPr>
-        <p:spPr>
-          <a:xfrm>
-            <a:off x="6496661" y="5262972"/>
-            <a:ext cx="503109" cy="1200329"/>
-          </a:xfrm>
-          <a:prstGeom prst="rect">
-            <a:avLst/>
-          </a:prstGeom>
-          <a:noFill/>
-        </p:spPr>
-        <p:txBody>
-          <a:bodyPr wrap="square" rtlCol="0">
-            <a:spAutoFit/>
-          </a:bodyPr>
-          <a:lstStyle/>
-          <a:p>
-            <a:pPr algn="ctr"/>
-            <a:r>
-              <a:rPr lang="ko-KR" altLang="en-US" sz="800" dirty="0" smtClean="0"/>
-              <a:t>산</a:t>
-            </a:r>
-            <a:endParaRPr lang="en-US" altLang="ko-KR" sz="800" dirty="0" smtClean="0"/>
-          </a:p>
-          <a:p>
-            <a:pPr algn="ctr"/>
-            <a:endParaRPr lang="en-US" altLang="ko-KR" sz="800" dirty="0"/>
-          </a:p>
-          <a:p>
-            <a:pPr algn="ctr"/>
-            <a:r>
-              <a:rPr lang="ko-KR" altLang="en-US" sz="800" dirty="0" smtClean="0"/>
-              <a:t>들</a:t>
-            </a:r>
-            <a:endParaRPr lang="en-US" altLang="ko-KR" sz="800" dirty="0" smtClean="0"/>
-          </a:p>
-          <a:p>
-            <a:pPr algn="ctr"/>
-            <a:endParaRPr lang="en-US" altLang="ko-KR" sz="800" dirty="0"/>
-          </a:p>
-          <a:p>
-            <a:pPr algn="ctr"/>
-            <a:r>
-              <a:rPr lang="ko-KR" altLang="en-US" sz="800" dirty="0" smtClean="0"/>
-              <a:t>강</a:t>
-            </a:r>
-            <a:endParaRPr lang="en-US" altLang="ko-KR" sz="800" dirty="0" smtClean="0"/>
-          </a:p>
-          <a:p>
-            <a:pPr algn="ctr"/>
-            <a:endParaRPr lang="en-US" altLang="ko-KR" sz="800" dirty="0"/>
-          </a:p>
-          <a:p>
-            <a:pPr algn="ctr"/>
-            <a:r>
-              <a:rPr lang="ko-KR" altLang="en-US" sz="800" dirty="0" smtClean="0"/>
-              <a:t>바다</a:t>
-            </a:r>
-            <a:endParaRPr lang="en-US" altLang="ko-KR" sz="800" dirty="0" smtClean="0"/>
-          </a:p>
-          <a:p>
-            <a:pPr algn="ctr"/>
-            <a:endParaRPr lang="en-US" altLang="ko-KR" sz="800" dirty="0"/>
-          </a:p>
-          <a:p>
-            <a:pPr algn="ctr"/>
-            <a:r>
-              <a:rPr lang="ko-KR" altLang="en-US" sz="800" dirty="0" smtClean="0"/>
-              <a:t>호수</a:t>
-            </a:r>
-            <a:endParaRPr lang="ko-KR" altLang="en-US" sz="800" dirty="0"/>
-          </a:p>
-        </p:txBody>
-      </p:sp>
-      <p:sp>
-        <p:nvSpPr>
-          <p:cNvPr id="33" name="TextBox 32"/>
-          <p:cNvSpPr txBox="1"/>
-          <p:nvPr/>
-        </p:nvSpPr>
-        <p:spPr>
-          <a:xfrm>
-            <a:off x="6922743" y="5262972"/>
-            <a:ext cx="503109" cy="1200329"/>
-          </a:xfrm>
-          <a:prstGeom prst="rect">
-            <a:avLst/>
-          </a:prstGeom>
-          <a:noFill/>
-        </p:spPr>
-        <p:txBody>
-          <a:bodyPr wrap="square" rtlCol="0">
-            <a:spAutoFit/>
-          </a:bodyPr>
-          <a:lstStyle/>
-          <a:p>
-            <a:pPr algn="ctr"/>
-            <a:r>
-              <a:rPr lang="ko-KR" altLang="en-US" sz="800" dirty="0" smtClean="0"/>
-              <a:t>국내</a:t>
-            </a:r>
-            <a:endParaRPr lang="en-US" altLang="ko-KR" sz="800" dirty="0" smtClean="0"/>
-          </a:p>
-          <a:p>
-            <a:pPr algn="ctr"/>
-            <a:endParaRPr lang="en-US" altLang="ko-KR" sz="800" dirty="0"/>
-          </a:p>
-          <a:p>
-            <a:pPr algn="ctr"/>
-            <a:r>
-              <a:rPr lang="ko-KR" altLang="en-US" sz="800" dirty="0" smtClean="0"/>
-              <a:t>해외</a:t>
-            </a:r>
-            <a:endParaRPr lang="en-US" altLang="ko-KR" sz="800" dirty="0" smtClean="0"/>
-          </a:p>
-          <a:p>
-            <a:pPr algn="ctr"/>
-            <a:endParaRPr lang="en-US" altLang="ko-KR" sz="800" dirty="0"/>
-          </a:p>
-          <a:p>
-            <a:pPr algn="ctr"/>
-            <a:r>
-              <a:rPr lang="ko-KR" altLang="en-US" sz="800" dirty="0" smtClean="0"/>
-              <a:t>고전</a:t>
-            </a:r>
-            <a:endParaRPr lang="en-US" altLang="ko-KR" sz="800" dirty="0" smtClean="0"/>
-          </a:p>
-          <a:p>
-            <a:pPr algn="ctr"/>
-            <a:endParaRPr lang="en-US" altLang="ko-KR" sz="800" dirty="0"/>
-          </a:p>
-          <a:p>
-            <a:pPr algn="ctr"/>
-            <a:r>
-              <a:rPr lang="en-US" altLang="ko-KR" sz="800" dirty="0" smtClean="0"/>
-              <a:t>20</a:t>
-            </a:r>
-            <a:r>
-              <a:rPr lang="ko-KR" altLang="en-US" sz="800" dirty="0" smtClean="0"/>
-              <a:t>세기</a:t>
-            </a:r>
-            <a:endParaRPr lang="en-US" altLang="ko-KR" sz="800" dirty="0" smtClean="0"/>
-          </a:p>
-          <a:p>
-            <a:pPr algn="ctr"/>
-            <a:endParaRPr lang="en-US" altLang="ko-KR" sz="800" dirty="0"/>
-          </a:p>
-          <a:p>
-            <a:pPr algn="ctr"/>
-            <a:r>
-              <a:rPr lang="en-US" altLang="ko-KR" sz="800" dirty="0" smtClean="0"/>
-              <a:t>21</a:t>
-            </a:r>
-            <a:r>
-              <a:rPr lang="ko-KR" altLang="en-US" sz="800" dirty="0" smtClean="0"/>
-              <a:t>세기</a:t>
-            </a:r>
-            <a:endParaRPr lang="ko-KR" altLang="en-US" sz="800" dirty="0"/>
-          </a:p>
-        </p:txBody>
-      </p:sp>
-      <p:sp>
-        <p:nvSpPr>
-          <p:cNvPr id="34" name="TextBox 33"/>
-          <p:cNvSpPr txBox="1"/>
-          <p:nvPr/>
-        </p:nvSpPr>
-        <p:spPr>
-          <a:xfrm>
-            <a:off x="7398620" y="5262972"/>
-            <a:ext cx="503109" cy="954107"/>
-          </a:xfrm>
-          <a:prstGeom prst="rect">
-            <a:avLst/>
-          </a:prstGeom>
-          <a:noFill/>
-        </p:spPr>
-        <p:txBody>
-          <a:bodyPr wrap="square" rtlCol="0">
-            <a:spAutoFit/>
-          </a:bodyPr>
-          <a:lstStyle/>
-          <a:p>
-            <a:pPr algn="ctr"/>
-            <a:r>
-              <a:rPr lang="ko-KR" altLang="en-US" sz="800" dirty="0" smtClean="0"/>
-              <a:t>국내</a:t>
-            </a:r>
-            <a:endParaRPr lang="en-US" altLang="ko-KR" sz="800" dirty="0" smtClean="0"/>
-          </a:p>
-          <a:p>
-            <a:pPr algn="ctr"/>
-            <a:endParaRPr lang="en-US" altLang="ko-KR" sz="800" dirty="0"/>
-          </a:p>
-          <a:p>
-            <a:pPr algn="ctr"/>
-            <a:r>
-              <a:rPr lang="ko-KR" altLang="en-US" sz="800" dirty="0" smtClean="0"/>
-              <a:t>해외</a:t>
-            </a:r>
-            <a:endParaRPr lang="en-US" altLang="ko-KR" sz="800" dirty="0" smtClean="0"/>
-          </a:p>
-          <a:p>
-            <a:pPr algn="ctr"/>
-            <a:endParaRPr lang="en-US" altLang="ko-KR" sz="800" dirty="0"/>
-          </a:p>
-          <a:p>
-            <a:pPr algn="ctr"/>
-            <a:r>
-              <a:rPr lang="en-US" altLang="ko-KR" sz="800" dirty="0" smtClean="0"/>
-              <a:t>20</a:t>
-            </a:r>
-            <a:r>
-              <a:rPr lang="ko-KR" altLang="en-US" sz="800" dirty="0" smtClean="0"/>
-              <a:t>세기</a:t>
-            </a:r>
-            <a:endParaRPr lang="en-US" altLang="ko-KR" sz="800" dirty="0" smtClean="0"/>
-          </a:p>
-          <a:p>
-            <a:pPr algn="ctr"/>
-            <a:endParaRPr lang="en-US" altLang="ko-KR" sz="800" dirty="0"/>
-          </a:p>
-          <a:p>
-            <a:pPr algn="ctr"/>
-            <a:r>
-              <a:rPr lang="en-US" altLang="ko-KR" sz="800" dirty="0" smtClean="0"/>
-              <a:t>21</a:t>
-            </a:r>
-            <a:r>
-              <a:rPr lang="ko-KR" altLang="en-US" sz="800" dirty="0" smtClean="0"/>
-              <a:t>세기</a:t>
-            </a:r>
-            <a:endParaRPr lang="ko-KR" altLang="en-US" sz="800" dirty="0"/>
-          </a:p>
-        </p:txBody>
-      </p:sp>
-      <p:sp>
-        <p:nvSpPr>
-          <p:cNvPr id="39" name="TextBox 38"/>
-          <p:cNvSpPr txBox="1"/>
-          <p:nvPr/>
-        </p:nvSpPr>
-        <p:spPr>
-          <a:xfrm>
-            <a:off x="7787661" y="5262972"/>
-            <a:ext cx="503109" cy="1200329"/>
-          </a:xfrm>
-          <a:prstGeom prst="rect">
-            <a:avLst/>
-          </a:prstGeom>
-          <a:noFill/>
-        </p:spPr>
-        <p:txBody>
-          <a:bodyPr wrap="square" rtlCol="0">
-            <a:spAutoFit/>
-          </a:bodyPr>
-          <a:lstStyle/>
-          <a:p>
-            <a:pPr algn="ctr"/>
-            <a:r>
-              <a:rPr lang="ko-KR" altLang="en-US" sz="800" dirty="0" smtClean="0"/>
-              <a:t>국내</a:t>
-            </a:r>
-            <a:endParaRPr lang="en-US" altLang="ko-KR" sz="800" dirty="0" smtClean="0"/>
-          </a:p>
-          <a:p>
-            <a:pPr algn="ctr"/>
-            <a:endParaRPr lang="en-US" altLang="ko-KR" sz="800" dirty="0"/>
-          </a:p>
-          <a:p>
-            <a:pPr algn="ctr"/>
-            <a:r>
-              <a:rPr lang="ko-KR" altLang="en-US" sz="800" dirty="0" smtClean="0"/>
-              <a:t>해외</a:t>
-            </a:r>
-            <a:endParaRPr lang="en-US" altLang="ko-KR" sz="800" dirty="0" smtClean="0"/>
-          </a:p>
-          <a:p>
-            <a:pPr algn="ctr"/>
-            <a:endParaRPr lang="en-US" altLang="ko-KR" sz="800" dirty="0"/>
-          </a:p>
-          <a:p>
-            <a:pPr algn="ctr"/>
-            <a:r>
-              <a:rPr lang="ko-KR" altLang="en-US" sz="800" dirty="0" smtClean="0"/>
-              <a:t>일간</a:t>
-            </a:r>
-            <a:endParaRPr lang="en-US" altLang="ko-KR" sz="800" dirty="0" smtClean="0"/>
-          </a:p>
-          <a:p>
-            <a:pPr algn="ctr"/>
-            <a:endParaRPr lang="en-US" altLang="ko-KR" sz="800" dirty="0"/>
-          </a:p>
-          <a:p>
-            <a:pPr algn="ctr"/>
-            <a:r>
-              <a:rPr lang="ko-KR" altLang="en-US" sz="800" dirty="0" smtClean="0"/>
-              <a:t>주간</a:t>
-            </a:r>
-            <a:endParaRPr lang="en-US" altLang="ko-KR" sz="800" dirty="0" smtClean="0"/>
-          </a:p>
-          <a:p>
-            <a:pPr algn="ctr"/>
-            <a:endParaRPr lang="en-US" altLang="ko-KR" sz="800" dirty="0"/>
-          </a:p>
-          <a:p>
-            <a:pPr algn="ctr"/>
-            <a:r>
-              <a:rPr lang="ko-KR" altLang="en-US" sz="800" dirty="0" smtClean="0"/>
-              <a:t>월간</a:t>
-            </a:r>
-            <a:endParaRPr lang="ko-KR" altLang="en-US" sz="800" dirty="0"/>
-          </a:p>
-        </p:txBody>
-      </p:sp>
-      <p:sp>
-        <p:nvSpPr>
-          <p:cNvPr id="40" name="TextBox 39"/>
-          <p:cNvSpPr txBox="1"/>
-          <p:nvPr/>
-        </p:nvSpPr>
-        <p:spPr>
-          <a:xfrm>
-            <a:off x="8207487" y="5262972"/>
-            <a:ext cx="503109" cy="1200329"/>
-          </a:xfrm>
-          <a:prstGeom prst="rect">
-            <a:avLst/>
-          </a:prstGeom>
-          <a:noFill/>
-        </p:spPr>
-        <p:txBody>
-          <a:bodyPr wrap="square" rtlCol="0">
-            <a:spAutoFit/>
-          </a:bodyPr>
-          <a:lstStyle/>
-          <a:p>
-            <a:pPr algn="ctr"/>
-            <a:r>
-              <a:rPr lang="ko-KR" altLang="en-US" sz="800" dirty="0" smtClean="0"/>
-              <a:t>국내</a:t>
-            </a:r>
-            <a:endParaRPr lang="en-US" altLang="ko-KR" sz="800" dirty="0" smtClean="0"/>
-          </a:p>
-          <a:p>
-            <a:pPr algn="ctr"/>
-            <a:endParaRPr lang="en-US" altLang="ko-KR" sz="800" dirty="0"/>
-          </a:p>
-          <a:p>
-            <a:pPr algn="ctr"/>
-            <a:r>
-              <a:rPr lang="ko-KR" altLang="en-US" sz="800" dirty="0" smtClean="0"/>
-              <a:t>해외</a:t>
-            </a:r>
-            <a:endParaRPr lang="en-US" altLang="ko-KR" sz="800" dirty="0" smtClean="0"/>
-          </a:p>
-          <a:p>
-            <a:pPr algn="ctr"/>
-            <a:endParaRPr lang="en-US" altLang="ko-KR" sz="800" dirty="0"/>
-          </a:p>
-          <a:p>
-            <a:pPr algn="ctr"/>
-            <a:r>
-              <a:rPr lang="ko-KR" altLang="en-US" sz="800" dirty="0" smtClean="0"/>
-              <a:t>남성</a:t>
-            </a:r>
-            <a:endParaRPr lang="en-US" altLang="ko-KR" sz="800" dirty="0" smtClean="0"/>
-          </a:p>
-          <a:p>
-            <a:pPr algn="ctr"/>
-            <a:endParaRPr lang="en-US" altLang="ko-KR" sz="800" dirty="0"/>
-          </a:p>
-          <a:p>
-            <a:pPr algn="ctr"/>
-            <a:r>
-              <a:rPr lang="ko-KR" altLang="en-US" sz="800" dirty="0" smtClean="0"/>
-              <a:t>여성</a:t>
-            </a:r>
-            <a:endParaRPr lang="en-US" altLang="ko-KR" sz="800" dirty="0" smtClean="0"/>
-          </a:p>
-          <a:p>
-            <a:pPr algn="ctr"/>
-            <a:endParaRPr lang="en-US" altLang="ko-KR" sz="800" dirty="0"/>
-          </a:p>
-          <a:p>
-            <a:pPr algn="ctr"/>
-            <a:r>
-              <a:rPr lang="en-US" altLang="ko-KR" sz="800" dirty="0" smtClean="0"/>
-              <a:t>21</a:t>
-            </a:r>
-            <a:r>
-              <a:rPr lang="ko-KR" altLang="en-US" sz="800" dirty="0" smtClean="0"/>
-              <a:t>세기</a:t>
-            </a:r>
-            <a:endParaRPr lang="ko-KR" altLang="en-US" sz="800" dirty="0"/>
-          </a:p>
-        </p:txBody>
-      </p:sp>
-      <p:sp>
-        <p:nvSpPr>
-          <p:cNvPr id="41" name="번개 40"/>
-          <p:cNvSpPr/>
-          <p:nvPr/>
-        </p:nvSpPr>
-        <p:spPr>
-          <a:xfrm>
-            <a:off x="4456252" y="5142591"/>
-            <a:ext cx="131806" cy="236717"/>
-          </a:xfrm>
-          <a:prstGeom prst="lightningBolt">
-            <a:avLst/>
-          </a:prstGeom>
-          <a:solidFill>
-            <a:schemeClr val="bg1"/>
-          </a:solidFill>
           <a:ln>
             <a:solidFill>
-              <a:schemeClr val="tx1"/>
+              <a:schemeClr val="bg1">
+                <a:lumMod val="85000"/>
+              </a:schemeClr>
             </a:solidFill>
           </a:ln>
         </p:spPr>
@@ -4933,20 +4387,73 @@
           <a:lstStyle/>
           <a:p>
             <a:pPr algn="ctr"/>
-            <a:endParaRPr lang="ko-KR" altLang="en-US"/>
-          </a:p>
-        </p:txBody>
-      </p:sp>
-      <p:sp>
-        <p:nvSpPr>
-          <p:cNvPr id="42" name="TextBox 41"/>
+            <a:r>
+              <a:rPr lang="ko-KR" altLang="en-US" sz="1000" dirty="0" err="1" smtClean="0">
+                <a:solidFill>
+                  <a:schemeClr val="tx1"/>
+                </a:solidFill>
+                <a:latin typeface="HY엽서L" panose="02030600000101010101" pitchFamily="18" charset="-127"/>
+                <a:ea typeface="HY엽서L" panose="02030600000101010101" pitchFamily="18" charset="-127"/>
+              </a:rPr>
+              <a:t>모랭</a:t>
+            </a:r>
+            <a:endParaRPr lang="ko-KR" altLang="en-US" sz="1000" dirty="0">
+              <a:solidFill>
+                <a:schemeClr val="tx1"/>
+              </a:solidFill>
+              <a:latin typeface="HY엽서L" panose="02030600000101010101" pitchFamily="18" charset="-127"/>
+              <a:ea typeface="HY엽서L" panose="02030600000101010101" pitchFamily="18" charset="-127"/>
+            </a:endParaRPr>
+          </a:p>
+        </p:txBody>
+      </p:sp>
+      <p:cxnSp>
+        <p:nvCxnSpPr>
+          <p:cNvPr id="4" name="직선 연결선 3"/>
+          <p:cNvCxnSpPr/>
+          <p:nvPr/>
+        </p:nvCxnSpPr>
+        <p:spPr>
+          <a:xfrm>
+            <a:off x="8498172" y="2341199"/>
+            <a:ext cx="0" cy="420130"/>
+          </a:xfrm>
+          <a:prstGeom prst="line">
+            <a:avLst/>
+          </a:prstGeom>
+          <a:ln>
+            <a:solidFill>
+              <a:schemeClr val="bg1">
+                <a:lumMod val="85000"/>
+              </a:schemeClr>
+            </a:solidFill>
+          </a:ln>
+        </p:spPr>
+        <p:style>
+          <a:lnRef idx="1">
+            <a:schemeClr val="accent1"/>
+          </a:lnRef>
+          <a:fillRef idx="0">
+            <a:schemeClr val="accent1"/>
+          </a:fillRef>
+          <a:effectRef idx="0">
+            <a:schemeClr val="accent1"/>
+          </a:effectRef>
+          <a:fontRef idx="minor">
+            <a:schemeClr val="tx1"/>
+          </a:fontRef>
+        </p:style>
+      </p:cxnSp>
+      <p:sp>
+        <p:nvSpPr>
+          <p:cNvPr id="14" name="TextBox 13"/>
           <p:cNvSpPr txBox="1"/>
           <p:nvPr/>
         </p:nvSpPr>
         <p:spPr>
           <a:xfrm>
-            <a:off x="7174298" y="6761783"/>
-            <a:ext cx="595035" cy="215444"/>
+            <a:off x="93306" y="6389437"/>
+            <a:ext cx="1375698" cy="369332"/>
           </a:xfrm>
           <a:prstGeom prst="rect">
             <a:avLst/>
@@ -4960,23 +4467,127 @@
           <a:lstStyle/>
           <a:p>
             <a:r>
-              <a:rPr lang="ko-KR" altLang="en-US" sz="800" dirty="0" smtClean="0"/>
-              <a:t>고객센터</a:t>
-            </a:r>
-            <a:endParaRPr lang="ko-KR" altLang="en-US" sz="800" dirty="0"/>
-          </a:p>
-        </p:txBody>
-      </p:sp>
-      <p:sp>
-        <p:nvSpPr>
-          <p:cNvPr id="43" name="TextBox 42"/>
+              <a:rPr lang="ko-KR" altLang="en-US" dirty="0" smtClean="0"/>
+              <a:t>로그인후</a:t>
+            </a:r>
+            <a:r>
+              <a:rPr lang="en-US" altLang="ko-KR" dirty="0" smtClean="0"/>
+              <a:t>(2)</a:t>
+            </a:r>
+            <a:endParaRPr lang="ko-KR" altLang="en-US" dirty="0"/>
+          </a:p>
+        </p:txBody>
+      </p:sp>
+      <p:sp>
+        <p:nvSpPr>
+          <p:cNvPr id="16" name="이등변 삼각형 15"/>
+          <p:cNvSpPr/>
+          <p:nvPr/>
+        </p:nvSpPr>
+        <p:spPr>
+          <a:xfrm rot="10800000">
+            <a:off x="11750080" y="184772"/>
+            <a:ext cx="162823" cy="57896"/>
+          </a:xfrm>
+          <a:prstGeom prst="triangle">
+            <a:avLst/>
+          </a:prstGeom>
+          <a:solidFill>
+            <a:schemeClr val="tx1"/>
+          </a:solidFill>
+          <a:ln>
+            <a:solidFill>
+              <a:schemeClr val="bg1"/>
+            </a:solidFill>
+          </a:ln>
+        </p:spPr>
+        <p:style>
+          <a:lnRef idx="2">
+            <a:schemeClr val="accent1">
+              <a:shade val="50000"/>
+            </a:schemeClr>
+          </a:lnRef>
+          <a:fillRef idx="1">
+            <a:schemeClr val="accent1"/>
+          </a:fillRef>
+          <a:effectRef idx="0">
+            <a:schemeClr val="accent1"/>
+          </a:effectRef>
+          <a:fontRef idx="minor">
+            <a:schemeClr val="lt1"/>
+          </a:fontRef>
+        </p:style>
+        <p:txBody>
+          <a:bodyPr rtlCol="0" anchor="ctr"/>
+          <a:lstStyle/>
+          <a:p>
+            <a:pPr algn="ctr"/>
+            <a:endParaRPr lang="ko-KR" altLang="en-US"/>
+          </a:p>
+        </p:txBody>
+      </p:sp>
+      <p:sp>
+        <p:nvSpPr>
+          <p:cNvPr id="17" name="직사각형 16"/>
+          <p:cNvSpPr/>
+          <p:nvPr/>
+        </p:nvSpPr>
+        <p:spPr>
+          <a:xfrm>
+            <a:off x="9862458" y="321442"/>
+            <a:ext cx="2248678" cy="2608370"/>
+          </a:xfrm>
+          <a:prstGeom prst="rect">
+            <a:avLst/>
+          </a:prstGeom>
+          <a:solidFill>
+            <a:schemeClr val="bg1">
+              <a:lumMod val="95000"/>
+            </a:schemeClr>
+          </a:solidFill>
+          <a:ln>
+            <a:solidFill>
+              <a:schemeClr val="bg1">
+                <a:lumMod val="85000"/>
+              </a:schemeClr>
+            </a:solidFill>
+          </a:ln>
+        </p:spPr>
+        <p:style>
+          <a:lnRef idx="2">
+            <a:schemeClr val="accent1">
+              <a:shade val="50000"/>
+            </a:schemeClr>
+          </a:lnRef>
+          <a:fillRef idx="1">
+            <a:schemeClr val="accent1"/>
+          </a:fillRef>
+          <a:effectRef idx="0">
+            <a:schemeClr val="accent1"/>
+          </a:effectRef>
+          <a:fontRef idx="minor">
+            <a:schemeClr val="lt1"/>
+          </a:fontRef>
+        </p:style>
+        <p:txBody>
+          <a:bodyPr rtlCol="0" anchor="ctr"/>
+          <a:lstStyle/>
+          <a:p>
+            <a:pPr algn="ctr"/>
+            <a:endParaRPr lang="ko-KR" altLang="en-US"/>
+          </a:p>
+        </p:txBody>
+      </p:sp>
+      <p:sp>
+        <p:nvSpPr>
+          <p:cNvPr id="18" name="TextBox 17"/>
           <p:cNvSpPr txBox="1"/>
           <p:nvPr/>
         </p:nvSpPr>
         <p:spPr>
           <a:xfrm>
-            <a:off x="4003589" y="6761783"/>
-            <a:ext cx="2947746" cy="215444"/>
+            <a:off x="10625159" y="2551263"/>
+            <a:ext cx="723275" cy="253916"/>
           </a:xfrm>
           <a:prstGeom prst="rect">
             <a:avLst/>
@@ -4984,47 +4595,205 @@
           <a:noFill/>
         </p:spPr>
         <p:txBody>
-          <a:bodyPr wrap="square" rtlCol="0">
+          <a:bodyPr wrap="none" rtlCol="0">
             <a:spAutoFit/>
           </a:bodyPr>
           <a:lstStyle/>
           <a:p>
             <a:r>
-              <a:rPr lang="ko-KR" altLang="en-US" sz="800" dirty="0" smtClean="0"/>
-              <a:t>수원시 </a:t>
-            </a:r>
-            <a:r>
-              <a:rPr lang="ko-KR" altLang="en-US" sz="800" dirty="0" err="1" smtClean="0"/>
-              <a:t>에이비씨동</a:t>
-            </a:r>
-            <a:r>
-              <a:rPr lang="ko-KR" altLang="en-US" sz="800" dirty="0" smtClean="0"/>
-              <a:t> </a:t>
-            </a:r>
-            <a:r>
-              <a:rPr lang="ko-KR" altLang="en-US" sz="800" dirty="0" err="1" smtClean="0"/>
-              <a:t>디이에프구</a:t>
-            </a:r>
-            <a:r>
-              <a:rPr lang="ko-KR" altLang="en-US" sz="800" dirty="0" smtClean="0"/>
-              <a:t> 제트제트제트빌딩 </a:t>
-            </a:r>
-            <a:r>
-              <a:rPr lang="en-US" altLang="ko-KR" sz="800" dirty="0" smtClean="0"/>
-              <a:t>12344</a:t>
-            </a:r>
-            <a:r>
-              <a:rPr lang="ko-KR" altLang="en-US" sz="800" dirty="0" smtClean="0"/>
-              <a:t>호</a:t>
-            </a:r>
-            <a:endParaRPr lang="ko-KR" altLang="en-US" sz="800" dirty="0"/>
+              <a:rPr lang="ko-KR" altLang="en-US" sz="1050" u="sng" dirty="0" smtClean="0">
+                <a:solidFill>
+                  <a:schemeClr val="accent2">
+                    <a:lumMod val="60000"/>
+                    <a:lumOff val="40000"/>
+                  </a:schemeClr>
+                </a:solidFill>
+              </a:rPr>
+              <a:t>로그아웃</a:t>
+            </a:r>
+            <a:endParaRPr lang="ko-KR" altLang="en-US" sz="1050" u="sng" dirty="0">
+              <a:solidFill>
+                <a:schemeClr val="accent2">
+                  <a:lumMod val="60000"/>
+                  <a:lumOff val="40000"/>
+                </a:schemeClr>
+              </a:solidFill>
+            </a:endParaRPr>
+          </a:p>
+        </p:txBody>
+      </p:sp>
+      <p:cxnSp>
+        <p:nvCxnSpPr>
+          <p:cNvPr id="5" name="직선 연결선 4"/>
+          <p:cNvCxnSpPr/>
+          <p:nvPr/>
+        </p:nvCxnSpPr>
+        <p:spPr>
+          <a:xfrm>
+            <a:off x="9993086" y="2440685"/>
+            <a:ext cx="1919817" cy="0"/>
+          </a:xfrm>
+          <a:prstGeom prst="line">
+            <a:avLst/>
+          </a:prstGeom>
+          <a:ln>
+            <a:solidFill>
+              <a:schemeClr val="bg1">
+                <a:lumMod val="85000"/>
+              </a:schemeClr>
+            </a:solidFill>
+          </a:ln>
+        </p:spPr>
+        <p:style>
+          <a:lnRef idx="1">
+            <a:schemeClr val="accent1"/>
+          </a:lnRef>
+          <a:fillRef idx="0">
+            <a:schemeClr val="accent1"/>
+          </a:fillRef>
+          <a:effectRef idx="0">
+            <a:schemeClr val="accent1"/>
+          </a:effectRef>
+          <a:fontRef idx="minor">
+            <a:schemeClr val="tx1"/>
+          </a:fontRef>
+        </p:style>
+      </p:cxnSp>
+      <p:sp>
+        <p:nvSpPr>
+          <p:cNvPr id="19" name="TextBox 18"/>
+          <p:cNvSpPr txBox="1"/>
+          <p:nvPr/>
+        </p:nvSpPr>
+        <p:spPr>
+          <a:xfrm>
+            <a:off x="10571607" y="1824601"/>
+            <a:ext cx="857927" cy="253916"/>
+          </a:xfrm>
+          <a:prstGeom prst="rect">
+            <a:avLst/>
+          </a:prstGeom>
+          <a:noFill/>
+        </p:spPr>
+        <p:txBody>
+          <a:bodyPr wrap="none" rtlCol="0">
+            <a:spAutoFit/>
+          </a:bodyPr>
+          <a:lstStyle/>
+          <a:p>
+            <a:r>
+              <a:rPr lang="ko-KR" altLang="en-US" sz="1050" u="sng" dirty="0" err="1" smtClean="0">
+                <a:solidFill>
+                  <a:schemeClr val="accent1">
+                    <a:lumMod val="40000"/>
+                    <a:lumOff val="60000"/>
+                  </a:schemeClr>
+                </a:solidFill>
+              </a:rPr>
+              <a:t>마이페이지</a:t>
+            </a:r>
+            <a:endParaRPr lang="ko-KR" altLang="en-US" sz="1050" u="sng" dirty="0">
+              <a:solidFill>
+                <a:schemeClr val="accent1">
+                  <a:lumMod val="40000"/>
+                  <a:lumOff val="60000"/>
+                </a:schemeClr>
+              </a:solidFill>
+            </a:endParaRPr>
+          </a:p>
+        </p:txBody>
+      </p:sp>
+      <p:sp>
+        <p:nvSpPr>
+          <p:cNvPr id="6" name="타원 5"/>
+          <p:cNvSpPr/>
+          <p:nvPr/>
+        </p:nvSpPr>
+        <p:spPr>
+          <a:xfrm>
+            <a:off x="10543370" y="731218"/>
+            <a:ext cx="914400" cy="914400"/>
+          </a:xfrm>
+          <a:prstGeom prst="ellipse">
+            <a:avLst/>
+          </a:prstGeom>
+          <a:solidFill>
+            <a:schemeClr val="accent4">
+              <a:lumMod val="20000"/>
+              <a:lumOff val="80000"/>
+            </a:schemeClr>
+          </a:solidFill>
+          <a:ln>
+            <a:noFill/>
+          </a:ln>
+        </p:spPr>
+        <p:style>
+          <a:lnRef idx="2">
+            <a:schemeClr val="accent1">
+              <a:shade val="50000"/>
+            </a:schemeClr>
+          </a:lnRef>
+          <a:fillRef idx="1">
+            <a:schemeClr val="accent1"/>
+          </a:fillRef>
+          <a:effectRef idx="0">
+            <a:schemeClr val="accent1"/>
+          </a:effectRef>
+          <a:fontRef idx="minor">
+            <a:schemeClr val="lt1"/>
+          </a:fontRef>
+        </p:style>
+        <p:txBody>
+          <a:bodyPr rtlCol="0" anchor="ctr"/>
+          <a:lstStyle/>
+          <a:p>
+            <a:pPr algn="ctr"/>
+            <a:r>
+              <a:rPr lang="ko-KR" altLang="en-US" dirty="0" smtClean="0"/>
+              <a:t>사진</a:t>
+            </a:r>
+            <a:endParaRPr lang="ko-KR" altLang="en-US" dirty="0"/>
+          </a:p>
+        </p:txBody>
+      </p:sp>
+      <p:sp>
+        <p:nvSpPr>
+          <p:cNvPr id="25" name="TextBox 24"/>
+          <p:cNvSpPr txBox="1"/>
+          <p:nvPr/>
+        </p:nvSpPr>
+        <p:spPr>
+          <a:xfrm>
+            <a:off x="10278257" y="361905"/>
+            <a:ext cx="1444626" cy="253916"/>
+          </a:xfrm>
+          <a:prstGeom prst="rect">
+            <a:avLst/>
+          </a:prstGeom>
+          <a:noFill/>
+        </p:spPr>
+        <p:txBody>
+          <a:bodyPr wrap="none" rtlCol="0">
+            <a:spAutoFit/>
+          </a:bodyPr>
+          <a:lstStyle/>
+          <a:p>
+            <a:r>
+              <a:rPr lang="ko-KR" altLang="en-US" sz="1050" dirty="0" err="1" smtClean="0"/>
+              <a:t>박창주님</a:t>
+            </a:r>
+            <a:r>
+              <a:rPr lang="ko-KR" altLang="en-US" sz="1050" dirty="0" smtClean="0"/>
+              <a:t> 안녕하세요</a:t>
+            </a:r>
+            <a:endParaRPr lang="ko-KR" altLang="en-US" sz="1050" dirty="0"/>
           </a:p>
         </p:txBody>
       </p:sp>
     </p:spTree>
     <p:extLst>
       <p:ext uri="{BB962C8B-B14F-4D97-AF65-F5344CB8AC3E}">
-        <p14:creationId xmlns:p14="http://schemas.microsoft.com/office/powerpoint/2010/main" val="4091195797"/>
+        <p14:creationId xmlns:p14="http://schemas.microsoft.com/office/powerpoint/2010/main" val="3359648830"/>
       </p:ext>
     </p:extLst>
   </p:cSld>
@@ -5035,6 +4804,1445 @@
 </file>
 
 <file path=ppt/slides/slide4.xml><?xml version="1.0" encoding="utf-8"?>
+<p:sld xmlns:a="http://schemas.openxmlformats.org/drawingml/2006/main" xmlns:r="http://schemas.openxmlformats.org/officeDocument/2006/relationships" xmlns:p="http://schemas.openxmlformats.org/presentationml/2006/main">
+  <p:cSld>
+    <p:bg>
+      <p:bgPr>
+        <a:solidFill>
+          <a:schemeClr val="bg1"/>
+        </a:solidFill>
+        <a:effectLst/>
+      </p:bgPr>
+    </p:bg>
+    <p:spTree>
+      <p:nvGrpSpPr>
+        <p:cNvPr id="1" name=""/>
+        <p:cNvGrpSpPr/>
+        <p:nvPr/>
+      </p:nvGrpSpPr>
+      <p:grpSpPr>
+        <a:xfrm>
+          <a:off x="0" y="0"/>
+          <a:ext cx="0" cy="0"/>
+          <a:chOff x="0" y="0"/>
+          <a:chExt cx="0" cy="0"/>
+        </a:xfrm>
+      </p:grpSpPr>
+      <p:pic>
+        <p:nvPicPr>
+          <p:cNvPr id="15" name="그림 14"/>
+          <p:cNvPicPr>
+            <a:picLocks noChangeAspect="1"/>
+          </p:cNvPicPr>
+          <p:nvPr/>
+        </p:nvPicPr>
+        <p:blipFill>
+          <a:blip r:embed="rId2" cstate="print">
+            <a:extLst>
+              <a:ext uri="{28A0092B-C50C-407E-A947-70E740481C1C}">
+                <a14:useLocalDpi xmlns:a14="http://schemas.microsoft.com/office/drawing/2010/main" val="0"/>
+              </a:ext>
+            </a:extLst>
+          </a:blip>
+          <a:stretch>
+            <a:fillRect/>
+          </a:stretch>
+        </p:blipFill>
+        <p:spPr>
+          <a:xfrm>
+            <a:off x="4558772" y="694059"/>
+            <a:ext cx="2922721" cy="1517799"/>
+          </a:xfrm>
+          <a:prstGeom prst="rect">
+            <a:avLst/>
+          </a:prstGeom>
+        </p:spPr>
+      </p:pic>
+      <p:sp>
+        <p:nvSpPr>
+          <p:cNvPr id="20" name="TextBox 19"/>
+          <p:cNvSpPr txBox="1"/>
+          <p:nvPr/>
+        </p:nvSpPr>
+        <p:spPr>
+          <a:xfrm>
+            <a:off x="3438269" y="3030017"/>
+            <a:ext cx="5867397" cy="253916"/>
+          </a:xfrm>
+          <a:prstGeom prst="rect">
+            <a:avLst/>
+          </a:prstGeom>
+          <a:noFill/>
+        </p:spPr>
+        <p:txBody>
+          <a:bodyPr wrap="square" rtlCol="0">
+            <a:spAutoFit/>
+          </a:bodyPr>
+          <a:lstStyle/>
+          <a:p>
+            <a:r>
+              <a:rPr lang="ko-KR" altLang="en-US" sz="1050" dirty="0" smtClean="0"/>
+              <a:t>영화   게임   스포츠   드라마   먹거리   음식점   명소   명화    인물   주식   연예</a:t>
+            </a:r>
+            <a:endParaRPr lang="ko-KR" altLang="en-US" sz="1050" dirty="0"/>
+          </a:p>
+        </p:txBody>
+      </p:sp>
+      <p:sp>
+        <p:nvSpPr>
+          <p:cNvPr id="21" name="TextBox 20"/>
+          <p:cNvSpPr txBox="1"/>
+          <p:nvPr/>
+        </p:nvSpPr>
+        <p:spPr>
+          <a:xfrm>
+            <a:off x="8583393" y="3068489"/>
+            <a:ext cx="492443" cy="215444"/>
+          </a:xfrm>
+          <a:prstGeom prst="rect">
+            <a:avLst/>
+          </a:prstGeom>
+          <a:noFill/>
+        </p:spPr>
+        <p:txBody>
+          <a:bodyPr wrap="none" rtlCol="0">
+            <a:spAutoFit/>
+          </a:bodyPr>
+          <a:lstStyle/>
+          <a:p>
+            <a:r>
+              <a:rPr lang="ko-KR" altLang="en-US" sz="800" dirty="0" err="1" smtClean="0"/>
+              <a:t>더보기</a:t>
+            </a:r>
+            <a:endParaRPr lang="ko-KR" altLang="en-US" sz="800" dirty="0"/>
+          </a:p>
+        </p:txBody>
+      </p:sp>
+      <p:sp>
+        <p:nvSpPr>
+          <p:cNvPr id="22" name="이등변 삼각형 21"/>
+          <p:cNvSpPr/>
+          <p:nvPr/>
+        </p:nvSpPr>
+        <p:spPr>
+          <a:xfrm rot="10800000">
+            <a:off x="9013634" y="3147263"/>
+            <a:ext cx="162823" cy="57896"/>
+          </a:xfrm>
+          <a:prstGeom prst="triangle">
+            <a:avLst/>
+          </a:prstGeom>
+          <a:solidFill>
+            <a:schemeClr val="tx1"/>
+          </a:solidFill>
+          <a:ln>
+            <a:solidFill>
+              <a:schemeClr val="bg1"/>
+            </a:solidFill>
+          </a:ln>
+        </p:spPr>
+        <p:style>
+          <a:lnRef idx="2">
+            <a:schemeClr val="accent1">
+              <a:shade val="50000"/>
+            </a:schemeClr>
+          </a:lnRef>
+          <a:fillRef idx="1">
+            <a:schemeClr val="accent1"/>
+          </a:fillRef>
+          <a:effectRef idx="0">
+            <a:schemeClr val="accent1"/>
+          </a:effectRef>
+          <a:fontRef idx="minor">
+            <a:schemeClr val="lt1"/>
+          </a:fontRef>
+        </p:style>
+        <p:txBody>
+          <a:bodyPr rtlCol="0" anchor="ctr"/>
+          <a:lstStyle/>
+          <a:p>
+            <a:pPr algn="ctr"/>
+            <a:endParaRPr lang="ko-KR" altLang="en-US"/>
+          </a:p>
+        </p:txBody>
+      </p:sp>
+      <p:sp>
+        <p:nvSpPr>
+          <p:cNvPr id="23" name="모서리가 둥근 직사각형 22"/>
+          <p:cNvSpPr/>
+          <p:nvPr/>
+        </p:nvSpPr>
+        <p:spPr>
+          <a:xfrm>
+            <a:off x="3538890" y="2341199"/>
+            <a:ext cx="5637567" cy="420130"/>
+          </a:xfrm>
+          <a:prstGeom prst="roundRect">
+            <a:avLst/>
+          </a:prstGeom>
+          <a:solidFill>
+            <a:schemeClr val="bg1"/>
+          </a:solidFill>
+          <a:ln>
+            <a:solidFill>
+              <a:schemeClr val="bg1">
+                <a:lumMod val="85000"/>
+              </a:schemeClr>
+            </a:solidFill>
+          </a:ln>
+        </p:spPr>
+        <p:style>
+          <a:lnRef idx="2">
+            <a:schemeClr val="accent1">
+              <a:shade val="50000"/>
+            </a:schemeClr>
+          </a:lnRef>
+          <a:fillRef idx="1">
+            <a:schemeClr val="accent1"/>
+          </a:fillRef>
+          <a:effectRef idx="0">
+            <a:schemeClr val="accent1"/>
+          </a:effectRef>
+          <a:fontRef idx="minor">
+            <a:schemeClr val="lt1"/>
+          </a:fontRef>
+        </p:style>
+        <p:txBody>
+          <a:bodyPr rtlCol="0" anchor="ctr"/>
+          <a:lstStyle/>
+          <a:p>
+            <a:pPr algn="ctr"/>
+            <a:endParaRPr lang="ko-KR" altLang="en-US" dirty="0"/>
+          </a:p>
+        </p:txBody>
+      </p:sp>
+      <p:sp>
+        <p:nvSpPr>
+          <p:cNvPr id="26" name="TextBox 25"/>
+          <p:cNvSpPr txBox="1"/>
+          <p:nvPr/>
+        </p:nvSpPr>
+        <p:spPr>
+          <a:xfrm>
+            <a:off x="11155045" y="105998"/>
+            <a:ext cx="595035" cy="215444"/>
+          </a:xfrm>
+          <a:prstGeom prst="rect">
+            <a:avLst/>
+          </a:prstGeom>
+          <a:noFill/>
+        </p:spPr>
+        <p:txBody>
+          <a:bodyPr wrap="none" rtlCol="0">
+            <a:spAutoFit/>
+          </a:bodyPr>
+          <a:lstStyle/>
+          <a:p>
+            <a:r>
+              <a:rPr lang="ko-KR" altLang="en-US" sz="800" smtClean="0"/>
+              <a:t>박창주님</a:t>
+            </a:r>
+            <a:endParaRPr lang="ko-KR" altLang="en-US" sz="800" dirty="0"/>
+          </a:p>
+        </p:txBody>
+      </p:sp>
+      <p:sp>
+        <p:nvSpPr>
+          <p:cNvPr id="28" name="TextBox 27"/>
+          <p:cNvSpPr txBox="1"/>
+          <p:nvPr/>
+        </p:nvSpPr>
+        <p:spPr>
+          <a:xfrm>
+            <a:off x="7174298" y="6642556"/>
+            <a:ext cx="595035" cy="215444"/>
+          </a:xfrm>
+          <a:prstGeom prst="rect">
+            <a:avLst/>
+          </a:prstGeom>
+          <a:noFill/>
+        </p:spPr>
+        <p:txBody>
+          <a:bodyPr wrap="none" rtlCol="0">
+            <a:spAutoFit/>
+          </a:bodyPr>
+          <a:lstStyle/>
+          <a:p>
+            <a:r>
+              <a:rPr lang="ko-KR" altLang="en-US" sz="800" u="sng" dirty="0" smtClean="0">
+                <a:solidFill>
+                  <a:schemeClr val="accent1">
+                    <a:lumMod val="75000"/>
+                  </a:schemeClr>
+                </a:solidFill>
+              </a:rPr>
+              <a:t>고객센터</a:t>
+            </a:r>
+            <a:endParaRPr lang="ko-KR" altLang="en-US" sz="800" u="sng" dirty="0">
+              <a:solidFill>
+                <a:schemeClr val="accent1">
+                  <a:lumMod val="75000"/>
+                </a:schemeClr>
+              </a:solidFill>
+            </a:endParaRPr>
+          </a:p>
+        </p:txBody>
+      </p:sp>
+      <p:sp>
+        <p:nvSpPr>
+          <p:cNvPr id="29" name="TextBox 28"/>
+          <p:cNvSpPr txBox="1"/>
+          <p:nvPr/>
+        </p:nvSpPr>
+        <p:spPr>
+          <a:xfrm>
+            <a:off x="4003589" y="6642556"/>
+            <a:ext cx="2947746" cy="215444"/>
+          </a:xfrm>
+          <a:prstGeom prst="rect">
+            <a:avLst/>
+          </a:prstGeom>
+          <a:noFill/>
+        </p:spPr>
+        <p:txBody>
+          <a:bodyPr wrap="square" rtlCol="0">
+            <a:spAutoFit/>
+          </a:bodyPr>
+          <a:lstStyle/>
+          <a:p>
+            <a:r>
+              <a:rPr lang="ko-KR" altLang="en-US" sz="800" dirty="0" smtClean="0"/>
+              <a:t>수원시 </a:t>
+            </a:r>
+            <a:r>
+              <a:rPr lang="ko-KR" altLang="en-US" sz="800" dirty="0" err="1" smtClean="0"/>
+              <a:t>에이비씨동</a:t>
+            </a:r>
+            <a:r>
+              <a:rPr lang="ko-KR" altLang="en-US" sz="800" dirty="0" smtClean="0"/>
+              <a:t> </a:t>
+            </a:r>
+            <a:r>
+              <a:rPr lang="ko-KR" altLang="en-US" sz="800" dirty="0" err="1" smtClean="0"/>
+              <a:t>디이에프구</a:t>
+            </a:r>
+            <a:r>
+              <a:rPr lang="ko-KR" altLang="en-US" sz="800" dirty="0" smtClean="0"/>
+              <a:t> 제트제트제트빌딩 </a:t>
+            </a:r>
+            <a:r>
+              <a:rPr lang="en-US" altLang="ko-KR" sz="800" dirty="0" smtClean="0"/>
+              <a:t>12344</a:t>
+            </a:r>
+            <a:r>
+              <a:rPr lang="ko-KR" altLang="en-US" sz="800" dirty="0" smtClean="0"/>
+              <a:t>호</a:t>
+            </a:r>
+            <a:endParaRPr lang="ko-KR" altLang="en-US" sz="800" dirty="0"/>
+          </a:p>
+        </p:txBody>
+      </p:sp>
+      <p:sp>
+        <p:nvSpPr>
+          <p:cNvPr id="2" name="직사각형 1"/>
+          <p:cNvSpPr/>
+          <p:nvPr/>
+        </p:nvSpPr>
+        <p:spPr>
+          <a:xfrm>
+            <a:off x="8616618" y="2433322"/>
+            <a:ext cx="441394" cy="235883"/>
+          </a:xfrm>
+          <a:prstGeom prst="rect">
+            <a:avLst/>
+          </a:prstGeom>
+          <a:noFill/>
+          <a:ln>
+            <a:solidFill>
+              <a:schemeClr val="bg1">
+                <a:lumMod val="85000"/>
+              </a:schemeClr>
+            </a:solidFill>
+          </a:ln>
+        </p:spPr>
+        <p:style>
+          <a:lnRef idx="2">
+            <a:schemeClr val="accent1">
+              <a:shade val="50000"/>
+            </a:schemeClr>
+          </a:lnRef>
+          <a:fillRef idx="1">
+            <a:schemeClr val="accent1"/>
+          </a:fillRef>
+          <a:effectRef idx="0">
+            <a:schemeClr val="accent1"/>
+          </a:effectRef>
+          <a:fontRef idx="minor">
+            <a:schemeClr val="lt1"/>
+          </a:fontRef>
+        </p:style>
+        <p:txBody>
+          <a:bodyPr rtlCol="0" anchor="ctr"/>
+          <a:lstStyle/>
+          <a:p>
+            <a:pPr algn="ctr"/>
+            <a:r>
+              <a:rPr lang="ko-KR" altLang="en-US" sz="1000" dirty="0" err="1" smtClean="0">
+                <a:solidFill>
+                  <a:schemeClr val="tx1"/>
+                </a:solidFill>
+                <a:latin typeface="HY엽서L" panose="02030600000101010101" pitchFamily="18" charset="-127"/>
+                <a:ea typeface="HY엽서L" panose="02030600000101010101" pitchFamily="18" charset="-127"/>
+              </a:rPr>
+              <a:t>모랭</a:t>
+            </a:r>
+            <a:endParaRPr lang="ko-KR" altLang="en-US" sz="1000" dirty="0">
+              <a:solidFill>
+                <a:schemeClr val="tx1"/>
+              </a:solidFill>
+              <a:latin typeface="HY엽서L" panose="02030600000101010101" pitchFamily="18" charset="-127"/>
+              <a:ea typeface="HY엽서L" panose="02030600000101010101" pitchFamily="18" charset="-127"/>
+            </a:endParaRPr>
+          </a:p>
+        </p:txBody>
+      </p:sp>
+      <p:cxnSp>
+        <p:nvCxnSpPr>
+          <p:cNvPr id="4" name="직선 연결선 3"/>
+          <p:cNvCxnSpPr/>
+          <p:nvPr/>
+        </p:nvCxnSpPr>
+        <p:spPr>
+          <a:xfrm>
+            <a:off x="8498172" y="2341199"/>
+            <a:ext cx="0" cy="420130"/>
+          </a:xfrm>
+          <a:prstGeom prst="line">
+            <a:avLst/>
+          </a:prstGeom>
+          <a:ln>
+            <a:solidFill>
+              <a:schemeClr val="bg1">
+                <a:lumMod val="85000"/>
+              </a:schemeClr>
+            </a:solidFill>
+          </a:ln>
+        </p:spPr>
+        <p:style>
+          <a:lnRef idx="1">
+            <a:schemeClr val="accent1"/>
+          </a:lnRef>
+          <a:fillRef idx="0">
+            <a:schemeClr val="accent1"/>
+          </a:fillRef>
+          <a:effectRef idx="0">
+            <a:schemeClr val="accent1"/>
+          </a:effectRef>
+          <a:fontRef idx="minor">
+            <a:schemeClr val="tx1"/>
+          </a:fontRef>
+        </p:style>
+      </p:cxnSp>
+      <p:sp>
+        <p:nvSpPr>
+          <p:cNvPr id="14" name="TextBox 13"/>
+          <p:cNvSpPr txBox="1"/>
+          <p:nvPr/>
+        </p:nvSpPr>
+        <p:spPr>
+          <a:xfrm>
+            <a:off x="93306" y="6389437"/>
+            <a:ext cx="1569660" cy="369332"/>
+          </a:xfrm>
+          <a:prstGeom prst="rect">
+            <a:avLst/>
+          </a:prstGeom>
+          <a:noFill/>
+        </p:spPr>
+        <p:txBody>
+          <a:bodyPr wrap="none" rtlCol="0">
+            <a:spAutoFit/>
+          </a:bodyPr>
+          <a:lstStyle/>
+          <a:p>
+            <a:r>
+              <a:rPr lang="ko-KR" altLang="en-US" dirty="0" smtClean="0"/>
+              <a:t>카테고리클릭</a:t>
+            </a:r>
+            <a:endParaRPr lang="ko-KR" altLang="en-US" dirty="0"/>
+          </a:p>
+        </p:txBody>
+      </p:sp>
+      <p:sp>
+        <p:nvSpPr>
+          <p:cNvPr id="16" name="이등변 삼각형 15"/>
+          <p:cNvSpPr/>
+          <p:nvPr/>
+        </p:nvSpPr>
+        <p:spPr>
+          <a:xfrm rot="10800000">
+            <a:off x="11750080" y="184772"/>
+            <a:ext cx="162823" cy="57896"/>
+          </a:xfrm>
+          <a:prstGeom prst="triangle">
+            <a:avLst/>
+          </a:prstGeom>
+          <a:solidFill>
+            <a:schemeClr val="tx1"/>
+          </a:solidFill>
+          <a:ln>
+            <a:solidFill>
+              <a:schemeClr val="bg1"/>
+            </a:solidFill>
+          </a:ln>
+        </p:spPr>
+        <p:style>
+          <a:lnRef idx="2">
+            <a:schemeClr val="accent1">
+              <a:shade val="50000"/>
+            </a:schemeClr>
+          </a:lnRef>
+          <a:fillRef idx="1">
+            <a:schemeClr val="accent1"/>
+          </a:fillRef>
+          <a:effectRef idx="0">
+            <a:schemeClr val="accent1"/>
+          </a:effectRef>
+          <a:fontRef idx="minor">
+            <a:schemeClr val="lt1"/>
+          </a:fontRef>
+        </p:style>
+        <p:txBody>
+          <a:bodyPr rtlCol="0" anchor="ctr"/>
+          <a:lstStyle/>
+          <a:p>
+            <a:pPr algn="ctr"/>
+            <a:endParaRPr lang="ko-KR" altLang="en-US"/>
+          </a:p>
+        </p:txBody>
+      </p:sp>
+      <p:sp>
+        <p:nvSpPr>
+          <p:cNvPr id="24" name="TextBox 23"/>
+          <p:cNvSpPr txBox="1"/>
+          <p:nvPr/>
+        </p:nvSpPr>
+        <p:spPr>
+          <a:xfrm>
+            <a:off x="3412152" y="3295827"/>
+            <a:ext cx="503109" cy="1446550"/>
+          </a:xfrm>
+          <a:prstGeom prst="rect">
+            <a:avLst/>
+          </a:prstGeom>
+          <a:noFill/>
+        </p:spPr>
+        <p:txBody>
+          <a:bodyPr wrap="square" rtlCol="0">
+            <a:spAutoFit/>
+          </a:bodyPr>
+          <a:lstStyle/>
+          <a:p>
+            <a:pPr algn="ctr"/>
+            <a:r>
+              <a:rPr lang="ko-KR" altLang="en-US" sz="800" dirty="0" smtClean="0"/>
+              <a:t>코미디</a:t>
+            </a:r>
+            <a:endParaRPr lang="en-US" altLang="ko-KR" sz="800" dirty="0" smtClean="0"/>
+          </a:p>
+          <a:p>
+            <a:pPr algn="ctr"/>
+            <a:endParaRPr lang="en-US" altLang="ko-KR" sz="800" dirty="0" smtClean="0"/>
+          </a:p>
+          <a:p>
+            <a:pPr algn="ctr"/>
+            <a:r>
+              <a:rPr lang="ko-KR" altLang="en-US" sz="800" dirty="0" err="1" smtClean="0"/>
+              <a:t>멜로</a:t>
+            </a:r>
+            <a:endParaRPr lang="en-US" altLang="ko-KR" sz="800" dirty="0" smtClean="0"/>
+          </a:p>
+          <a:p>
+            <a:pPr algn="ctr"/>
+            <a:endParaRPr lang="en-US" altLang="ko-KR" sz="800" dirty="0" smtClean="0"/>
+          </a:p>
+          <a:p>
+            <a:pPr algn="ctr"/>
+            <a:r>
+              <a:rPr lang="ko-KR" altLang="en-US" sz="800" dirty="0" smtClean="0"/>
+              <a:t>연예</a:t>
+            </a:r>
+            <a:endParaRPr lang="en-US" altLang="ko-KR" sz="800" dirty="0" smtClean="0"/>
+          </a:p>
+          <a:p>
+            <a:pPr algn="ctr"/>
+            <a:endParaRPr lang="en-US" altLang="ko-KR" sz="800" dirty="0" smtClean="0"/>
+          </a:p>
+          <a:p>
+            <a:pPr algn="ctr"/>
+            <a:r>
+              <a:rPr lang="ko-KR" altLang="en-US" sz="800" dirty="0" smtClean="0"/>
+              <a:t>로맨스</a:t>
+            </a:r>
+            <a:endParaRPr lang="en-US" altLang="ko-KR" sz="800" dirty="0" smtClean="0"/>
+          </a:p>
+          <a:p>
+            <a:pPr algn="ctr"/>
+            <a:endParaRPr lang="en-US" altLang="ko-KR" sz="800" dirty="0"/>
+          </a:p>
+          <a:p>
+            <a:pPr algn="ctr"/>
+            <a:r>
+              <a:rPr lang="ko-KR" altLang="en-US" sz="800" dirty="0" smtClean="0"/>
+              <a:t>성인</a:t>
+            </a:r>
+            <a:endParaRPr lang="en-US" altLang="ko-KR" sz="800" dirty="0" smtClean="0"/>
+          </a:p>
+          <a:p>
+            <a:pPr algn="ctr"/>
+            <a:endParaRPr lang="en-US" altLang="ko-KR" sz="800" dirty="0"/>
+          </a:p>
+          <a:p>
+            <a:pPr algn="ctr"/>
+            <a:r>
+              <a:rPr lang="ko-KR" altLang="en-US" sz="800" dirty="0" smtClean="0"/>
+              <a:t>공포</a:t>
+            </a:r>
+            <a:endParaRPr lang="en-US" altLang="ko-KR" sz="800" dirty="0" smtClean="0"/>
+          </a:p>
+        </p:txBody>
+      </p:sp>
+      <p:sp>
+        <p:nvSpPr>
+          <p:cNvPr id="27" name="TextBox 26"/>
+          <p:cNvSpPr txBox="1"/>
+          <p:nvPr/>
+        </p:nvSpPr>
+        <p:spPr>
+          <a:xfrm>
+            <a:off x="3853947" y="3295827"/>
+            <a:ext cx="503109" cy="954107"/>
+          </a:xfrm>
+          <a:prstGeom prst="rect">
+            <a:avLst/>
+          </a:prstGeom>
+          <a:noFill/>
+        </p:spPr>
+        <p:txBody>
+          <a:bodyPr wrap="square" rtlCol="0">
+            <a:spAutoFit/>
+          </a:bodyPr>
+          <a:lstStyle/>
+          <a:p>
+            <a:pPr algn="ctr"/>
+            <a:r>
+              <a:rPr lang="en-US" altLang="ko-KR" sz="800" dirty="0" smtClean="0"/>
+              <a:t>RPG</a:t>
+            </a:r>
+          </a:p>
+          <a:p>
+            <a:pPr algn="ctr"/>
+            <a:endParaRPr lang="en-US" altLang="ko-KR" sz="800" dirty="0"/>
+          </a:p>
+          <a:p>
+            <a:pPr algn="ctr"/>
+            <a:r>
+              <a:rPr lang="ko-KR" altLang="en-US" sz="800" dirty="0" smtClean="0"/>
+              <a:t>액션</a:t>
+            </a:r>
+            <a:endParaRPr lang="en-US" altLang="ko-KR" sz="800" dirty="0" smtClean="0"/>
+          </a:p>
+          <a:p>
+            <a:pPr algn="ctr"/>
+            <a:endParaRPr lang="en-US" altLang="ko-KR" sz="800" dirty="0"/>
+          </a:p>
+          <a:p>
+            <a:pPr algn="ctr"/>
+            <a:r>
+              <a:rPr lang="ko-KR" altLang="en-US" sz="800" dirty="0" err="1" smtClean="0"/>
+              <a:t>모바일</a:t>
+            </a:r>
+            <a:endParaRPr lang="en-US" altLang="ko-KR" sz="800" dirty="0" smtClean="0"/>
+          </a:p>
+          <a:p>
+            <a:pPr algn="ctr"/>
+            <a:endParaRPr lang="en-US" altLang="ko-KR" sz="800" dirty="0"/>
+          </a:p>
+          <a:p>
+            <a:pPr algn="ctr"/>
+            <a:endParaRPr lang="ko-KR" altLang="en-US" sz="800" dirty="0"/>
+          </a:p>
+        </p:txBody>
+      </p:sp>
+      <p:sp>
+        <p:nvSpPr>
+          <p:cNvPr id="30" name="TextBox 29"/>
+          <p:cNvSpPr txBox="1"/>
+          <p:nvPr/>
+        </p:nvSpPr>
+        <p:spPr>
+          <a:xfrm>
+            <a:off x="4319694" y="3313781"/>
+            <a:ext cx="503109" cy="1446550"/>
+          </a:xfrm>
+          <a:prstGeom prst="rect">
+            <a:avLst/>
+          </a:prstGeom>
+          <a:noFill/>
+        </p:spPr>
+        <p:txBody>
+          <a:bodyPr wrap="square" rtlCol="0">
+            <a:spAutoFit/>
+          </a:bodyPr>
+          <a:lstStyle/>
+          <a:p>
+            <a:pPr algn="ctr"/>
+            <a:r>
+              <a:rPr lang="ko-KR" altLang="en-US" sz="800" dirty="0" smtClean="0"/>
+              <a:t>축구</a:t>
+            </a:r>
+            <a:endParaRPr lang="en-US" altLang="ko-KR" sz="800" dirty="0" smtClean="0"/>
+          </a:p>
+          <a:p>
+            <a:pPr algn="ctr"/>
+            <a:endParaRPr lang="en-US" altLang="ko-KR" sz="800" dirty="0"/>
+          </a:p>
+          <a:p>
+            <a:pPr algn="ctr"/>
+            <a:r>
+              <a:rPr lang="ko-KR" altLang="en-US" sz="800" dirty="0" smtClean="0"/>
+              <a:t>야구</a:t>
+            </a:r>
+            <a:endParaRPr lang="en-US" altLang="ko-KR" sz="800" dirty="0" smtClean="0"/>
+          </a:p>
+          <a:p>
+            <a:pPr algn="ctr"/>
+            <a:endParaRPr lang="en-US" altLang="ko-KR" sz="800" dirty="0"/>
+          </a:p>
+          <a:p>
+            <a:pPr algn="ctr"/>
+            <a:r>
+              <a:rPr lang="ko-KR" altLang="en-US" sz="800" dirty="0" smtClean="0"/>
+              <a:t>배구</a:t>
+            </a:r>
+            <a:endParaRPr lang="en-US" altLang="ko-KR" sz="800" dirty="0" smtClean="0"/>
+          </a:p>
+          <a:p>
+            <a:pPr algn="ctr"/>
+            <a:endParaRPr lang="en-US" altLang="ko-KR" sz="800" dirty="0"/>
+          </a:p>
+          <a:p>
+            <a:pPr algn="ctr"/>
+            <a:r>
+              <a:rPr lang="ko-KR" altLang="en-US" sz="800" dirty="0" smtClean="0"/>
+              <a:t>농구</a:t>
+            </a:r>
+            <a:endParaRPr lang="en-US" altLang="ko-KR" sz="800" dirty="0" smtClean="0"/>
+          </a:p>
+          <a:p>
+            <a:pPr algn="ctr"/>
+            <a:endParaRPr lang="en-US" altLang="ko-KR" sz="800" dirty="0"/>
+          </a:p>
+          <a:p>
+            <a:pPr algn="ctr"/>
+            <a:r>
+              <a:rPr lang="ko-KR" altLang="en-US" sz="800" dirty="0" smtClean="0"/>
+              <a:t>하키</a:t>
+            </a:r>
+            <a:endParaRPr lang="en-US" altLang="ko-KR" sz="800" dirty="0" smtClean="0"/>
+          </a:p>
+          <a:p>
+            <a:pPr algn="ctr"/>
+            <a:endParaRPr lang="en-US" altLang="ko-KR" sz="800" dirty="0"/>
+          </a:p>
+          <a:p>
+            <a:pPr algn="ctr"/>
+            <a:endParaRPr lang="ko-KR" altLang="en-US" sz="800" dirty="0"/>
+          </a:p>
+        </p:txBody>
+      </p:sp>
+      <p:sp>
+        <p:nvSpPr>
+          <p:cNvPr id="31" name="TextBox 30"/>
+          <p:cNvSpPr txBox="1"/>
+          <p:nvPr/>
+        </p:nvSpPr>
+        <p:spPr>
+          <a:xfrm>
+            <a:off x="4874257" y="3283933"/>
+            <a:ext cx="503109" cy="1446550"/>
+          </a:xfrm>
+          <a:prstGeom prst="rect">
+            <a:avLst/>
+          </a:prstGeom>
+          <a:noFill/>
+        </p:spPr>
+        <p:txBody>
+          <a:bodyPr wrap="square" rtlCol="0">
+            <a:spAutoFit/>
+          </a:bodyPr>
+          <a:lstStyle/>
+          <a:p>
+            <a:pPr algn="ctr"/>
+            <a:r>
+              <a:rPr lang="ko-KR" altLang="en-US" sz="800" dirty="0" err="1" smtClean="0"/>
+              <a:t>멜로</a:t>
+            </a:r>
+            <a:endParaRPr lang="en-US" altLang="ko-KR" sz="800" dirty="0" smtClean="0"/>
+          </a:p>
+          <a:p>
+            <a:pPr algn="ctr"/>
+            <a:endParaRPr lang="en-US" altLang="ko-KR" sz="800" dirty="0"/>
+          </a:p>
+          <a:p>
+            <a:pPr algn="ctr"/>
+            <a:r>
+              <a:rPr lang="en-US" altLang="ko-KR" sz="800" dirty="0" smtClean="0"/>
+              <a:t>SBS</a:t>
+            </a:r>
+          </a:p>
+          <a:p>
+            <a:pPr algn="ctr"/>
+            <a:endParaRPr lang="en-US" altLang="ko-KR" sz="800" dirty="0"/>
+          </a:p>
+          <a:p>
+            <a:pPr algn="ctr"/>
+            <a:r>
+              <a:rPr lang="en-US" altLang="ko-KR" sz="800" dirty="0" smtClean="0"/>
+              <a:t>MBC</a:t>
+            </a:r>
+          </a:p>
+          <a:p>
+            <a:pPr algn="ctr"/>
+            <a:endParaRPr lang="en-US" altLang="ko-KR" sz="800" dirty="0"/>
+          </a:p>
+          <a:p>
+            <a:pPr algn="ctr"/>
+            <a:r>
+              <a:rPr lang="en-US" altLang="ko-KR" sz="800" dirty="0" smtClean="0"/>
+              <a:t>KBS</a:t>
+            </a:r>
+          </a:p>
+          <a:p>
+            <a:pPr algn="ctr"/>
+            <a:endParaRPr lang="en-US" altLang="ko-KR" sz="800" dirty="0"/>
+          </a:p>
+          <a:p>
+            <a:pPr algn="ctr"/>
+            <a:r>
+              <a:rPr lang="en-US" altLang="ko-KR" sz="800" dirty="0" smtClean="0"/>
+              <a:t>TVN</a:t>
+            </a:r>
+          </a:p>
+          <a:p>
+            <a:pPr algn="ctr"/>
+            <a:endParaRPr lang="en-US" altLang="ko-KR" sz="800" dirty="0"/>
+          </a:p>
+          <a:p>
+            <a:pPr algn="ctr"/>
+            <a:endParaRPr lang="ko-KR" altLang="en-US" sz="800" dirty="0"/>
+          </a:p>
+        </p:txBody>
+      </p:sp>
+      <p:sp>
+        <p:nvSpPr>
+          <p:cNvPr id="32" name="TextBox 31"/>
+          <p:cNvSpPr txBox="1"/>
+          <p:nvPr/>
+        </p:nvSpPr>
+        <p:spPr>
+          <a:xfrm>
+            <a:off x="5403483" y="3289961"/>
+            <a:ext cx="503109" cy="1446550"/>
+          </a:xfrm>
+          <a:prstGeom prst="rect">
+            <a:avLst/>
+          </a:prstGeom>
+          <a:noFill/>
+        </p:spPr>
+        <p:txBody>
+          <a:bodyPr wrap="square" rtlCol="0">
+            <a:spAutoFit/>
+          </a:bodyPr>
+          <a:lstStyle/>
+          <a:p>
+            <a:pPr algn="ctr"/>
+            <a:r>
+              <a:rPr lang="ko-KR" altLang="en-US" sz="800" dirty="0" smtClean="0"/>
+              <a:t>한식</a:t>
+            </a:r>
+            <a:endParaRPr lang="en-US" altLang="ko-KR" sz="800" dirty="0" smtClean="0"/>
+          </a:p>
+          <a:p>
+            <a:pPr algn="ctr"/>
+            <a:endParaRPr lang="en-US" altLang="ko-KR" sz="800" dirty="0"/>
+          </a:p>
+          <a:p>
+            <a:pPr algn="ctr"/>
+            <a:r>
+              <a:rPr lang="ko-KR" altLang="en-US" sz="800" dirty="0" smtClean="0"/>
+              <a:t>중식</a:t>
+            </a:r>
+            <a:endParaRPr lang="en-US" altLang="ko-KR" sz="800" dirty="0" smtClean="0"/>
+          </a:p>
+          <a:p>
+            <a:pPr algn="ctr"/>
+            <a:endParaRPr lang="en-US" altLang="ko-KR" sz="800" dirty="0"/>
+          </a:p>
+          <a:p>
+            <a:pPr algn="ctr"/>
+            <a:r>
+              <a:rPr lang="ko-KR" altLang="en-US" sz="800" dirty="0" smtClean="0"/>
+              <a:t>일식</a:t>
+            </a:r>
+            <a:endParaRPr lang="en-US" altLang="ko-KR" sz="800" dirty="0" smtClean="0"/>
+          </a:p>
+          <a:p>
+            <a:pPr algn="ctr"/>
+            <a:endParaRPr lang="en-US" altLang="ko-KR" sz="800" dirty="0"/>
+          </a:p>
+          <a:p>
+            <a:pPr algn="ctr"/>
+            <a:r>
+              <a:rPr lang="ko-KR" altLang="en-US" sz="800" dirty="0" smtClean="0"/>
+              <a:t>치킨</a:t>
+            </a:r>
+            <a:endParaRPr lang="en-US" altLang="ko-KR" sz="800" dirty="0" smtClean="0"/>
+          </a:p>
+          <a:p>
+            <a:pPr algn="ctr"/>
+            <a:endParaRPr lang="en-US" altLang="ko-KR" sz="800" dirty="0"/>
+          </a:p>
+          <a:p>
+            <a:pPr algn="ctr"/>
+            <a:r>
+              <a:rPr lang="ko-KR" altLang="en-US" sz="800" dirty="0" smtClean="0"/>
+              <a:t>피자</a:t>
+            </a:r>
+            <a:endParaRPr lang="en-US" altLang="ko-KR" sz="800" dirty="0" smtClean="0"/>
+          </a:p>
+          <a:p>
+            <a:pPr algn="ctr"/>
+            <a:endParaRPr lang="en-US" altLang="ko-KR" sz="800" dirty="0" smtClean="0"/>
+          </a:p>
+          <a:p>
+            <a:pPr algn="ctr"/>
+            <a:r>
+              <a:rPr lang="ko-KR" altLang="en-US" sz="800" dirty="0" smtClean="0"/>
+              <a:t>햄버거</a:t>
+            </a:r>
+            <a:endParaRPr lang="en-US" altLang="ko-KR" sz="800" dirty="0"/>
+          </a:p>
+        </p:txBody>
+      </p:sp>
+      <p:sp>
+        <p:nvSpPr>
+          <p:cNvPr id="33" name="TextBox 32"/>
+          <p:cNvSpPr txBox="1"/>
+          <p:nvPr/>
+        </p:nvSpPr>
+        <p:spPr>
+          <a:xfrm>
+            <a:off x="5958825" y="3283933"/>
+            <a:ext cx="503109" cy="1446550"/>
+          </a:xfrm>
+          <a:prstGeom prst="rect">
+            <a:avLst/>
+          </a:prstGeom>
+          <a:noFill/>
+        </p:spPr>
+        <p:txBody>
+          <a:bodyPr wrap="square" rtlCol="0">
+            <a:spAutoFit/>
+          </a:bodyPr>
+          <a:lstStyle/>
+          <a:p>
+            <a:pPr algn="ctr"/>
+            <a:r>
+              <a:rPr lang="ko-KR" altLang="en-US" sz="800" dirty="0" smtClean="0"/>
+              <a:t>한식</a:t>
+            </a:r>
+            <a:endParaRPr lang="en-US" altLang="ko-KR" sz="800" dirty="0" smtClean="0"/>
+          </a:p>
+          <a:p>
+            <a:pPr algn="ctr"/>
+            <a:endParaRPr lang="en-US" altLang="ko-KR" sz="800" dirty="0"/>
+          </a:p>
+          <a:p>
+            <a:pPr algn="ctr"/>
+            <a:r>
+              <a:rPr lang="ko-KR" altLang="en-US" sz="800" dirty="0" smtClean="0"/>
+              <a:t>중식</a:t>
+            </a:r>
+            <a:endParaRPr lang="en-US" altLang="ko-KR" sz="800" dirty="0" smtClean="0"/>
+          </a:p>
+          <a:p>
+            <a:pPr algn="ctr"/>
+            <a:endParaRPr lang="en-US" altLang="ko-KR" sz="800" dirty="0"/>
+          </a:p>
+          <a:p>
+            <a:pPr algn="ctr"/>
+            <a:r>
+              <a:rPr lang="ko-KR" altLang="en-US" sz="800" dirty="0" smtClean="0"/>
+              <a:t>일식</a:t>
+            </a:r>
+            <a:endParaRPr lang="en-US" altLang="ko-KR" sz="800" dirty="0" smtClean="0"/>
+          </a:p>
+          <a:p>
+            <a:pPr algn="ctr"/>
+            <a:endParaRPr lang="en-US" altLang="ko-KR" sz="800" dirty="0"/>
+          </a:p>
+          <a:p>
+            <a:pPr algn="ctr"/>
+            <a:r>
+              <a:rPr lang="ko-KR" altLang="en-US" sz="800" dirty="0" smtClean="0"/>
+              <a:t>치킨</a:t>
+            </a:r>
+            <a:endParaRPr lang="en-US" altLang="ko-KR" sz="800" dirty="0" smtClean="0"/>
+          </a:p>
+          <a:p>
+            <a:pPr algn="ctr"/>
+            <a:endParaRPr lang="en-US" altLang="ko-KR" sz="800" dirty="0"/>
+          </a:p>
+          <a:p>
+            <a:pPr algn="ctr"/>
+            <a:r>
+              <a:rPr lang="ko-KR" altLang="en-US" sz="800" dirty="0" smtClean="0"/>
+              <a:t>피자</a:t>
+            </a:r>
+            <a:endParaRPr lang="en-US" altLang="ko-KR" sz="800" dirty="0" smtClean="0"/>
+          </a:p>
+          <a:p>
+            <a:pPr algn="ctr"/>
+            <a:endParaRPr lang="en-US" altLang="ko-KR" sz="800" dirty="0"/>
+          </a:p>
+          <a:p>
+            <a:pPr algn="ctr"/>
+            <a:r>
+              <a:rPr lang="ko-KR" altLang="en-US" sz="800" dirty="0" smtClean="0"/>
+              <a:t>햄버거</a:t>
+            </a:r>
+            <a:endParaRPr lang="ko-KR" altLang="en-US" sz="800" dirty="0"/>
+          </a:p>
+        </p:txBody>
+      </p:sp>
+      <p:sp>
+        <p:nvSpPr>
+          <p:cNvPr id="34" name="TextBox 33"/>
+          <p:cNvSpPr txBox="1"/>
+          <p:nvPr/>
+        </p:nvSpPr>
+        <p:spPr>
+          <a:xfrm>
+            <a:off x="6390374" y="3283933"/>
+            <a:ext cx="503109" cy="1200329"/>
+          </a:xfrm>
+          <a:prstGeom prst="rect">
+            <a:avLst/>
+          </a:prstGeom>
+          <a:noFill/>
+        </p:spPr>
+        <p:txBody>
+          <a:bodyPr wrap="square" rtlCol="0">
+            <a:spAutoFit/>
+          </a:bodyPr>
+          <a:lstStyle/>
+          <a:p>
+            <a:pPr algn="ctr"/>
+            <a:r>
+              <a:rPr lang="ko-KR" altLang="en-US" sz="800" dirty="0" smtClean="0"/>
+              <a:t>산</a:t>
+            </a:r>
+            <a:endParaRPr lang="en-US" altLang="ko-KR" sz="800" dirty="0" smtClean="0"/>
+          </a:p>
+          <a:p>
+            <a:pPr algn="ctr"/>
+            <a:endParaRPr lang="en-US" altLang="ko-KR" sz="800" dirty="0"/>
+          </a:p>
+          <a:p>
+            <a:pPr algn="ctr"/>
+            <a:r>
+              <a:rPr lang="ko-KR" altLang="en-US" sz="800" dirty="0" smtClean="0"/>
+              <a:t>들</a:t>
+            </a:r>
+            <a:endParaRPr lang="en-US" altLang="ko-KR" sz="800" dirty="0" smtClean="0"/>
+          </a:p>
+          <a:p>
+            <a:pPr algn="ctr"/>
+            <a:endParaRPr lang="en-US" altLang="ko-KR" sz="800" dirty="0"/>
+          </a:p>
+          <a:p>
+            <a:pPr algn="ctr"/>
+            <a:r>
+              <a:rPr lang="ko-KR" altLang="en-US" sz="800" dirty="0" smtClean="0"/>
+              <a:t>강</a:t>
+            </a:r>
+            <a:endParaRPr lang="en-US" altLang="ko-KR" sz="800" dirty="0" smtClean="0"/>
+          </a:p>
+          <a:p>
+            <a:pPr algn="ctr"/>
+            <a:endParaRPr lang="en-US" altLang="ko-KR" sz="800" dirty="0"/>
+          </a:p>
+          <a:p>
+            <a:pPr algn="ctr"/>
+            <a:r>
+              <a:rPr lang="ko-KR" altLang="en-US" sz="800" dirty="0" smtClean="0"/>
+              <a:t>바다</a:t>
+            </a:r>
+            <a:endParaRPr lang="en-US" altLang="ko-KR" sz="800" dirty="0" smtClean="0"/>
+          </a:p>
+          <a:p>
+            <a:pPr algn="ctr"/>
+            <a:endParaRPr lang="en-US" altLang="ko-KR" sz="800" dirty="0"/>
+          </a:p>
+          <a:p>
+            <a:pPr algn="ctr"/>
+            <a:r>
+              <a:rPr lang="ko-KR" altLang="en-US" sz="800" dirty="0" smtClean="0"/>
+              <a:t>호수</a:t>
+            </a:r>
+            <a:endParaRPr lang="ko-KR" altLang="en-US" sz="800" dirty="0"/>
+          </a:p>
+        </p:txBody>
+      </p:sp>
+      <p:sp>
+        <p:nvSpPr>
+          <p:cNvPr id="35" name="TextBox 34"/>
+          <p:cNvSpPr txBox="1"/>
+          <p:nvPr/>
+        </p:nvSpPr>
+        <p:spPr>
+          <a:xfrm>
+            <a:off x="6847371" y="3283933"/>
+            <a:ext cx="503109" cy="1200329"/>
+          </a:xfrm>
+          <a:prstGeom prst="rect">
+            <a:avLst/>
+          </a:prstGeom>
+          <a:noFill/>
+        </p:spPr>
+        <p:txBody>
+          <a:bodyPr wrap="square" rtlCol="0">
+            <a:spAutoFit/>
+          </a:bodyPr>
+          <a:lstStyle/>
+          <a:p>
+            <a:pPr algn="ctr"/>
+            <a:r>
+              <a:rPr lang="ko-KR" altLang="en-US" sz="800" dirty="0" smtClean="0"/>
+              <a:t>국내</a:t>
+            </a:r>
+            <a:endParaRPr lang="en-US" altLang="ko-KR" sz="800" dirty="0" smtClean="0"/>
+          </a:p>
+          <a:p>
+            <a:pPr algn="ctr"/>
+            <a:endParaRPr lang="en-US" altLang="ko-KR" sz="800" dirty="0"/>
+          </a:p>
+          <a:p>
+            <a:pPr algn="ctr"/>
+            <a:r>
+              <a:rPr lang="ko-KR" altLang="en-US" sz="800" dirty="0" smtClean="0"/>
+              <a:t>해외</a:t>
+            </a:r>
+            <a:endParaRPr lang="en-US" altLang="ko-KR" sz="800" dirty="0" smtClean="0"/>
+          </a:p>
+          <a:p>
+            <a:pPr algn="ctr"/>
+            <a:endParaRPr lang="en-US" altLang="ko-KR" sz="800" dirty="0"/>
+          </a:p>
+          <a:p>
+            <a:pPr algn="ctr"/>
+            <a:r>
+              <a:rPr lang="ko-KR" altLang="en-US" sz="800" dirty="0" smtClean="0"/>
+              <a:t>고전</a:t>
+            </a:r>
+            <a:endParaRPr lang="en-US" altLang="ko-KR" sz="800" dirty="0" smtClean="0"/>
+          </a:p>
+          <a:p>
+            <a:pPr algn="ctr"/>
+            <a:endParaRPr lang="en-US" altLang="ko-KR" sz="800" dirty="0"/>
+          </a:p>
+          <a:p>
+            <a:pPr algn="ctr"/>
+            <a:r>
+              <a:rPr lang="en-US" altLang="ko-KR" sz="800" dirty="0" smtClean="0"/>
+              <a:t>20</a:t>
+            </a:r>
+            <a:r>
+              <a:rPr lang="ko-KR" altLang="en-US" sz="800" dirty="0" smtClean="0"/>
+              <a:t>세기</a:t>
+            </a:r>
+            <a:endParaRPr lang="en-US" altLang="ko-KR" sz="800" dirty="0" smtClean="0"/>
+          </a:p>
+          <a:p>
+            <a:pPr algn="ctr"/>
+            <a:endParaRPr lang="en-US" altLang="ko-KR" sz="800" dirty="0"/>
+          </a:p>
+          <a:p>
+            <a:pPr algn="ctr"/>
+            <a:r>
+              <a:rPr lang="en-US" altLang="ko-KR" sz="800" dirty="0" smtClean="0"/>
+              <a:t>21</a:t>
+            </a:r>
+            <a:r>
+              <a:rPr lang="ko-KR" altLang="en-US" sz="800" dirty="0" smtClean="0"/>
+              <a:t>세기</a:t>
+            </a:r>
+            <a:endParaRPr lang="ko-KR" altLang="en-US" sz="800" dirty="0"/>
+          </a:p>
+        </p:txBody>
+      </p:sp>
+      <p:sp>
+        <p:nvSpPr>
+          <p:cNvPr id="36" name="TextBox 35"/>
+          <p:cNvSpPr txBox="1"/>
+          <p:nvPr/>
+        </p:nvSpPr>
+        <p:spPr>
+          <a:xfrm>
+            <a:off x="7306775" y="3295826"/>
+            <a:ext cx="503109" cy="954107"/>
+          </a:xfrm>
+          <a:prstGeom prst="rect">
+            <a:avLst/>
+          </a:prstGeom>
+          <a:noFill/>
+        </p:spPr>
+        <p:txBody>
+          <a:bodyPr wrap="square" rtlCol="0">
+            <a:spAutoFit/>
+          </a:bodyPr>
+          <a:lstStyle/>
+          <a:p>
+            <a:pPr algn="ctr"/>
+            <a:r>
+              <a:rPr lang="ko-KR" altLang="en-US" sz="800" dirty="0" smtClean="0"/>
+              <a:t>국내</a:t>
+            </a:r>
+            <a:endParaRPr lang="en-US" altLang="ko-KR" sz="800" dirty="0" smtClean="0"/>
+          </a:p>
+          <a:p>
+            <a:pPr algn="ctr"/>
+            <a:endParaRPr lang="en-US" altLang="ko-KR" sz="800" dirty="0"/>
+          </a:p>
+          <a:p>
+            <a:pPr algn="ctr"/>
+            <a:r>
+              <a:rPr lang="ko-KR" altLang="en-US" sz="800" dirty="0" smtClean="0"/>
+              <a:t>해외</a:t>
+            </a:r>
+            <a:endParaRPr lang="en-US" altLang="ko-KR" sz="800" dirty="0" smtClean="0"/>
+          </a:p>
+          <a:p>
+            <a:pPr algn="ctr"/>
+            <a:endParaRPr lang="en-US" altLang="ko-KR" sz="800" dirty="0"/>
+          </a:p>
+          <a:p>
+            <a:pPr algn="ctr"/>
+            <a:r>
+              <a:rPr lang="en-US" altLang="ko-KR" sz="800" dirty="0" smtClean="0"/>
+              <a:t>20</a:t>
+            </a:r>
+            <a:r>
+              <a:rPr lang="ko-KR" altLang="en-US" sz="800" dirty="0" smtClean="0"/>
+              <a:t>세기</a:t>
+            </a:r>
+            <a:endParaRPr lang="en-US" altLang="ko-KR" sz="800" dirty="0" smtClean="0"/>
+          </a:p>
+          <a:p>
+            <a:pPr algn="ctr"/>
+            <a:endParaRPr lang="en-US" altLang="ko-KR" sz="800" dirty="0"/>
+          </a:p>
+          <a:p>
+            <a:pPr algn="ctr"/>
+            <a:r>
+              <a:rPr lang="en-US" altLang="ko-KR" sz="800" dirty="0" smtClean="0"/>
+              <a:t>21</a:t>
+            </a:r>
+            <a:r>
+              <a:rPr lang="ko-KR" altLang="en-US" sz="800" dirty="0" smtClean="0"/>
+              <a:t>세기</a:t>
+            </a:r>
+            <a:endParaRPr lang="ko-KR" altLang="en-US" sz="800" dirty="0"/>
+          </a:p>
+        </p:txBody>
+      </p:sp>
+      <p:sp>
+        <p:nvSpPr>
+          <p:cNvPr id="37" name="TextBox 36"/>
+          <p:cNvSpPr txBox="1"/>
+          <p:nvPr/>
+        </p:nvSpPr>
+        <p:spPr>
+          <a:xfrm>
+            <a:off x="7758401" y="3322405"/>
+            <a:ext cx="503109" cy="1200329"/>
+          </a:xfrm>
+          <a:prstGeom prst="rect">
+            <a:avLst/>
+          </a:prstGeom>
+          <a:noFill/>
+        </p:spPr>
+        <p:txBody>
+          <a:bodyPr wrap="square" rtlCol="0">
+            <a:spAutoFit/>
+          </a:bodyPr>
+          <a:lstStyle/>
+          <a:p>
+            <a:pPr algn="ctr"/>
+            <a:r>
+              <a:rPr lang="ko-KR" altLang="en-US" sz="800" dirty="0" smtClean="0"/>
+              <a:t>국내</a:t>
+            </a:r>
+            <a:endParaRPr lang="en-US" altLang="ko-KR" sz="800" dirty="0" smtClean="0"/>
+          </a:p>
+          <a:p>
+            <a:pPr algn="ctr"/>
+            <a:endParaRPr lang="en-US" altLang="ko-KR" sz="800" dirty="0"/>
+          </a:p>
+          <a:p>
+            <a:pPr algn="ctr"/>
+            <a:r>
+              <a:rPr lang="ko-KR" altLang="en-US" sz="800" dirty="0" smtClean="0"/>
+              <a:t>해외</a:t>
+            </a:r>
+            <a:endParaRPr lang="en-US" altLang="ko-KR" sz="800" dirty="0" smtClean="0"/>
+          </a:p>
+          <a:p>
+            <a:pPr algn="ctr"/>
+            <a:endParaRPr lang="en-US" altLang="ko-KR" sz="800" dirty="0"/>
+          </a:p>
+          <a:p>
+            <a:pPr algn="ctr"/>
+            <a:r>
+              <a:rPr lang="ko-KR" altLang="en-US" sz="800" dirty="0" smtClean="0"/>
+              <a:t>일간</a:t>
+            </a:r>
+            <a:endParaRPr lang="en-US" altLang="ko-KR" sz="800" dirty="0" smtClean="0"/>
+          </a:p>
+          <a:p>
+            <a:pPr algn="ctr"/>
+            <a:endParaRPr lang="en-US" altLang="ko-KR" sz="800" dirty="0"/>
+          </a:p>
+          <a:p>
+            <a:pPr algn="ctr"/>
+            <a:r>
+              <a:rPr lang="ko-KR" altLang="en-US" sz="800" dirty="0" smtClean="0"/>
+              <a:t>주간</a:t>
+            </a:r>
+            <a:endParaRPr lang="en-US" altLang="ko-KR" sz="800" dirty="0" smtClean="0"/>
+          </a:p>
+          <a:p>
+            <a:pPr algn="ctr"/>
+            <a:endParaRPr lang="en-US" altLang="ko-KR" sz="800" dirty="0"/>
+          </a:p>
+          <a:p>
+            <a:pPr algn="ctr"/>
+            <a:r>
+              <a:rPr lang="ko-KR" altLang="en-US" sz="800" dirty="0" smtClean="0"/>
+              <a:t>월간</a:t>
+            </a:r>
+            <a:endParaRPr lang="ko-KR" altLang="en-US" sz="800" dirty="0"/>
+          </a:p>
+        </p:txBody>
+      </p:sp>
+      <p:sp>
+        <p:nvSpPr>
+          <p:cNvPr id="38" name="TextBox 37"/>
+          <p:cNvSpPr txBox="1"/>
+          <p:nvPr/>
+        </p:nvSpPr>
+        <p:spPr>
+          <a:xfrm>
+            <a:off x="8178227" y="3322405"/>
+            <a:ext cx="503109" cy="1200329"/>
+          </a:xfrm>
+          <a:prstGeom prst="rect">
+            <a:avLst/>
+          </a:prstGeom>
+          <a:noFill/>
+        </p:spPr>
+        <p:txBody>
+          <a:bodyPr wrap="square" rtlCol="0">
+            <a:spAutoFit/>
+          </a:bodyPr>
+          <a:lstStyle/>
+          <a:p>
+            <a:pPr algn="ctr"/>
+            <a:r>
+              <a:rPr lang="ko-KR" altLang="en-US" sz="800" dirty="0" smtClean="0"/>
+              <a:t>국내</a:t>
+            </a:r>
+            <a:endParaRPr lang="en-US" altLang="ko-KR" sz="800" dirty="0" smtClean="0"/>
+          </a:p>
+          <a:p>
+            <a:pPr algn="ctr"/>
+            <a:endParaRPr lang="en-US" altLang="ko-KR" sz="800" dirty="0"/>
+          </a:p>
+          <a:p>
+            <a:pPr algn="ctr"/>
+            <a:r>
+              <a:rPr lang="ko-KR" altLang="en-US" sz="800" dirty="0" smtClean="0"/>
+              <a:t>해외</a:t>
+            </a:r>
+            <a:endParaRPr lang="en-US" altLang="ko-KR" sz="800" dirty="0" smtClean="0"/>
+          </a:p>
+          <a:p>
+            <a:pPr algn="ctr"/>
+            <a:endParaRPr lang="en-US" altLang="ko-KR" sz="800" dirty="0"/>
+          </a:p>
+          <a:p>
+            <a:pPr algn="ctr"/>
+            <a:r>
+              <a:rPr lang="ko-KR" altLang="en-US" sz="800" dirty="0" smtClean="0"/>
+              <a:t>남성</a:t>
+            </a:r>
+            <a:endParaRPr lang="en-US" altLang="ko-KR" sz="800" dirty="0" smtClean="0"/>
+          </a:p>
+          <a:p>
+            <a:pPr algn="ctr"/>
+            <a:endParaRPr lang="en-US" altLang="ko-KR" sz="800" dirty="0"/>
+          </a:p>
+          <a:p>
+            <a:pPr algn="ctr"/>
+            <a:r>
+              <a:rPr lang="ko-KR" altLang="en-US" sz="800" dirty="0" smtClean="0"/>
+              <a:t>여성</a:t>
+            </a:r>
+            <a:endParaRPr lang="en-US" altLang="ko-KR" sz="800" dirty="0" smtClean="0"/>
+          </a:p>
+          <a:p>
+            <a:pPr algn="ctr"/>
+            <a:endParaRPr lang="en-US" altLang="ko-KR" sz="800" dirty="0"/>
+          </a:p>
+          <a:p>
+            <a:pPr algn="ctr"/>
+            <a:r>
+              <a:rPr lang="en-US" altLang="ko-KR" sz="800" dirty="0" smtClean="0"/>
+              <a:t>21</a:t>
+            </a:r>
+            <a:r>
+              <a:rPr lang="ko-KR" altLang="en-US" sz="800" dirty="0" smtClean="0"/>
+              <a:t>세기</a:t>
+            </a:r>
+            <a:endParaRPr lang="ko-KR" altLang="en-US" sz="800" dirty="0"/>
+          </a:p>
+        </p:txBody>
+      </p:sp>
+    </p:spTree>
+    <p:extLst>
+      <p:ext uri="{BB962C8B-B14F-4D97-AF65-F5344CB8AC3E}">
+        <p14:creationId xmlns:p14="http://schemas.microsoft.com/office/powerpoint/2010/main" val="1199994145"/>
+      </p:ext>
+    </p:extLst>
+  </p:cSld>
+  <p:clrMapOvr>
+    <a:masterClrMapping/>
+  </p:clrMapOvr>
+</p:sld>
+</file>
+
+<file path=ppt/slides/slide5.xml><?xml version="1.0" encoding="utf-8"?>
 <p:sld xmlns:a="http://schemas.openxmlformats.org/drawingml/2006/main" xmlns:r="http://schemas.openxmlformats.org/officeDocument/2006/relationships" xmlns:p="http://schemas.openxmlformats.org/presentationml/2006/main">
   <p:cSld>
     <p:spTree>
@@ -5073,8 +6281,8 @@
         </p:blipFill>
         <p:spPr>
           <a:xfrm>
-            <a:off x="220206" y="131805"/>
-            <a:ext cx="896097" cy="1142386"/>
+            <a:off x="164222" y="105998"/>
+            <a:ext cx="750178" cy="896886"/>
           </a:xfrm>
           <a:prstGeom prst="rect">
             <a:avLst/>
@@ -5089,7 +6297,7 @@
         </p:nvSpPr>
         <p:spPr>
           <a:xfrm>
-            <a:off x="1375118" y="771573"/>
+            <a:off x="1965958" y="177281"/>
             <a:ext cx="5637567" cy="288322"/>
           </a:xfrm>
           <a:prstGeom prst="roundRect">
@@ -5151,7 +6359,7 @@
         </p:blipFill>
         <p:spPr>
           <a:xfrm>
-            <a:off x="1435242" y="1475488"/>
+            <a:off x="1965958" y="1514080"/>
             <a:ext cx="5466211" cy="5104762"/>
           </a:xfrm>
           <a:prstGeom prst="rect">
@@ -5161,14 +6369,62 @@
       </p:pic>
       <p:sp>
         <p:nvSpPr>
-          <p:cNvPr id="25" name="TextBox 24"/>
+          <p:cNvPr id="27" name="직사각형 26"/>
+          <p:cNvSpPr/>
+          <p:nvPr/>
+        </p:nvSpPr>
+        <p:spPr>
+          <a:xfrm>
+            <a:off x="1202725" y="1274191"/>
+            <a:ext cx="6400800" cy="1098306"/>
+          </a:xfrm>
+          <a:prstGeom prst="rect">
+            <a:avLst/>
+          </a:prstGeom>
+          <a:solidFill>
+            <a:schemeClr val="bg1"/>
+          </a:solidFill>
+          <a:ln>
+            <a:solidFill>
+              <a:schemeClr val="bg1"/>
+            </a:solidFill>
+          </a:ln>
+        </p:spPr>
+        <p:style>
+          <a:lnRef idx="2">
+            <a:schemeClr val="accent1">
+              <a:shade val="50000"/>
+            </a:schemeClr>
+          </a:lnRef>
+          <a:fillRef idx="1">
+            <a:schemeClr val="accent1"/>
+          </a:fillRef>
+          <a:effectRef idx="0">
+            <a:schemeClr val="accent1"/>
+          </a:effectRef>
+          <a:fontRef idx="minor">
+            <a:schemeClr val="lt1"/>
+          </a:fontRef>
+        </p:style>
+        <p:txBody>
+          <a:bodyPr rtlCol="0" anchor="ctr"/>
+          <a:lstStyle/>
+          <a:p>
+            <a:pPr algn="ctr"/>
+            <a:endParaRPr lang="ko-KR" altLang="en-US"/>
+          </a:p>
+        </p:txBody>
+      </p:sp>
+      <p:sp>
+        <p:nvSpPr>
+          <p:cNvPr id="8" name="TextBox 7"/>
           <p:cNvSpPr txBox="1"/>
           <p:nvPr/>
         </p:nvSpPr>
         <p:spPr>
           <a:xfrm>
-            <a:off x="10966018" y="115329"/>
-            <a:ext cx="697627" cy="215444"/>
+            <a:off x="11155045" y="105998"/>
+            <a:ext cx="595035" cy="215444"/>
           </a:xfrm>
           <a:prstGeom prst="rect">
             <a:avLst/>
@@ -5182,8 +6438,8 @@
           <a:lstStyle/>
           <a:p>
             <a:r>
-              <a:rPr lang="ko-KR" altLang="en-US" sz="800" dirty="0" err="1" smtClean="0"/>
-              <a:t>마이페이지</a:t>
+              <a:rPr lang="ko-KR" altLang="en-US" sz="800" smtClean="0"/>
+              <a:t>박창주님</a:t>
             </a:r>
             <a:endParaRPr lang="ko-KR" altLang="en-US" sz="800" dirty="0"/>
           </a:p>
@@ -5191,50 +6447,20 @@
       </p:sp>
       <p:sp>
         <p:nvSpPr>
-          <p:cNvPr id="26" name="TextBox 25"/>
-          <p:cNvSpPr txBox="1"/>
-          <p:nvPr/>
-        </p:nvSpPr>
-        <p:spPr>
-          <a:xfrm>
-            <a:off x="11526190" y="115329"/>
-            <a:ext cx="595035" cy="215444"/>
-          </a:xfrm>
-          <a:prstGeom prst="rect">
-            <a:avLst/>
-          </a:prstGeom>
-          <a:noFill/>
-        </p:spPr>
-        <p:txBody>
-          <a:bodyPr wrap="none" rtlCol="0">
-            <a:spAutoFit/>
-          </a:bodyPr>
-          <a:lstStyle/>
-          <a:p>
-            <a:r>
-              <a:rPr lang="ko-KR" altLang="en-US" sz="800" smtClean="0"/>
-              <a:t>로그아웃</a:t>
-            </a:r>
-            <a:endParaRPr lang="ko-KR" altLang="en-US" sz="800" dirty="0"/>
-          </a:p>
-        </p:txBody>
-      </p:sp>
-      <p:sp>
-        <p:nvSpPr>
-          <p:cNvPr id="27" name="직사각형 26"/>
+          <p:cNvPr id="9" name="이등변 삼각형 8"/>
           <p:cNvSpPr/>
           <p:nvPr/>
         </p:nvSpPr>
         <p:spPr>
-          <a:xfrm>
-            <a:off x="1202725" y="1274191"/>
-            <a:ext cx="6400800" cy="1098306"/>
-          </a:xfrm>
-          <a:prstGeom prst="rect">
+          <a:xfrm rot="10800000">
+            <a:off x="11750080" y="184772"/>
+            <a:ext cx="162823" cy="57896"/>
+          </a:xfrm>
+          <a:prstGeom prst="triangle">
             <a:avLst/>
           </a:prstGeom>
           <a:solidFill>
-            <a:schemeClr val="bg1"/>
+            <a:schemeClr val="tx1"/>
           </a:solidFill>
           <a:ln>
             <a:solidFill>

--- a/image/index/index_prototype1.pptx
+++ b/image/index/index_prototype1.pptx
@@ -9,7 +9,7 @@
     <p:sldId id="261" r:id="rId3"/>
     <p:sldId id="262" r:id="rId4"/>
     <p:sldId id="263" r:id="rId5"/>
-    <p:sldId id="257" r:id="rId6"/>
+    <p:sldId id="264" r:id="rId6"/>
   </p:sldIdLst>
   <p:sldSz cx="12192000" cy="6858000"/>
   <p:notesSz cx="6858000" cy="9144000"/>
@@ -6259,58 +6259,26 @@
           <a:chExt cx="0" cy="0"/>
         </a:xfrm>
       </p:grpSpPr>
-      <p:pic>
-        <p:nvPicPr>
-          <p:cNvPr id="10" name="그림 9"/>
-          <p:cNvPicPr>
-            <a:picLocks noChangeAspect="1"/>
-          </p:cNvPicPr>
-          <p:nvPr/>
-        </p:nvPicPr>
-        <p:blipFill>
-          <a:blip r:embed="rId2" cstate="print">
-            <a:extLst>
-              <a:ext uri="{28A0092B-C50C-407E-A947-70E740481C1C}">
-                <a14:useLocalDpi xmlns:a14="http://schemas.microsoft.com/office/drawing/2010/main" val="0"/>
-              </a:ext>
-            </a:extLst>
-          </a:blip>
-          <a:stretch>
-            <a:fillRect/>
-          </a:stretch>
-        </p:blipFill>
-        <p:spPr>
-          <a:xfrm>
-            <a:off x="164222" y="105998"/>
-            <a:ext cx="750178" cy="896886"/>
-          </a:xfrm>
-          <a:prstGeom prst="rect">
-            <a:avLst/>
-          </a:prstGeom>
-        </p:spPr>
-      </p:pic>
-      <p:sp>
-        <p:nvSpPr>
-          <p:cNvPr id="14" name="모서리가 둥근 직사각형 13"/>
+      <p:sp>
+        <p:nvSpPr>
+          <p:cNvPr id="49" name="모서리가 둥근 직사각형 48"/>
           <p:cNvSpPr/>
           <p:nvPr/>
         </p:nvSpPr>
         <p:spPr>
           <a:xfrm>
-            <a:off x="1965958" y="177281"/>
-            <a:ext cx="5637567" cy="288322"/>
+            <a:off x="3931394" y="2568309"/>
+            <a:ext cx="4722932" cy="4081873"/>
           </a:xfrm>
           <a:prstGeom prst="roundRect">
             <a:avLst/>
           </a:prstGeom>
           <a:solidFill>
-            <a:schemeClr val="bg1"/>
+            <a:schemeClr val="accent4">
+              <a:lumMod val="20000"/>
+              <a:lumOff val="80000"/>
+            </a:schemeClr>
           </a:solidFill>
-          <a:ln>
-            <a:solidFill>
-              <a:schemeClr val="tx1"/>
-            </a:solidFill>
-          </a:ln>
         </p:spPr>
         <p:style>
           <a:lnRef idx="2">
@@ -6337,58 +6305,21 @@
           </a:p>
         </p:txBody>
       </p:sp>
-      <p:pic>
-        <p:nvPicPr>
-          <p:cNvPr id="24" name="그림 23"/>
-          <p:cNvPicPr>
-            <a:picLocks noChangeAspect="1"/>
-          </p:cNvPicPr>
-          <p:nvPr/>
-        </p:nvPicPr>
-        <p:blipFill>
-          <a:blip r:embed="rId3">
-            <a:extLst>
-              <a:ext uri="{28A0092B-C50C-407E-A947-70E740481C1C}">
-                <a14:useLocalDpi xmlns:a14="http://schemas.microsoft.com/office/drawing/2010/main" val="0"/>
-              </a:ext>
-            </a:extLst>
-          </a:blip>
-          <a:stretch>
-            <a:fillRect/>
-          </a:stretch>
-        </p:blipFill>
-        <p:spPr>
-          <a:xfrm>
-            <a:off x="1965958" y="1514080"/>
-            <a:ext cx="5466211" cy="5104762"/>
-          </a:xfrm>
-          <a:prstGeom prst="rect">
-            <a:avLst/>
-          </a:prstGeom>
-        </p:spPr>
-      </p:pic>
-      <p:sp>
-        <p:nvSpPr>
-          <p:cNvPr id="27" name="직사각형 26"/>
+      <p:sp>
+        <p:nvSpPr>
+          <p:cNvPr id="14" name="모서리가 둥근 직사각형 13"/>
           <p:cNvSpPr/>
           <p:nvPr/>
         </p:nvSpPr>
         <p:spPr>
           <a:xfrm>
-            <a:off x="1202725" y="1274191"/>
-            <a:ext cx="6400800" cy="1098306"/>
-          </a:xfrm>
-          <a:prstGeom prst="rect">
-            <a:avLst/>
-          </a:prstGeom>
-          <a:solidFill>
-            <a:schemeClr val="bg1"/>
-          </a:solidFill>
-          <a:ln>
-            <a:solidFill>
-              <a:schemeClr val="bg1"/>
-            </a:solidFill>
-          </a:ln>
+            <a:off x="2128276" y="1681068"/>
+            <a:ext cx="8617527" cy="757932"/>
+          </a:xfrm>
+          <a:prstGeom prst="roundRect">
+            <a:avLst/>
+          </a:prstGeom>
+          <a:noFill/>
         </p:spPr>
         <p:style>
           <a:lnRef idx="2">
@@ -6415,56 +6346,52 @@
           </a:p>
         </p:txBody>
       </p:sp>
-      <p:sp>
-        <p:nvSpPr>
-          <p:cNvPr id="8" name="TextBox 7"/>
-          <p:cNvSpPr txBox="1"/>
-          <p:nvPr/>
-        </p:nvSpPr>
-        <p:spPr>
-          <a:xfrm>
-            <a:off x="11155045" y="105998"/>
-            <a:ext cx="595035" cy="215444"/>
+      <p:pic>
+        <p:nvPicPr>
+          <p:cNvPr id="13" name="그림 12"/>
+          <p:cNvPicPr>
+            <a:picLocks noChangeAspect="1"/>
+          </p:cNvPicPr>
+          <p:nvPr/>
+        </p:nvPicPr>
+        <p:blipFill>
+          <a:blip r:embed="rId2"/>
+          <a:stretch>
+            <a:fillRect/>
+          </a:stretch>
+        </p:blipFill>
+        <p:spPr>
+          <a:xfrm>
+            <a:off x="196393" y="0"/>
+            <a:ext cx="644116" cy="909756"/>
           </a:xfrm>
           <a:prstGeom prst="rect">
             <a:avLst/>
           </a:prstGeom>
-          <a:noFill/>
-        </p:spPr>
-        <p:txBody>
-          <a:bodyPr wrap="none" rtlCol="0">
-            <a:spAutoFit/>
-          </a:bodyPr>
-          <a:lstStyle/>
-          <a:p>
-            <a:r>
-              <a:rPr lang="ko-KR" altLang="en-US" sz="800" smtClean="0"/>
-              <a:t>박창주님</a:t>
-            </a:r>
-            <a:endParaRPr lang="ko-KR" altLang="en-US" sz="800" dirty="0"/>
-          </a:p>
-        </p:txBody>
-      </p:sp>
-      <p:sp>
-        <p:nvSpPr>
-          <p:cNvPr id="9" name="이등변 삼각형 8"/>
+        </p:spPr>
+      </p:pic>
+      <p:sp>
+        <p:nvSpPr>
+          <p:cNvPr id="18" name="모서리가 둥근 직사각형 17"/>
           <p:cNvSpPr/>
           <p:nvPr/>
         </p:nvSpPr>
         <p:spPr>
-          <a:xfrm rot="10800000">
-            <a:off x="11750080" y="184772"/>
-            <a:ext cx="162823" cy="57896"/>
-          </a:xfrm>
-          <a:prstGeom prst="triangle">
+          <a:xfrm>
+            <a:off x="3576598" y="143587"/>
+            <a:ext cx="5637567" cy="420130"/>
+          </a:xfrm>
+          <a:prstGeom prst="roundRect">
             <a:avLst/>
           </a:prstGeom>
           <a:solidFill>
-            <a:schemeClr val="tx1"/>
+            <a:schemeClr val="bg1"/>
           </a:solidFill>
           <a:ln>
             <a:solidFill>
-              <a:schemeClr val="bg1"/>
+              <a:schemeClr val="bg1">
+                <a:lumMod val="85000"/>
+              </a:schemeClr>
             </a:solidFill>
           </a:ln>
         </p:spPr>
@@ -6489,14 +6416,1843 @@
           <a:lstStyle/>
           <a:p>
             <a:pPr algn="ctr"/>
+            <a:r>
+              <a:rPr lang="ko-KR" altLang="en-US" dirty="0" smtClean="0">
+                <a:solidFill>
+                  <a:schemeClr val="tx1"/>
+                </a:solidFill>
+              </a:rPr>
+              <a:t>영화 코미디</a:t>
+            </a:r>
+            <a:endParaRPr lang="ko-KR" altLang="en-US" dirty="0">
+              <a:solidFill>
+                <a:schemeClr val="tx1"/>
+              </a:solidFill>
+            </a:endParaRPr>
+          </a:p>
+        </p:txBody>
+      </p:sp>
+      <p:sp>
+        <p:nvSpPr>
+          <p:cNvPr id="19" name="직사각형 18"/>
+          <p:cNvSpPr/>
+          <p:nvPr/>
+        </p:nvSpPr>
+        <p:spPr>
+          <a:xfrm>
+            <a:off x="8654326" y="235710"/>
+            <a:ext cx="441394" cy="235883"/>
+          </a:xfrm>
+          <a:prstGeom prst="rect">
+            <a:avLst/>
+          </a:prstGeom>
+          <a:noFill/>
+          <a:ln>
+            <a:solidFill>
+              <a:schemeClr val="bg1">
+                <a:lumMod val="85000"/>
+              </a:schemeClr>
+            </a:solidFill>
+          </a:ln>
+        </p:spPr>
+        <p:style>
+          <a:lnRef idx="2">
+            <a:schemeClr val="accent1">
+              <a:shade val="50000"/>
+            </a:schemeClr>
+          </a:lnRef>
+          <a:fillRef idx="1">
+            <a:schemeClr val="accent1"/>
+          </a:fillRef>
+          <a:effectRef idx="0">
+            <a:schemeClr val="accent1"/>
+          </a:effectRef>
+          <a:fontRef idx="minor">
+            <a:schemeClr val="lt1"/>
+          </a:fontRef>
+        </p:style>
+        <p:txBody>
+          <a:bodyPr rtlCol="0" anchor="ctr"/>
+          <a:lstStyle/>
+          <a:p>
+            <a:pPr algn="ctr"/>
+            <a:r>
+              <a:rPr lang="ko-KR" altLang="en-US" sz="1000" dirty="0" err="1" smtClean="0">
+                <a:solidFill>
+                  <a:schemeClr val="tx1"/>
+                </a:solidFill>
+                <a:latin typeface="HY엽서L" panose="02030600000101010101" pitchFamily="18" charset="-127"/>
+                <a:ea typeface="HY엽서L" panose="02030600000101010101" pitchFamily="18" charset="-127"/>
+              </a:rPr>
+              <a:t>모랭</a:t>
+            </a:r>
+            <a:endParaRPr lang="ko-KR" altLang="en-US" sz="1000" dirty="0">
+              <a:solidFill>
+                <a:schemeClr val="tx1"/>
+              </a:solidFill>
+              <a:latin typeface="HY엽서L" panose="02030600000101010101" pitchFamily="18" charset="-127"/>
+              <a:ea typeface="HY엽서L" panose="02030600000101010101" pitchFamily="18" charset="-127"/>
+            </a:endParaRPr>
+          </a:p>
+        </p:txBody>
+      </p:sp>
+      <p:cxnSp>
+        <p:nvCxnSpPr>
+          <p:cNvPr id="20" name="직선 연결선 19"/>
+          <p:cNvCxnSpPr/>
+          <p:nvPr/>
+        </p:nvCxnSpPr>
+        <p:spPr>
+          <a:xfrm>
+            <a:off x="8535880" y="143587"/>
+            <a:ext cx="0" cy="420130"/>
+          </a:xfrm>
+          <a:prstGeom prst="line">
+            <a:avLst/>
+          </a:prstGeom>
+          <a:ln>
+            <a:solidFill>
+              <a:schemeClr val="bg1">
+                <a:lumMod val="85000"/>
+              </a:schemeClr>
+            </a:solidFill>
+          </a:ln>
+        </p:spPr>
+        <p:style>
+          <a:lnRef idx="1">
+            <a:schemeClr val="accent1"/>
+          </a:lnRef>
+          <a:fillRef idx="0">
+            <a:schemeClr val="accent1"/>
+          </a:fillRef>
+          <a:effectRef idx="0">
+            <a:schemeClr val="accent1"/>
+          </a:effectRef>
+          <a:fontRef idx="minor">
+            <a:schemeClr val="tx1"/>
+          </a:fontRef>
+        </p:style>
+      </p:cxnSp>
+      <p:sp>
+        <p:nvSpPr>
+          <p:cNvPr id="21" name="TextBox 20"/>
+          <p:cNvSpPr txBox="1"/>
+          <p:nvPr/>
+        </p:nvSpPr>
+        <p:spPr>
+          <a:xfrm>
+            <a:off x="11033747" y="115329"/>
+            <a:ext cx="492443" cy="215444"/>
+          </a:xfrm>
+          <a:prstGeom prst="rect">
+            <a:avLst/>
+          </a:prstGeom>
+          <a:noFill/>
+        </p:spPr>
+        <p:txBody>
+          <a:bodyPr wrap="none" rtlCol="0">
+            <a:spAutoFit/>
+          </a:bodyPr>
+          <a:lstStyle/>
+          <a:p>
+            <a:r>
+              <a:rPr lang="ko-KR" altLang="en-US" sz="800" dirty="0" smtClean="0"/>
+              <a:t>로그인</a:t>
+            </a:r>
+            <a:endParaRPr lang="ko-KR" altLang="en-US" sz="800" dirty="0"/>
+          </a:p>
+        </p:txBody>
+      </p:sp>
+      <p:sp>
+        <p:nvSpPr>
+          <p:cNvPr id="22" name="TextBox 21"/>
+          <p:cNvSpPr txBox="1"/>
+          <p:nvPr/>
+        </p:nvSpPr>
+        <p:spPr>
+          <a:xfrm>
+            <a:off x="11526190" y="115329"/>
+            <a:ext cx="595035" cy="215444"/>
+          </a:xfrm>
+          <a:prstGeom prst="rect">
+            <a:avLst/>
+          </a:prstGeom>
+          <a:noFill/>
+        </p:spPr>
+        <p:txBody>
+          <a:bodyPr wrap="none" rtlCol="0">
+            <a:spAutoFit/>
+          </a:bodyPr>
+          <a:lstStyle/>
+          <a:p>
+            <a:r>
+              <a:rPr lang="ko-KR" altLang="en-US" sz="800" dirty="0" smtClean="0"/>
+              <a:t>회원가입</a:t>
+            </a:r>
+            <a:endParaRPr lang="ko-KR" altLang="en-US" sz="800" dirty="0"/>
+          </a:p>
+        </p:txBody>
+      </p:sp>
+      <p:sp>
+        <p:nvSpPr>
+          <p:cNvPr id="23" name="TextBox 22"/>
+          <p:cNvSpPr txBox="1"/>
+          <p:nvPr/>
+        </p:nvSpPr>
+        <p:spPr>
+          <a:xfrm>
+            <a:off x="3456742" y="655840"/>
+            <a:ext cx="5867397" cy="253916"/>
+          </a:xfrm>
+          <a:prstGeom prst="rect">
+            <a:avLst/>
+          </a:prstGeom>
+          <a:noFill/>
+        </p:spPr>
+        <p:txBody>
+          <a:bodyPr wrap="square" rtlCol="0">
+            <a:spAutoFit/>
+          </a:bodyPr>
+          <a:lstStyle/>
+          <a:p>
+            <a:r>
+              <a:rPr lang="ko-KR" altLang="en-US" sz="1050" dirty="0" smtClean="0"/>
+              <a:t>영화   게임   스포츠   드라마   먹거리   음식점   명소   명화    인물   주식   연예</a:t>
+            </a:r>
+            <a:endParaRPr lang="ko-KR" altLang="en-US" sz="1050" dirty="0"/>
+          </a:p>
+        </p:txBody>
+      </p:sp>
+      <p:sp>
+        <p:nvSpPr>
+          <p:cNvPr id="24" name="TextBox 23"/>
+          <p:cNvSpPr txBox="1"/>
+          <p:nvPr/>
+        </p:nvSpPr>
+        <p:spPr>
+          <a:xfrm>
+            <a:off x="8601866" y="694312"/>
+            <a:ext cx="492443" cy="215444"/>
+          </a:xfrm>
+          <a:prstGeom prst="rect">
+            <a:avLst/>
+          </a:prstGeom>
+          <a:noFill/>
+        </p:spPr>
+        <p:txBody>
+          <a:bodyPr wrap="none" rtlCol="0">
+            <a:spAutoFit/>
+          </a:bodyPr>
+          <a:lstStyle/>
+          <a:p>
+            <a:r>
+              <a:rPr lang="ko-KR" altLang="en-US" sz="800" dirty="0" err="1" smtClean="0"/>
+              <a:t>더보기</a:t>
+            </a:r>
+            <a:endParaRPr lang="ko-KR" altLang="en-US" sz="800" dirty="0"/>
+          </a:p>
+        </p:txBody>
+      </p:sp>
+      <p:sp>
+        <p:nvSpPr>
+          <p:cNvPr id="25" name="이등변 삼각형 24"/>
+          <p:cNvSpPr/>
+          <p:nvPr/>
+        </p:nvSpPr>
+        <p:spPr>
+          <a:xfrm rot="10800000">
+            <a:off x="9032107" y="773086"/>
+            <a:ext cx="162823" cy="57896"/>
+          </a:xfrm>
+          <a:prstGeom prst="triangle">
+            <a:avLst/>
+          </a:prstGeom>
+          <a:solidFill>
+            <a:schemeClr val="tx1"/>
+          </a:solidFill>
+          <a:ln>
+            <a:solidFill>
+              <a:schemeClr val="bg1"/>
+            </a:solidFill>
+          </a:ln>
+        </p:spPr>
+        <p:style>
+          <a:lnRef idx="2">
+            <a:schemeClr val="accent1">
+              <a:shade val="50000"/>
+            </a:schemeClr>
+          </a:lnRef>
+          <a:fillRef idx="1">
+            <a:schemeClr val="accent1"/>
+          </a:fillRef>
+          <a:effectRef idx="0">
+            <a:schemeClr val="accent1"/>
+          </a:effectRef>
+          <a:fontRef idx="minor">
+            <a:schemeClr val="lt1"/>
+          </a:fontRef>
+        </p:style>
+        <p:txBody>
+          <a:bodyPr rtlCol="0" anchor="ctr"/>
+          <a:lstStyle/>
+          <a:p>
+            <a:pPr algn="ctr"/>
             <a:endParaRPr lang="ko-KR" altLang="en-US"/>
+          </a:p>
+        </p:txBody>
+      </p:sp>
+      <p:sp>
+        <p:nvSpPr>
+          <p:cNvPr id="8" name="TextBox 7"/>
+          <p:cNvSpPr txBox="1"/>
+          <p:nvPr/>
+        </p:nvSpPr>
+        <p:spPr>
+          <a:xfrm>
+            <a:off x="3779054" y="1050613"/>
+            <a:ext cx="5206875" cy="369332"/>
+          </a:xfrm>
+          <a:prstGeom prst="rect">
+            <a:avLst/>
+          </a:prstGeom>
+          <a:noFill/>
+        </p:spPr>
+        <p:txBody>
+          <a:bodyPr wrap="none" rtlCol="0">
+            <a:spAutoFit/>
+          </a:bodyPr>
+          <a:lstStyle/>
+          <a:p>
+            <a:r>
+              <a:rPr lang="en-US" altLang="ko-KR" dirty="0" smtClean="0">
+                <a:solidFill>
+                  <a:schemeClr val="accent4"/>
+                </a:solidFill>
+              </a:rPr>
+              <a:t>“</a:t>
+            </a:r>
+            <a:r>
+              <a:rPr lang="ko-KR" altLang="en-US" dirty="0" smtClean="0">
+                <a:solidFill>
+                  <a:schemeClr val="accent4"/>
+                </a:solidFill>
+              </a:rPr>
+              <a:t>영화 코미디</a:t>
+            </a:r>
+            <a:r>
+              <a:rPr lang="en-US" altLang="ko-KR" dirty="0" smtClean="0">
+                <a:solidFill>
+                  <a:schemeClr val="accent4"/>
+                </a:solidFill>
+              </a:rPr>
+              <a:t>”</a:t>
+            </a:r>
+            <a:r>
+              <a:rPr lang="ko-KR" altLang="en-US" dirty="0" smtClean="0"/>
+              <a:t>에 대한 총 </a:t>
+            </a:r>
+            <a:r>
+              <a:rPr lang="en-US" altLang="ko-KR" dirty="0" smtClean="0">
+                <a:solidFill>
+                  <a:schemeClr val="accent4"/>
+                </a:solidFill>
+              </a:rPr>
+              <a:t>140</a:t>
+            </a:r>
+            <a:r>
+              <a:rPr lang="ko-KR" altLang="en-US" dirty="0" smtClean="0"/>
+              <a:t>건 </a:t>
+            </a:r>
+            <a:r>
+              <a:rPr lang="ko-KR" altLang="en-US" dirty="0" smtClean="0"/>
+              <a:t>검색결과 입니다</a:t>
+            </a:r>
+            <a:r>
+              <a:rPr lang="en-US" altLang="ko-KR" dirty="0" smtClean="0"/>
+              <a:t>.</a:t>
+            </a:r>
+            <a:endParaRPr lang="ko-KR" altLang="en-US" dirty="0"/>
+          </a:p>
+        </p:txBody>
+      </p:sp>
+      <p:sp>
+        <p:nvSpPr>
+          <p:cNvPr id="29" name="모서리가 둥근 직사각형 28"/>
+          <p:cNvSpPr/>
+          <p:nvPr/>
+        </p:nvSpPr>
+        <p:spPr>
+          <a:xfrm>
+            <a:off x="3925534" y="1810377"/>
+            <a:ext cx="1384030" cy="433560"/>
+          </a:xfrm>
+          <a:prstGeom prst="roundRect">
+            <a:avLst/>
+          </a:prstGeom>
+          <a:solidFill>
+            <a:schemeClr val="bg1">
+              <a:lumMod val="95000"/>
+            </a:schemeClr>
+          </a:solidFill>
+        </p:spPr>
+        <p:style>
+          <a:lnRef idx="2">
+            <a:schemeClr val="accent1">
+              <a:shade val="50000"/>
+            </a:schemeClr>
+          </a:lnRef>
+          <a:fillRef idx="1">
+            <a:schemeClr val="accent1"/>
+          </a:fillRef>
+          <a:effectRef idx="0">
+            <a:schemeClr val="accent1"/>
+          </a:effectRef>
+          <a:fontRef idx="minor">
+            <a:schemeClr val="lt1"/>
+          </a:fontRef>
+        </p:style>
+        <p:txBody>
+          <a:bodyPr rtlCol="0" anchor="ctr"/>
+          <a:lstStyle/>
+          <a:p>
+            <a:pPr algn="ctr"/>
+            <a:r>
+              <a:rPr lang="ko-KR" altLang="en-US" sz="1000" dirty="0" smtClean="0">
+                <a:solidFill>
+                  <a:schemeClr val="tx1"/>
+                </a:solidFill>
+              </a:rPr>
+              <a:t>영화 코미디 랭킹</a:t>
+            </a:r>
+            <a:r>
+              <a:rPr lang="en-US" altLang="ko-KR" sz="1000" dirty="0" smtClean="0">
+                <a:solidFill>
+                  <a:schemeClr val="tx1"/>
+                </a:solidFill>
+              </a:rPr>
+              <a:t>(</a:t>
+            </a:r>
+            <a:r>
+              <a:rPr lang="en-US" altLang="ko-KR" sz="1000" dirty="0" smtClean="0">
+                <a:solidFill>
+                  <a:schemeClr val="tx1"/>
+                </a:solidFill>
+              </a:rPr>
+              <a:t>140</a:t>
+            </a:r>
+            <a:r>
+              <a:rPr lang="en-US" altLang="ko-KR" sz="1000" dirty="0" smtClean="0">
+                <a:solidFill>
+                  <a:schemeClr val="tx1"/>
+                </a:solidFill>
+              </a:rPr>
+              <a:t>)</a:t>
+            </a:r>
+            <a:endParaRPr lang="ko-KR" altLang="en-US" sz="1000" dirty="0">
+              <a:solidFill>
+                <a:schemeClr val="tx1"/>
+              </a:solidFill>
+            </a:endParaRPr>
+          </a:p>
+        </p:txBody>
+      </p:sp>
+      <p:sp>
+        <p:nvSpPr>
+          <p:cNvPr id="30" name="모서리가 둥근 직사각형 29"/>
+          <p:cNvSpPr/>
+          <p:nvPr/>
+        </p:nvSpPr>
+        <p:spPr>
+          <a:xfrm>
+            <a:off x="2255692" y="1810377"/>
+            <a:ext cx="1384030" cy="433560"/>
+          </a:xfrm>
+          <a:prstGeom prst="roundRect">
+            <a:avLst/>
+          </a:prstGeom>
+          <a:noFill/>
+        </p:spPr>
+        <p:style>
+          <a:lnRef idx="2">
+            <a:schemeClr val="accent1">
+              <a:shade val="50000"/>
+            </a:schemeClr>
+          </a:lnRef>
+          <a:fillRef idx="1">
+            <a:schemeClr val="accent1"/>
+          </a:fillRef>
+          <a:effectRef idx="0">
+            <a:schemeClr val="accent1"/>
+          </a:effectRef>
+          <a:fontRef idx="minor">
+            <a:schemeClr val="lt1"/>
+          </a:fontRef>
+        </p:style>
+        <p:txBody>
+          <a:bodyPr rtlCol="0" anchor="ctr"/>
+          <a:lstStyle/>
+          <a:p>
+            <a:pPr algn="ctr"/>
+            <a:r>
+              <a:rPr lang="ko-KR" altLang="en-US" sz="1000" dirty="0" smtClean="0">
+                <a:solidFill>
+                  <a:schemeClr val="accent4"/>
+                </a:solidFill>
+              </a:rPr>
+              <a:t>전체</a:t>
+            </a:r>
+            <a:r>
+              <a:rPr lang="en-US" altLang="ko-KR" sz="1000" dirty="0" smtClean="0">
+                <a:solidFill>
+                  <a:schemeClr val="accent4"/>
+                </a:solidFill>
+              </a:rPr>
+              <a:t>(</a:t>
+            </a:r>
+            <a:r>
+              <a:rPr lang="en-US" altLang="ko-KR" sz="1000" dirty="0" smtClean="0">
+                <a:solidFill>
+                  <a:schemeClr val="accent4"/>
+                </a:solidFill>
+              </a:rPr>
+              <a:t>140</a:t>
+            </a:r>
+            <a:r>
+              <a:rPr lang="en-US" altLang="ko-KR" sz="1000" dirty="0" smtClean="0">
+                <a:solidFill>
+                  <a:schemeClr val="accent4"/>
+                </a:solidFill>
+              </a:rPr>
+              <a:t>)</a:t>
+            </a:r>
+            <a:endParaRPr lang="ko-KR" altLang="en-US" sz="1000" dirty="0">
+              <a:solidFill>
+                <a:schemeClr val="accent4"/>
+              </a:solidFill>
+            </a:endParaRPr>
+          </a:p>
+        </p:txBody>
+      </p:sp>
+      <p:sp>
+        <p:nvSpPr>
+          <p:cNvPr id="33" name="TextBox 32">
+            <a:extLst>
+              <a:ext uri="{FF2B5EF4-FFF2-40B4-BE49-F238E27FC236}">
+                <a16:creationId xmlns:a16="http://schemas.microsoft.com/office/drawing/2014/main" id="{05A6BBA3-8045-4B3E-8921-946DDF483D2B}"/>
+              </a:ext>
+            </a:extLst>
+          </p:cNvPr>
+          <p:cNvSpPr txBox="1"/>
+          <p:nvPr/>
+        </p:nvSpPr>
+        <p:spPr>
+          <a:xfrm>
+            <a:off x="6265222" y="2900078"/>
+            <a:ext cx="645910" cy="3018455"/>
+          </a:xfrm>
+          <a:prstGeom prst="rect">
+            <a:avLst/>
+          </a:prstGeom>
+          <a:noFill/>
+        </p:spPr>
+        <p:txBody>
+          <a:bodyPr wrap="square" rtlCol="0">
+            <a:spAutoFit/>
+          </a:bodyPr>
+          <a:lstStyle/>
+          <a:p>
+            <a:pPr algn="r">
+              <a:lnSpc>
+                <a:spcPts val="2300"/>
+              </a:lnSpc>
+            </a:pPr>
+            <a:r>
+              <a:rPr lang="en-US" altLang="ko-KR" sz="1100" dirty="0"/>
+              <a:t>12,932</a:t>
+            </a:r>
+            <a:br>
+              <a:rPr lang="en-US" altLang="ko-KR" sz="1100" dirty="0"/>
+            </a:br>
+            <a:r>
+              <a:rPr lang="en-US" altLang="ko-KR" sz="1100" dirty="0"/>
+              <a:t>10,444</a:t>
+            </a:r>
+          </a:p>
+          <a:p>
+            <a:pPr algn="r">
+              <a:lnSpc>
+                <a:spcPts val="2300"/>
+              </a:lnSpc>
+            </a:pPr>
+            <a:r>
+              <a:rPr lang="en-US" altLang="ko-KR" sz="1100" dirty="0"/>
+              <a:t>9,004</a:t>
+            </a:r>
+          </a:p>
+          <a:p>
+            <a:pPr algn="r">
+              <a:lnSpc>
+                <a:spcPts val="2300"/>
+              </a:lnSpc>
+            </a:pPr>
+            <a:r>
+              <a:rPr lang="en-US" altLang="ko-KR" sz="1100" dirty="0"/>
+              <a:t>4,050</a:t>
+            </a:r>
+          </a:p>
+          <a:p>
+            <a:pPr algn="r">
+              <a:lnSpc>
+                <a:spcPts val="2300"/>
+              </a:lnSpc>
+            </a:pPr>
+            <a:r>
+              <a:rPr lang="en-US" altLang="ko-KR" sz="1100" dirty="0"/>
+              <a:t>3,000</a:t>
+            </a:r>
+          </a:p>
+          <a:p>
+            <a:pPr algn="r">
+              <a:lnSpc>
+                <a:spcPts val="2300"/>
+              </a:lnSpc>
+            </a:pPr>
+            <a:r>
+              <a:rPr lang="en-US" altLang="ko-KR" sz="1100" dirty="0"/>
+              <a:t>2,142</a:t>
+            </a:r>
+          </a:p>
+          <a:p>
+            <a:pPr algn="r">
+              <a:lnSpc>
+                <a:spcPts val="2300"/>
+              </a:lnSpc>
+            </a:pPr>
+            <a:r>
+              <a:rPr lang="en-US" altLang="ko-KR" sz="1100" dirty="0"/>
+              <a:t>1,230</a:t>
+            </a:r>
+          </a:p>
+          <a:p>
+            <a:pPr algn="r">
+              <a:lnSpc>
+                <a:spcPts val="2300"/>
+              </a:lnSpc>
+            </a:pPr>
+            <a:r>
+              <a:rPr lang="en-US" altLang="ko-KR" sz="1100" dirty="0"/>
+              <a:t>430</a:t>
+            </a:r>
+          </a:p>
+          <a:p>
+            <a:pPr algn="r">
+              <a:lnSpc>
+                <a:spcPts val="2300"/>
+              </a:lnSpc>
+            </a:pPr>
+            <a:r>
+              <a:rPr lang="en-US" altLang="ko-KR" sz="1100" dirty="0"/>
+              <a:t>20</a:t>
+            </a:r>
+          </a:p>
+          <a:p>
+            <a:pPr algn="r">
+              <a:lnSpc>
+                <a:spcPts val="2300"/>
+              </a:lnSpc>
+            </a:pPr>
+            <a:r>
+              <a:rPr lang="en-US" altLang="ko-KR" sz="1100" dirty="0"/>
+              <a:t>10</a:t>
+            </a:r>
+          </a:p>
+        </p:txBody>
+      </p:sp>
+      <p:grpSp>
+        <p:nvGrpSpPr>
+          <p:cNvPr id="34" name="그룹 33">
+            <a:extLst>
+              <a:ext uri="{FF2B5EF4-FFF2-40B4-BE49-F238E27FC236}">
+                <a16:creationId xmlns:a16="http://schemas.microsoft.com/office/drawing/2014/main" id="{1574F7C2-C6D2-42CC-9408-F0EF1E6803A7}"/>
+              </a:ext>
+            </a:extLst>
+          </p:cNvPr>
+          <p:cNvGrpSpPr/>
+          <p:nvPr/>
+        </p:nvGrpSpPr>
+        <p:grpSpPr>
+          <a:xfrm>
+            <a:off x="7829658" y="2895350"/>
+            <a:ext cx="338724" cy="2978712"/>
+            <a:chOff x="6760436" y="3674864"/>
+            <a:chExt cx="338724" cy="2978712"/>
+          </a:xfrm>
+        </p:grpSpPr>
+        <p:pic>
+          <p:nvPicPr>
+            <p:cNvPr id="35" name="그래픽 18" descr="엄지척 기호 윤곽선">
+              <a:extLst>
+                <a:ext uri="{FF2B5EF4-FFF2-40B4-BE49-F238E27FC236}">
+                  <a16:creationId xmlns:a16="http://schemas.microsoft.com/office/drawing/2014/main" id="{6A46BF68-7B98-4285-BCFB-67C015CBDF7F}"/>
+                </a:ext>
+              </a:extLst>
+            </p:cNvPr>
+            <p:cNvPicPr>
+              <a:picLocks noChangeAspect="1"/>
+            </p:cNvPicPr>
+            <p:nvPr/>
+          </p:nvPicPr>
+          <p:blipFill>
+            <a:blip r:embed="rId3" cstate="print">
+              <a:extLst>
+                <a:ext uri="{28A0092B-C50C-407E-A947-70E740481C1C}">
+                  <a14:useLocalDpi xmlns:a14="http://schemas.microsoft.com/office/drawing/2010/main" val="0"/>
+                </a:ext>
+                <a:ext uri="{96DAC541-7B7A-43D3-8B79-37D633B846F1}">
+                  <asvg:svgBlip xmlns:asvg="http://schemas.microsoft.com/office/drawing/2016/SVG/main" xmlns="" r:embed="rId4"/>
+                </a:ext>
+              </a:extLst>
+            </a:blip>
+            <a:stretch>
+              <a:fillRect/>
+            </a:stretch>
+          </p:blipFill>
+          <p:spPr>
+            <a:xfrm>
+              <a:off x="6771920" y="3948108"/>
+              <a:ext cx="327239" cy="327239"/>
+            </a:xfrm>
+            <a:prstGeom prst="rect">
+              <a:avLst/>
+            </a:prstGeom>
+          </p:spPr>
+        </p:pic>
+        <p:pic>
+          <p:nvPicPr>
+            <p:cNvPr id="36" name="그래픽 20" descr="엄지척 기호 단색으로 채워진">
+              <a:extLst>
+                <a:ext uri="{FF2B5EF4-FFF2-40B4-BE49-F238E27FC236}">
+                  <a16:creationId xmlns:a16="http://schemas.microsoft.com/office/drawing/2014/main" id="{B275BD7C-F83C-40D4-8F26-975BF4E77D05}"/>
+                </a:ext>
+              </a:extLst>
+            </p:cNvPr>
+            <p:cNvPicPr>
+              <a:picLocks noChangeAspect="1"/>
+            </p:cNvPicPr>
+            <p:nvPr/>
+          </p:nvPicPr>
+          <p:blipFill>
+            <a:blip r:embed="rId5" cstate="print">
+              <a:extLst>
+                <a:ext uri="{28A0092B-C50C-407E-A947-70E740481C1C}">
+                  <a14:useLocalDpi xmlns:a14="http://schemas.microsoft.com/office/drawing/2010/main" val="0"/>
+                </a:ext>
+                <a:ext uri="{96DAC541-7B7A-43D3-8B79-37D633B846F1}">
+                  <asvg:svgBlip xmlns:asvg="http://schemas.microsoft.com/office/drawing/2016/SVG/main" xmlns="" r:embed="rId6"/>
+                </a:ext>
+              </a:extLst>
+            </a:blip>
+            <a:stretch>
+              <a:fillRect/>
+            </a:stretch>
+          </p:blipFill>
+          <p:spPr>
+            <a:xfrm>
+              <a:off x="6771919" y="3674864"/>
+              <a:ext cx="327239" cy="327239"/>
+            </a:xfrm>
+            <a:prstGeom prst="rect">
+              <a:avLst/>
+            </a:prstGeom>
+          </p:spPr>
+        </p:pic>
+        <p:pic>
+          <p:nvPicPr>
+            <p:cNvPr id="37" name="그래픽 22" descr="엄지척 기호 단색으로 채워진">
+              <a:extLst>
+                <a:ext uri="{FF2B5EF4-FFF2-40B4-BE49-F238E27FC236}">
+                  <a16:creationId xmlns:a16="http://schemas.microsoft.com/office/drawing/2014/main" id="{B9B92D11-F5D7-44EF-AFD9-2743DF1F7C5B}"/>
+                </a:ext>
+              </a:extLst>
+            </p:cNvPr>
+            <p:cNvPicPr>
+              <a:picLocks noChangeAspect="1"/>
+            </p:cNvPicPr>
+            <p:nvPr/>
+          </p:nvPicPr>
+          <p:blipFill>
+            <a:blip r:embed="rId5" cstate="print">
+              <a:extLst>
+                <a:ext uri="{28A0092B-C50C-407E-A947-70E740481C1C}">
+                  <a14:useLocalDpi xmlns:a14="http://schemas.microsoft.com/office/drawing/2010/main" val="0"/>
+                </a:ext>
+                <a:ext uri="{96DAC541-7B7A-43D3-8B79-37D633B846F1}">
+                  <asvg:svgBlip xmlns:asvg="http://schemas.microsoft.com/office/drawing/2016/SVG/main" xmlns="" r:embed="rId6"/>
+                </a:ext>
+              </a:extLst>
+            </a:blip>
+            <a:stretch>
+              <a:fillRect/>
+            </a:stretch>
+          </p:blipFill>
+          <p:spPr>
+            <a:xfrm>
+              <a:off x="6760436" y="4250449"/>
+              <a:ext cx="327239" cy="327239"/>
+            </a:xfrm>
+            <a:prstGeom prst="rect">
+              <a:avLst/>
+            </a:prstGeom>
+          </p:spPr>
+        </p:pic>
+        <p:pic>
+          <p:nvPicPr>
+            <p:cNvPr id="38" name="그래픽 27" descr="엄지척 기호 윤곽선">
+              <a:extLst>
+                <a:ext uri="{FF2B5EF4-FFF2-40B4-BE49-F238E27FC236}">
+                  <a16:creationId xmlns:a16="http://schemas.microsoft.com/office/drawing/2014/main" id="{3B8F2C91-26B2-4869-B8BF-99B4934C19ED}"/>
+                </a:ext>
+              </a:extLst>
+            </p:cNvPr>
+            <p:cNvPicPr>
+              <a:picLocks noChangeAspect="1"/>
+            </p:cNvPicPr>
+            <p:nvPr/>
+          </p:nvPicPr>
+          <p:blipFill>
+            <a:blip r:embed="rId3" cstate="print">
+              <a:extLst>
+                <a:ext uri="{28A0092B-C50C-407E-A947-70E740481C1C}">
+                  <a14:useLocalDpi xmlns:a14="http://schemas.microsoft.com/office/drawing/2010/main" val="0"/>
+                </a:ext>
+                <a:ext uri="{96DAC541-7B7A-43D3-8B79-37D633B846F1}">
+                  <asvg:svgBlip xmlns:asvg="http://schemas.microsoft.com/office/drawing/2016/SVG/main" xmlns="" r:embed="rId4"/>
+                </a:ext>
+              </a:extLst>
+            </a:blip>
+            <a:stretch>
+              <a:fillRect/>
+            </a:stretch>
+          </p:blipFill>
+          <p:spPr>
+            <a:xfrm>
+              <a:off x="6762311" y="5126348"/>
+              <a:ext cx="327239" cy="327239"/>
+            </a:xfrm>
+            <a:prstGeom prst="rect">
+              <a:avLst/>
+            </a:prstGeom>
+          </p:spPr>
+        </p:pic>
+        <p:pic>
+          <p:nvPicPr>
+            <p:cNvPr id="39" name="그래픽 28" descr="엄지척 기호 단색으로 채워진">
+              <a:extLst>
+                <a:ext uri="{FF2B5EF4-FFF2-40B4-BE49-F238E27FC236}">
+                  <a16:creationId xmlns:a16="http://schemas.microsoft.com/office/drawing/2014/main" id="{9C32F0C6-C8B6-4B2E-9BCD-A3DDFC6CEE76}"/>
+                </a:ext>
+              </a:extLst>
+            </p:cNvPr>
+            <p:cNvPicPr>
+              <a:picLocks noChangeAspect="1"/>
+            </p:cNvPicPr>
+            <p:nvPr/>
+          </p:nvPicPr>
+          <p:blipFill>
+            <a:blip r:embed="rId5" cstate="print">
+              <a:extLst>
+                <a:ext uri="{28A0092B-C50C-407E-A947-70E740481C1C}">
+                  <a14:useLocalDpi xmlns:a14="http://schemas.microsoft.com/office/drawing/2010/main" val="0"/>
+                </a:ext>
+                <a:ext uri="{96DAC541-7B7A-43D3-8B79-37D633B846F1}">
+                  <asvg:svgBlip xmlns:asvg="http://schemas.microsoft.com/office/drawing/2016/SVG/main" xmlns="" r:embed="rId6"/>
+                </a:ext>
+              </a:extLst>
+            </a:blip>
+            <a:stretch>
+              <a:fillRect/>
+            </a:stretch>
+          </p:blipFill>
+          <p:spPr>
+            <a:xfrm>
+              <a:off x="6762310" y="4848905"/>
+              <a:ext cx="327239" cy="327239"/>
+            </a:xfrm>
+            <a:prstGeom prst="rect">
+              <a:avLst/>
+            </a:prstGeom>
+          </p:spPr>
+        </p:pic>
+        <p:pic>
+          <p:nvPicPr>
+            <p:cNvPr id="40" name="그래픽 29" descr="엄지척 기호 윤곽선">
+              <a:extLst>
+                <a:ext uri="{FF2B5EF4-FFF2-40B4-BE49-F238E27FC236}">
+                  <a16:creationId xmlns:a16="http://schemas.microsoft.com/office/drawing/2014/main" id="{A3EC7B49-40B4-419C-B091-14A3859F8F46}"/>
+                </a:ext>
+              </a:extLst>
+            </p:cNvPr>
+            <p:cNvPicPr>
+              <a:picLocks noChangeAspect="1"/>
+            </p:cNvPicPr>
+            <p:nvPr/>
+          </p:nvPicPr>
+          <p:blipFill>
+            <a:blip r:embed="rId3" cstate="print">
+              <a:extLst>
+                <a:ext uri="{28A0092B-C50C-407E-A947-70E740481C1C}">
+                  <a14:useLocalDpi xmlns:a14="http://schemas.microsoft.com/office/drawing/2010/main" val="0"/>
+                </a:ext>
+                <a:ext uri="{96DAC541-7B7A-43D3-8B79-37D633B846F1}">
+                  <asvg:svgBlip xmlns:asvg="http://schemas.microsoft.com/office/drawing/2016/SVG/main" xmlns="" r:embed="rId4"/>
+                </a:ext>
+              </a:extLst>
+            </a:blip>
+            <a:stretch>
+              <a:fillRect/>
+            </a:stretch>
+          </p:blipFill>
+          <p:spPr>
+            <a:xfrm>
+              <a:off x="6771921" y="5701379"/>
+              <a:ext cx="327239" cy="327239"/>
+            </a:xfrm>
+            <a:prstGeom prst="rect">
+              <a:avLst/>
+            </a:prstGeom>
+          </p:spPr>
+        </p:pic>
+        <p:pic>
+          <p:nvPicPr>
+            <p:cNvPr id="41" name="그래픽 30" descr="엄지척 기호 단색으로 채워진">
+              <a:extLst>
+                <a:ext uri="{FF2B5EF4-FFF2-40B4-BE49-F238E27FC236}">
+                  <a16:creationId xmlns:a16="http://schemas.microsoft.com/office/drawing/2014/main" id="{D7DF81AD-0419-4449-A6CF-320E181CC887}"/>
+                </a:ext>
+              </a:extLst>
+            </p:cNvPr>
+            <p:cNvPicPr>
+              <a:picLocks noChangeAspect="1"/>
+            </p:cNvPicPr>
+            <p:nvPr/>
+          </p:nvPicPr>
+          <p:blipFill>
+            <a:blip r:embed="rId5" cstate="print">
+              <a:extLst>
+                <a:ext uri="{28A0092B-C50C-407E-A947-70E740481C1C}">
+                  <a14:useLocalDpi xmlns:a14="http://schemas.microsoft.com/office/drawing/2010/main" val="0"/>
+                </a:ext>
+                <a:ext uri="{96DAC541-7B7A-43D3-8B79-37D633B846F1}">
+                  <asvg:svgBlip xmlns:asvg="http://schemas.microsoft.com/office/drawing/2016/SVG/main" xmlns="" r:embed="rId6"/>
+                </a:ext>
+              </a:extLst>
+            </a:blip>
+            <a:stretch>
+              <a:fillRect/>
+            </a:stretch>
+          </p:blipFill>
+          <p:spPr>
+            <a:xfrm>
+              <a:off x="6762312" y="5391340"/>
+              <a:ext cx="327239" cy="327239"/>
+            </a:xfrm>
+            <a:prstGeom prst="rect">
+              <a:avLst/>
+            </a:prstGeom>
+          </p:spPr>
+        </p:pic>
+        <p:pic>
+          <p:nvPicPr>
+            <p:cNvPr id="42" name="그래픽 31" descr="엄지척 기호 단색으로 채워진">
+              <a:extLst>
+                <a:ext uri="{FF2B5EF4-FFF2-40B4-BE49-F238E27FC236}">
+                  <a16:creationId xmlns:a16="http://schemas.microsoft.com/office/drawing/2014/main" id="{5EDC5EE2-F3E2-46CD-B25E-7F9701197992}"/>
+                </a:ext>
+              </a:extLst>
+            </p:cNvPr>
+            <p:cNvPicPr>
+              <a:picLocks noChangeAspect="1"/>
+            </p:cNvPicPr>
+            <p:nvPr/>
+          </p:nvPicPr>
+          <p:blipFill>
+            <a:blip r:embed="rId5" cstate="print">
+              <a:extLst>
+                <a:ext uri="{28A0092B-C50C-407E-A947-70E740481C1C}">
+                  <a14:useLocalDpi xmlns:a14="http://schemas.microsoft.com/office/drawing/2010/main" val="0"/>
+                </a:ext>
+                <a:ext uri="{96DAC541-7B7A-43D3-8B79-37D633B846F1}">
+                  <asvg:svgBlip xmlns:asvg="http://schemas.microsoft.com/office/drawing/2016/SVG/main" xmlns="" r:embed="rId6"/>
+                </a:ext>
+              </a:extLst>
+            </a:blip>
+            <a:stretch>
+              <a:fillRect/>
+            </a:stretch>
+          </p:blipFill>
+          <p:spPr>
+            <a:xfrm>
+              <a:off x="6761373" y="4568621"/>
+              <a:ext cx="327239" cy="327239"/>
+            </a:xfrm>
+            <a:prstGeom prst="rect">
+              <a:avLst/>
+            </a:prstGeom>
+          </p:spPr>
+        </p:pic>
+        <p:pic>
+          <p:nvPicPr>
+            <p:cNvPr id="43" name="그래픽 32" descr="엄지척 기호 윤곽선">
+              <a:extLst>
+                <a:ext uri="{FF2B5EF4-FFF2-40B4-BE49-F238E27FC236}">
+                  <a16:creationId xmlns:a16="http://schemas.microsoft.com/office/drawing/2014/main" id="{D962100A-0227-4026-9EAA-0F1CA70A690D}"/>
+                </a:ext>
+              </a:extLst>
+            </p:cNvPr>
+            <p:cNvPicPr>
+              <a:picLocks noChangeAspect="1"/>
+            </p:cNvPicPr>
+            <p:nvPr/>
+          </p:nvPicPr>
+          <p:blipFill>
+            <a:blip r:embed="rId3" cstate="print">
+              <a:extLst>
+                <a:ext uri="{28A0092B-C50C-407E-A947-70E740481C1C}">
+                  <a14:useLocalDpi xmlns:a14="http://schemas.microsoft.com/office/drawing/2010/main" val="0"/>
+                </a:ext>
+                <a:ext uri="{96DAC541-7B7A-43D3-8B79-37D633B846F1}">
+                  <asvg:svgBlip xmlns:asvg="http://schemas.microsoft.com/office/drawing/2016/SVG/main" xmlns="" r:embed="rId4"/>
+                </a:ext>
+              </a:extLst>
+            </a:blip>
+            <a:stretch>
+              <a:fillRect/>
+            </a:stretch>
+          </p:blipFill>
+          <p:spPr>
+            <a:xfrm>
+              <a:off x="6771920" y="6001724"/>
+              <a:ext cx="327239" cy="327239"/>
+            </a:xfrm>
+            <a:prstGeom prst="rect">
+              <a:avLst/>
+            </a:prstGeom>
+          </p:spPr>
+        </p:pic>
+        <p:pic>
+          <p:nvPicPr>
+            <p:cNvPr id="44" name="그래픽 33" descr="엄지척 기호 윤곽선">
+              <a:extLst>
+                <a:ext uri="{FF2B5EF4-FFF2-40B4-BE49-F238E27FC236}">
+                  <a16:creationId xmlns:a16="http://schemas.microsoft.com/office/drawing/2014/main" id="{F7A6920E-502D-459E-B0E8-79D93121F94B}"/>
+                </a:ext>
+              </a:extLst>
+            </p:cNvPr>
+            <p:cNvPicPr>
+              <a:picLocks noChangeAspect="1"/>
+            </p:cNvPicPr>
+            <p:nvPr/>
+          </p:nvPicPr>
+          <p:blipFill>
+            <a:blip r:embed="rId3" cstate="print">
+              <a:extLst>
+                <a:ext uri="{28A0092B-C50C-407E-A947-70E740481C1C}">
+                  <a14:useLocalDpi xmlns:a14="http://schemas.microsoft.com/office/drawing/2010/main" val="0"/>
+                </a:ext>
+                <a:ext uri="{96DAC541-7B7A-43D3-8B79-37D633B846F1}">
+                  <asvg:svgBlip xmlns:asvg="http://schemas.microsoft.com/office/drawing/2016/SVG/main" xmlns="" r:embed="rId4"/>
+                </a:ext>
+              </a:extLst>
+            </a:blip>
+            <a:stretch>
+              <a:fillRect/>
+            </a:stretch>
+          </p:blipFill>
+          <p:spPr>
+            <a:xfrm>
+              <a:off x="6762313" y="6326337"/>
+              <a:ext cx="327239" cy="327239"/>
+            </a:xfrm>
+            <a:prstGeom prst="rect">
+              <a:avLst/>
+            </a:prstGeom>
+          </p:spPr>
+        </p:pic>
+      </p:grpSp>
+      <p:pic>
+        <p:nvPicPr>
+          <p:cNvPr id="45" name="그래픽 24" descr="왕관 윤곽선">
+            <a:extLst>
+              <a:ext uri="{FF2B5EF4-FFF2-40B4-BE49-F238E27FC236}">
+                <a16:creationId xmlns:a16="http://schemas.microsoft.com/office/drawing/2014/main" id="{02C01974-23B0-42EA-8DB1-A9AE1FCB2A1D}"/>
+              </a:ext>
+            </a:extLst>
+          </p:cNvPr>
+          <p:cNvPicPr>
+            <a:picLocks noChangeAspect="1"/>
+          </p:cNvPicPr>
+          <p:nvPr/>
+        </p:nvPicPr>
+        <p:blipFill>
+          <a:blip r:embed="rId7" cstate="print">
+            <a:extLst>
+              <a:ext uri="{28A0092B-C50C-407E-A947-70E740481C1C}">
+                <a14:useLocalDpi xmlns:a14="http://schemas.microsoft.com/office/drawing/2010/main" val="0"/>
+              </a:ext>
+              <a:ext uri="{96DAC541-7B7A-43D3-8B79-37D633B846F1}">
+                <asvg:svgBlip xmlns:asvg="http://schemas.microsoft.com/office/drawing/2016/SVG/main" xmlns="" r:embed="rId10"/>
+              </a:ext>
+            </a:extLst>
+          </a:blip>
+          <a:stretch>
+            <a:fillRect/>
+          </a:stretch>
+        </p:blipFill>
+        <p:spPr>
+          <a:xfrm rot="19609151">
+            <a:off x="4151829" y="3089384"/>
+            <a:ext cx="380922" cy="380434"/>
+          </a:xfrm>
+          <a:prstGeom prst="rect">
+            <a:avLst/>
+          </a:prstGeom>
+        </p:spPr>
+      </p:pic>
+      <p:pic>
+        <p:nvPicPr>
+          <p:cNvPr id="46" name="그래픽 42" descr="왕관 단색으로 채워진">
+            <a:extLst>
+              <a:ext uri="{FF2B5EF4-FFF2-40B4-BE49-F238E27FC236}">
+                <a16:creationId xmlns:a16="http://schemas.microsoft.com/office/drawing/2014/main" id="{2CB7779D-171B-4652-9A9E-1BB1C85620BD}"/>
+              </a:ext>
+            </a:extLst>
+          </p:cNvPr>
+          <p:cNvPicPr>
+            <a:picLocks noChangeAspect="1"/>
+          </p:cNvPicPr>
+          <p:nvPr/>
+        </p:nvPicPr>
+        <p:blipFill>
+          <a:blip r:embed="rId11" cstate="print">
+            <a:extLst>
+              <a:ext uri="{28A0092B-C50C-407E-A947-70E740481C1C}">
+                <a14:useLocalDpi xmlns:a14="http://schemas.microsoft.com/office/drawing/2010/main" val="0"/>
+              </a:ext>
+              <a:ext uri="{96DAC541-7B7A-43D3-8B79-37D633B846F1}">
+                <asvg:svgBlip xmlns:asvg="http://schemas.microsoft.com/office/drawing/2016/SVG/main" xmlns="" r:embed="rId12"/>
+              </a:ext>
+            </a:extLst>
+          </a:blip>
+          <a:stretch>
+            <a:fillRect/>
+          </a:stretch>
+        </p:blipFill>
+        <p:spPr>
+          <a:xfrm rot="19609151">
+            <a:off x="4163446" y="3392524"/>
+            <a:ext cx="380922" cy="380922"/>
+          </a:xfrm>
+          <a:prstGeom prst="rect">
+            <a:avLst/>
+          </a:prstGeom>
+        </p:spPr>
+      </p:pic>
+      <p:sp>
+        <p:nvSpPr>
+          <p:cNvPr id="48" name="TextBox 47"/>
+          <p:cNvSpPr txBox="1"/>
+          <p:nvPr/>
+        </p:nvSpPr>
+        <p:spPr>
+          <a:xfrm>
+            <a:off x="4365621" y="2934911"/>
+            <a:ext cx="1095172" cy="3318857"/>
+          </a:xfrm>
+          <a:prstGeom prst="rect">
+            <a:avLst/>
+          </a:prstGeom>
+          <a:noFill/>
+        </p:spPr>
+        <p:txBody>
+          <a:bodyPr wrap="none" rtlCol="0">
+            <a:spAutoFit/>
+          </a:bodyPr>
+          <a:lstStyle/>
+          <a:p>
+            <a:pPr marL="342900" indent="-342900">
+              <a:lnSpc>
+                <a:spcPts val="2300"/>
+              </a:lnSpc>
+              <a:buAutoNum type="arabicPeriod"/>
+            </a:pPr>
+            <a:r>
+              <a:rPr lang="ko-KR" altLang="en-US" sz="1100" dirty="0"/>
+              <a:t>굽네</a:t>
+            </a:r>
+            <a:endParaRPr lang="en-US" altLang="ko-KR" sz="1100" dirty="0"/>
+          </a:p>
+          <a:p>
+            <a:pPr marL="342900" indent="-342900">
+              <a:lnSpc>
+                <a:spcPts val="2300"/>
+              </a:lnSpc>
+              <a:buAutoNum type="arabicPeriod"/>
+            </a:pPr>
+            <a:r>
+              <a:rPr lang="ko-KR" altLang="en-US" sz="1100" dirty="0" err="1"/>
+              <a:t>페리카나</a:t>
+            </a:r>
+            <a:endParaRPr lang="en-US" altLang="ko-KR" sz="1100" dirty="0"/>
+          </a:p>
+          <a:p>
+            <a:pPr marL="342900" indent="-342900">
+              <a:lnSpc>
+                <a:spcPts val="2300"/>
+              </a:lnSpc>
+              <a:buAutoNum type="arabicPeriod"/>
+            </a:pPr>
+            <a:r>
+              <a:rPr lang="ko-KR" altLang="en-US" sz="1100" dirty="0" err="1"/>
+              <a:t>교촌</a:t>
+            </a:r>
+            <a:endParaRPr lang="en-US" altLang="ko-KR" sz="1100" dirty="0"/>
+          </a:p>
+          <a:p>
+            <a:pPr marL="342900" indent="-342900">
+              <a:lnSpc>
+                <a:spcPts val="2300"/>
+              </a:lnSpc>
+              <a:buAutoNum type="arabicPeriod"/>
+            </a:pPr>
+            <a:r>
+              <a:rPr lang="ko-KR" altLang="en-US" sz="1100" dirty="0" err="1"/>
+              <a:t>푸라닭</a:t>
+            </a:r>
+            <a:endParaRPr lang="en-US" altLang="ko-KR" sz="1100" dirty="0"/>
+          </a:p>
+          <a:p>
+            <a:pPr marL="342900" indent="-342900">
+              <a:lnSpc>
+                <a:spcPts val="2300"/>
+              </a:lnSpc>
+              <a:buAutoNum type="arabicPeriod"/>
+            </a:pPr>
+            <a:r>
+              <a:rPr lang="en-US" altLang="ko-KR" sz="1100" dirty="0"/>
+              <a:t>BHC</a:t>
+            </a:r>
+          </a:p>
+          <a:p>
+            <a:pPr marL="342900" indent="-342900">
+              <a:lnSpc>
+                <a:spcPts val="2300"/>
+              </a:lnSpc>
+              <a:buAutoNum type="arabicPeriod"/>
+            </a:pPr>
+            <a:r>
+              <a:rPr lang="en-US" altLang="ko-KR" sz="1100" dirty="0"/>
+              <a:t>BBQ</a:t>
+            </a:r>
+          </a:p>
+          <a:p>
+            <a:pPr marL="342900" indent="-342900">
+              <a:lnSpc>
+                <a:spcPts val="2300"/>
+              </a:lnSpc>
+              <a:buAutoNum type="arabicPeriod"/>
+            </a:pPr>
+            <a:r>
+              <a:rPr lang="ko-KR" altLang="en-US" sz="1100" dirty="0"/>
+              <a:t>호식이</a:t>
+            </a:r>
+            <a:endParaRPr lang="en-US" altLang="ko-KR" sz="1100" dirty="0"/>
+          </a:p>
+          <a:p>
+            <a:pPr marL="342900" indent="-342900">
+              <a:lnSpc>
+                <a:spcPts val="2300"/>
+              </a:lnSpc>
+              <a:buAutoNum type="arabicPeriod"/>
+            </a:pPr>
+            <a:r>
+              <a:rPr lang="ko-KR" altLang="en-US" sz="1100" dirty="0" err="1"/>
+              <a:t>디디치킨</a:t>
+            </a:r>
+            <a:endParaRPr lang="en-US" altLang="ko-KR" sz="1100" dirty="0"/>
+          </a:p>
+          <a:p>
+            <a:pPr marL="342900" indent="-342900">
+              <a:lnSpc>
+                <a:spcPts val="2300"/>
+              </a:lnSpc>
+              <a:buAutoNum type="arabicPeriod"/>
+            </a:pPr>
+            <a:r>
+              <a:rPr lang="ko-KR" altLang="en-US" sz="1100" dirty="0" err="1"/>
+              <a:t>또레오레</a:t>
+            </a:r>
+            <a:endParaRPr lang="en-US" altLang="ko-KR" sz="1100" dirty="0"/>
+          </a:p>
+          <a:p>
+            <a:pPr marL="342900" indent="-342900">
+              <a:lnSpc>
+                <a:spcPts val="2300"/>
+              </a:lnSpc>
+              <a:buAutoNum type="arabicPeriod"/>
+            </a:pPr>
+            <a:r>
+              <a:rPr lang="ko-KR" altLang="en-US" sz="1100" dirty="0" err="1"/>
+              <a:t>지코바</a:t>
+            </a:r>
+            <a:endParaRPr lang="ko-KR" altLang="en-US" sz="1100" dirty="0"/>
+          </a:p>
+          <a:p>
+            <a:endParaRPr lang="ko-KR" altLang="en-US" dirty="0"/>
+          </a:p>
+        </p:txBody>
+      </p:sp>
+      <p:pic>
+        <p:nvPicPr>
+          <p:cNvPr id="50" name="그래픽 20" descr="엄지척 기호 단색으로 채워진">
+            <a:extLst>
+              <a:ext uri="{FF2B5EF4-FFF2-40B4-BE49-F238E27FC236}">
+                <a16:creationId xmlns:a16="http://schemas.microsoft.com/office/drawing/2014/main" id="{B275BD7C-F83C-40D4-8F26-975BF4E77D05}"/>
+              </a:ext>
+            </a:extLst>
+          </p:cNvPr>
+          <p:cNvPicPr>
+            <a:picLocks noChangeAspect="1"/>
+          </p:cNvPicPr>
+          <p:nvPr/>
+        </p:nvPicPr>
+        <p:blipFill>
+          <a:blip r:embed="rId5" cstate="print">
+            <a:extLst>
+              <a:ext uri="{28A0092B-C50C-407E-A947-70E740481C1C}">
+                <a14:useLocalDpi xmlns:a14="http://schemas.microsoft.com/office/drawing/2010/main" val="0"/>
+              </a:ext>
+              <a:ext uri="{96DAC541-7B7A-43D3-8B79-37D633B846F1}">
+                <asvg:svgBlip xmlns:asvg="http://schemas.microsoft.com/office/drawing/2016/SVG/main" xmlns="" r:embed="rId6"/>
+              </a:ext>
+            </a:extLst>
+          </a:blip>
+          <a:stretch>
+            <a:fillRect/>
+          </a:stretch>
+        </p:blipFill>
+        <p:spPr>
+          <a:xfrm>
+            <a:off x="7861271" y="3186903"/>
+            <a:ext cx="327239" cy="327239"/>
+          </a:xfrm>
+          <a:prstGeom prst="rect">
+            <a:avLst/>
+          </a:prstGeom>
+        </p:spPr>
+      </p:pic>
+      <p:pic>
+        <p:nvPicPr>
+          <p:cNvPr id="51" name="그래픽 20" descr="엄지척 기호 단색으로 채워진">
+            <a:extLst>
+              <a:ext uri="{FF2B5EF4-FFF2-40B4-BE49-F238E27FC236}">
+                <a16:creationId xmlns:a16="http://schemas.microsoft.com/office/drawing/2014/main" id="{B275BD7C-F83C-40D4-8F26-975BF4E77D05}"/>
+              </a:ext>
+            </a:extLst>
+          </p:cNvPr>
+          <p:cNvPicPr>
+            <a:picLocks noChangeAspect="1"/>
+          </p:cNvPicPr>
+          <p:nvPr/>
+        </p:nvPicPr>
+        <p:blipFill>
+          <a:blip r:embed="rId5" cstate="print">
+            <a:extLst>
+              <a:ext uri="{28A0092B-C50C-407E-A947-70E740481C1C}">
+                <a14:useLocalDpi xmlns:a14="http://schemas.microsoft.com/office/drawing/2010/main" val="0"/>
+              </a:ext>
+              <a:ext uri="{96DAC541-7B7A-43D3-8B79-37D633B846F1}">
+                <asvg:svgBlip xmlns:asvg="http://schemas.microsoft.com/office/drawing/2016/SVG/main" xmlns="" r:embed="rId6"/>
+              </a:ext>
+            </a:extLst>
+          </a:blip>
+          <a:stretch>
+            <a:fillRect/>
+          </a:stretch>
+        </p:blipFill>
+        <p:spPr>
+          <a:xfrm>
+            <a:off x="7857126" y="4331235"/>
+            <a:ext cx="327239" cy="327239"/>
+          </a:xfrm>
+          <a:prstGeom prst="rect">
+            <a:avLst/>
+          </a:prstGeom>
+        </p:spPr>
+      </p:pic>
+      <p:cxnSp>
+        <p:nvCxnSpPr>
+          <p:cNvPr id="53" name="직선 연결선 52"/>
+          <p:cNvCxnSpPr/>
+          <p:nvPr/>
+        </p:nvCxnSpPr>
+        <p:spPr>
+          <a:xfrm>
+            <a:off x="4082068" y="2895168"/>
+            <a:ext cx="4453812" cy="0"/>
+          </a:xfrm>
+          <a:prstGeom prst="line">
+            <a:avLst/>
+          </a:prstGeom>
+          <a:ln>
+            <a:solidFill>
+              <a:schemeClr val="bg1">
+                <a:lumMod val="85000"/>
+              </a:schemeClr>
+            </a:solidFill>
+          </a:ln>
+        </p:spPr>
+        <p:style>
+          <a:lnRef idx="1">
+            <a:schemeClr val="accent1"/>
+          </a:lnRef>
+          <a:fillRef idx="0">
+            <a:schemeClr val="accent1"/>
+          </a:fillRef>
+          <a:effectRef idx="0">
+            <a:schemeClr val="accent1"/>
+          </a:effectRef>
+          <a:fontRef idx="minor">
+            <a:schemeClr val="tx1"/>
+          </a:fontRef>
+        </p:style>
+      </p:cxnSp>
+      <p:sp>
+        <p:nvSpPr>
+          <p:cNvPr id="56" name="TextBox 55"/>
+          <p:cNvSpPr txBox="1"/>
+          <p:nvPr/>
+        </p:nvSpPr>
+        <p:spPr>
+          <a:xfrm>
+            <a:off x="4711870" y="2601534"/>
+            <a:ext cx="466794" cy="261610"/>
+          </a:xfrm>
+          <a:prstGeom prst="rect">
+            <a:avLst/>
+          </a:prstGeom>
+          <a:noFill/>
+        </p:spPr>
+        <p:txBody>
+          <a:bodyPr wrap="none" rtlCol="0">
+            <a:spAutoFit/>
+          </a:bodyPr>
+          <a:lstStyle/>
+          <a:p>
+            <a:r>
+              <a:rPr lang="ko-KR" altLang="en-US" sz="1100" dirty="0" smtClean="0"/>
+              <a:t>명칭</a:t>
+            </a:r>
+            <a:endParaRPr lang="ko-KR" altLang="en-US" sz="1100" dirty="0"/>
+          </a:p>
+        </p:txBody>
+      </p:sp>
+      <p:pic>
+        <p:nvPicPr>
+          <p:cNvPr id="57" name="그래픽 29" descr="왕관 단색으로 채워진">
+            <a:extLst>
+              <a:ext uri="{FF2B5EF4-FFF2-40B4-BE49-F238E27FC236}">
+                <a16:creationId xmlns:a16="http://schemas.microsoft.com/office/drawing/2014/main" id="{218737B8-1D65-46B2-923A-BA6A5F93F568}"/>
+              </a:ext>
+            </a:extLst>
+          </p:cNvPr>
+          <p:cNvPicPr>
+            <a:picLocks noChangeAspect="1"/>
+          </p:cNvPicPr>
+          <p:nvPr/>
+        </p:nvPicPr>
+        <p:blipFill>
+          <a:blip r:embed="rId13" cstate="print">
+            <a:extLst>
+              <a:ext uri="{28A0092B-C50C-407E-A947-70E740481C1C}">
+                <a14:useLocalDpi xmlns:a14="http://schemas.microsoft.com/office/drawing/2010/main" val="0"/>
+              </a:ext>
+              <a:ext uri="{96DAC541-7B7A-43D3-8B79-37D633B846F1}">
+                <asvg:svgBlip xmlns:asvg="http://schemas.microsoft.com/office/drawing/2016/SVG/main" xmlns="" r:embed="rId14"/>
+              </a:ext>
+            </a:extLst>
+          </a:blip>
+          <a:stretch>
+            <a:fillRect/>
+          </a:stretch>
+        </p:blipFill>
+        <p:spPr>
+          <a:xfrm rot="19609151">
+            <a:off x="4135836" y="2776224"/>
+            <a:ext cx="380922" cy="380922"/>
+          </a:xfrm>
+          <a:prstGeom prst="rect">
+            <a:avLst/>
+          </a:prstGeom>
+        </p:spPr>
+      </p:pic>
+      <p:pic>
+        <p:nvPicPr>
+          <p:cNvPr id="58" name="그래픽 30" descr="엄지척 기호 단색으로 채워진">
+            <a:extLst>
+              <a:ext uri="{FF2B5EF4-FFF2-40B4-BE49-F238E27FC236}">
+                <a16:creationId xmlns:a16="http://schemas.microsoft.com/office/drawing/2014/main" id="{D7DF81AD-0419-4449-A6CF-320E181CC887}"/>
+              </a:ext>
+            </a:extLst>
+          </p:cNvPr>
+          <p:cNvPicPr>
+            <a:picLocks noChangeAspect="1"/>
+          </p:cNvPicPr>
+          <p:nvPr/>
+        </p:nvPicPr>
+        <p:blipFill>
+          <a:blip r:embed="rId5" cstate="print">
+            <a:extLst>
+              <a:ext uri="{28A0092B-C50C-407E-A947-70E740481C1C}">
+                <a14:useLocalDpi xmlns:a14="http://schemas.microsoft.com/office/drawing/2010/main" val="0"/>
+              </a:ext>
+              <a:ext uri="{96DAC541-7B7A-43D3-8B79-37D633B846F1}">
+                <asvg:svgBlip xmlns:asvg="http://schemas.microsoft.com/office/drawing/2016/SVG/main" xmlns="" r:embed="rId6"/>
+              </a:ext>
+            </a:extLst>
+          </a:blip>
+          <a:stretch>
+            <a:fillRect/>
+          </a:stretch>
+        </p:blipFill>
+        <p:spPr>
+          <a:xfrm>
+            <a:off x="7870669" y="4883711"/>
+            <a:ext cx="327239" cy="327239"/>
+          </a:xfrm>
+          <a:prstGeom prst="rect">
+            <a:avLst/>
+          </a:prstGeom>
+        </p:spPr>
+      </p:pic>
+      <p:pic>
+        <p:nvPicPr>
+          <p:cNvPr id="59" name="그래픽 30" descr="엄지척 기호 단색으로 채워진">
+            <a:extLst>
+              <a:ext uri="{FF2B5EF4-FFF2-40B4-BE49-F238E27FC236}">
+                <a16:creationId xmlns:a16="http://schemas.microsoft.com/office/drawing/2014/main" id="{D7DF81AD-0419-4449-A6CF-320E181CC887}"/>
+              </a:ext>
+            </a:extLst>
+          </p:cNvPr>
+          <p:cNvPicPr>
+            <a:picLocks noChangeAspect="1"/>
+          </p:cNvPicPr>
+          <p:nvPr/>
+        </p:nvPicPr>
+        <p:blipFill>
+          <a:blip r:embed="rId5" cstate="print">
+            <a:extLst>
+              <a:ext uri="{28A0092B-C50C-407E-A947-70E740481C1C}">
+                <a14:useLocalDpi xmlns:a14="http://schemas.microsoft.com/office/drawing/2010/main" val="0"/>
+              </a:ext>
+              <a:ext uri="{96DAC541-7B7A-43D3-8B79-37D633B846F1}">
+                <asvg:svgBlip xmlns:asvg="http://schemas.microsoft.com/office/drawing/2016/SVG/main" xmlns="" r:embed="rId6"/>
+              </a:ext>
+            </a:extLst>
+          </a:blip>
+          <a:stretch>
+            <a:fillRect/>
+          </a:stretch>
+        </p:blipFill>
+        <p:spPr>
+          <a:xfrm>
+            <a:off x="7871616" y="5165035"/>
+            <a:ext cx="327239" cy="327239"/>
+          </a:xfrm>
+          <a:prstGeom prst="rect">
+            <a:avLst/>
+          </a:prstGeom>
+        </p:spPr>
+      </p:pic>
+      <p:pic>
+        <p:nvPicPr>
+          <p:cNvPr id="60" name="그래픽 30" descr="엄지척 기호 단색으로 채워진">
+            <a:extLst>
+              <a:ext uri="{FF2B5EF4-FFF2-40B4-BE49-F238E27FC236}">
+                <a16:creationId xmlns:a16="http://schemas.microsoft.com/office/drawing/2014/main" id="{D7DF81AD-0419-4449-A6CF-320E181CC887}"/>
+              </a:ext>
+            </a:extLst>
+          </p:cNvPr>
+          <p:cNvPicPr>
+            <a:picLocks noChangeAspect="1"/>
+          </p:cNvPicPr>
+          <p:nvPr/>
+        </p:nvPicPr>
+        <p:blipFill>
+          <a:blip r:embed="rId5" cstate="print">
+            <a:extLst>
+              <a:ext uri="{28A0092B-C50C-407E-A947-70E740481C1C}">
+                <a14:useLocalDpi xmlns:a14="http://schemas.microsoft.com/office/drawing/2010/main" val="0"/>
+              </a:ext>
+              <a:ext uri="{96DAC541-7B7A-43D3-8B79-37D633B846F1}">
+                <asvg:svgBlip xmlns:asvg="http://schemas.microsoft.com/office/drawing/2016/SVG/main" xmlns="" r:embed="rId6"/>
+              </a:ext>
+            </a:extLst>
+          </a:blip>
+          <a:stretch>
+            <a:fillRect/>
+          </a:stretch>
+        </p:blipFill>
+        <p:spPr>
+          <a:xfrm>
+            <a:off x="7874600" y="5505029"/>
+            <a:ext cx="327239" cy="327239"/>
+          </a:xfrm>
+          <a:prstGeom prst="rect">
+            <a:avLst/>
+          </a:prstGeom>
+        </p:spPr>
+      </p:pic>
+      <p:cxnSp>
+        <p:nvCxnSpPr>
+          <p:cNvPr id="64" name="직선 연결선 63"/>
+          <p:cNvCxnSpPr/>
+          <p:nvPr/>
+        </p:nvCxnSpPr>
+        <p:spPr>
+          <a:xfrm>
+            <a:off x="5797404" y="2966685"/>
+            <a:ext cx="0" cy="3018455"/>
+          </a:xfrm>
+          <a:prstGeom prst="line">
+            <a:avLst/>
+          </a:prstGeom>
+          <a:ln>
+            <a:solidFill>
+              <a:schemeClr val="bg1">
+                <a:lumMod val="85000"/>
+              </a:schemeClr>
+            </a:solidFill>
+          </a:ln>
+        </p:spPr>
+        <p:style>
+          <a:lnRef idx="1">
+            <a:schemeClr val="accent1"/>
+          </a:lnRef>
+          <a:fillRef idx="0">
+            <a:schemeClr val="accent1"/>
+          </a:fillRef>
+          <a:effectRef idx="0">
+            <a:schemeClr val="accent1"/>
+          </a:effectRef>
+          <a:fontRef idx="minor">
+            <a:schemeClr val="tx1"/>
+          </a:fontRef>
+        </p:style>
+      </p:cxnSp>
+      <p:cxnSp>
+        <p:nvCxnSpPr>
+          <p:cNvPr id="65" name="직선 연결선 64"/>
+          <p:cNvCxnSpPr/>
+          <p:nvPr/>
+        </p:nvCxnSpPr>
+        <p:spPr>
+          <a:xfrm>
+            <a:off x="7342274" y="2948471"/>
+            <a:ext cx="0" cy="3018455"/>
+          </a:xfrm>
+          <a:prstGeom prst="line">
+            <a:avLst/>
+          </a:prstGeom>
+          <a:ln>
+            <a:solidFill>
+              <a:schemeClr val="bg1">
+                <a:lumMod val="85000"/>
+              </a:schemeClr>
+            </a:solidFill>
+          </a:ln>
+        </p:spPr>
+        <p:style>
+          <a:lnRef idx="1">
+            <a:schemeClr val="accent1"/>
+          </a:lnRef>
+          <a:fillRef idx="0">
+            <a:schemeClr val="accent1"/>
+          </a:fillRef>
+          <a:effectRef idx="0">
+            <a:schemeClr val="accent1"/>
+          </a:effectRef>
+          <a:fontRef idx="minor">
+            <a:schemeClr val="tx1"/>
+          </a:fontRef>
+        </p:style>
+      </p:cxnSp>
+      <p:cxnSp>
+        <p:nvCxnSpPr>
+          <p:cNvPr id="66" name="직선 연결선 65"/>
+          <p:cNvCxnSpPr/>
+          <p:nvPr/>
+        </p:nvCxnSpPr>
+        <p:spPr>
+          <a:xfrm>
+            <a:off x="4060486" y="6067859"/>
+            <a:ext cx="4453812" cy="0"/>
+          </a:xfrm>
+          <a:prstGeom prst="line">
+            <a:avLst/>
+          </a:prstGeom>
+          <a:ln>
+            <a:solidFill>
+              <a:schemeClr val="bg1">
+                <a:lumMod val="85000"/>
+              </a:schemeClr>
+            </a:solidFill>
+          </a:ln>
+        </p:spPr>
+        <p:style>
+          <a:lnRef idx="1">
+            <a:schemeClr val="accent1"/>
+          </a:lnRef>
+          <a:fillRef idx="0">
+            <a:schemeClr val="accent1"/>
+          </a:fillRef>
+          <a:effectRef idx="0">
+            <a:schemeClr val="accent1"/>
+          </a:effectRef>
+          <a:fontRef idx="minor">
+            <a:schemeClr val="tx1"/>
+          </a:fontRef>
+        </p:style>
+      </p:cxnSp>
+      <p:sp>
+        <p:nvSpPr>
+          <p:cNvPr id="67" name="TextBox 66"/>
+          <p:cNvSpPr txBox="1"/>
+          <p:nvPr/>
+        </p:nvSpPr>
+        <p:spPr>
+          <a:xfrm>
+            <a:off x="6308635" y="2597109"/>
+            <a:ext cx="607859" cy="261610"/>
+          </a:xfrm>
+          <a:prstGeom prst="rect">
+            <a:avLst/>
+          </a:prstGeom>
+          <a:noFill/>
+        </p:spPr>
+        <p:txBody>
+          <a:bodyPr wrap="none" rtlCol="0">
+            <a:spAutoFit/>
+          </a:bodyPr>
+          <a:lstStyle/>
+          <a:p>
+            <a:r>
+              <a:rPr lang="ko-KR" altLang="en-US" sz="1100" dirty="0" smtClean="0"/>
+              <a:t>투표수</a:t>
+            </a:r>
+            <a:endParaRPr lang="ko-KR" altLang="en-US" sz="1100" dirty="0"/>
+          </a:p>
+        </p:txBody>
+      </p:sp>
+      <p:sp>
+        <p:nvSpPr>
+          <p:cNvPr id="68" name="TextBox 67"/>
+          <p:cNvSpPr txBox="1"/>
+          <p:nvPr/>
+        </p:nvSpPr>
+        <p:spPr>
+          <a:xfrm>
+            <a:off x="7687505" y="2612090"/>
+            <a:ext cx="607859" cy="261610"/>
+          </a:xfrm>
+          <a:prstGeom prst="rect">
+            <a:avLst/>
+          </a:prstGeom>
+          <a:noFill/>
+        </p:spPr>
+        <p:txBody>
+          <a:bodyPr wrap="none" rtlCol="0">
+            <a:spAutoFit/>
+          </a:bodyPr>
+          <a:lstStyle/>
+          <a:p>
+            <a:r>
+              <a:rPr lang="ko-KR" altLang="en-US" sz="1100" dirty="0" smtClean="0"/>
+              <a:t>좋아요</a:t>
+            </a:r>
+            <a:endParaRPr lang="ko-KR" altLang="en-US" sz="1100" dirty="0"/>
+          </a:p>
+        </p:txBody>
+      </p:sp>
+      <p:sp>
+        <p:nvSpPr>
+          <p:cNvPr id="69" name="TextBox 68"/>
+          <p:cNvSpPr txBox="1"/>
+          <p:nvPr/>
+        </p:nvSpPr>
+        <p:spPr>
+          <a:xfrm>
+            <a:off x="6010995" y="6200395"/>
+            <a:ext cx="607859" cy="261610"/>
+          </a:xfrm>
+          <a:prstGeom prst="rect">
+            <a:avLst/>
+          </a:prstGeom>
+          <a:noFill/>
+        </p:spPr>
+        <p:txBody>
+          <a:bodyPr wrap="none" rtlCol="0">
+            <a:spAutoFit/>
+          </a:bodyPr>
+          <a:lstStyle/>
+          <a:p>
+            <a:r>
+              <a:rPr lang="ko-KR" altLang="en-US" sz="1100" dirty="0" err="1" smtClean="0"/>
+              <a:t>더보기</a:t>
+            </a:r>
+            <a:endParaRPr lang="ko-KR" altLang="en-US" sz="1100" dirty="0"/>
+          </a:p>
+        </p:txBody>
+      </p:sp>
+      <p:sp>
+        <p:nvSpPr>
+          <p:cNvPr id="70" name="TextBox 69">
+            <a:extLst>
+              <a:ext uri="{FF2B5EF4-FFF2-40B4-BE49-F238E27FC236}">
+                <a16:creationId xmlns:a16="http://schemas.microsoft.com/office/drawing/2014/main" id="{EA0440F5-0EB8-4A90-83EE-1E782F16D94E}"/>
+              </a:ext>
+            </a:extLst>
+          </p:cNvPr>
+          <p:cNvSpPr txBox="1"/>
+          <p:nvPr/>
+        </p:nvSpPr>
+        <p:spPr>
+          <a:xfrm>
+            <a:off x="44226" y="6364218"/>
+            <a:ext cx="2489570" cy="369332"/>
+          </a:xfrm>
+          <a:prstGeom prst="rect">
+            <a:avLst/>
+          </a:prstGeom>
+          <a:noFill/>
+        </p:spPr>
+        <p:txBody>
+          <a:bodyPr wrap="square" rtlCol="0">
+            <a:spAutoFit/>
+          </a:bodyPr>
+          <a:lstStyle/>
+          <a:p>
+            <a:r>
+              <a:rPr lang="en-US" altLang="ko-KR" dirty="0"/>
+              <a:t>result 1</a:t>
+            </a:r>
+            <a:endParaRPr lang="ko-KR" altLang="en-US" dirty="0"/>
           </a:p>
         </p:txBody>
       </p:sp>
     </p:spTree>
     <p:extLst>
       <p:ext uri="{BB962C8B-B14F-4D97-AF65-F5344CB8AC3E}">
-        <p14:creationId xmlns:p14="http://schemas.microsoft.com/office/powerpoint/2010/main" val="2439777971"/>
+        <p14:creationId xmlns:p14="http://schemas.microsoft.com/office/powerpoint/2010/main" val="550236901"/>
       </p:ext>
     </p:extLst>
   </p:cSld>
